--- a/Quesito 6 Team/Presentation1.pptx
+++ b/Quesito 6 Team/Presentation1.pptx
@@ -1986,6 +1986,13 @@
         </dgm:presLayoutVars>
       </dgm:prSet>
       <dgm:spPr/>
+      <dgm:t>
+        <a:bodyPr/>
+        <a:lstStyle/>
+        <a:p>
+          <a:endParaRPr lang="en-US"/>
+        </a:p>
+      </dgm:t>
     </dgm:pt>
     <dgm:pt modelId="{1AB02B2D-F50A-EE47-A7FD-81513B7071B7}" type="pres">
       <dgm:prSet presAssocID="{B2808C27-0877-2B4F-9372-60A4BC0CAC16}" presName="hierRoot1" presStyleCnt="0">
@@ -2017,6 +2024,13 @@
     <dgm:pt modelId="{03045E69-658E-7041-A1CC-B318E5489756}" type="pres">
       <dgm:prSet presAssocID="{B2808C27-0877-2B4F-9372-60A4BC0CAC16}" presName="rootConnector1" presStyleLbl="node1" presStyleIdx="0" presStyleCnt="0"/>
       <dgm:spPr/>
+      <dgm:t>
+        <a:bodyPr/>
+        <a:lstStyle/>
+        <a:p>
+          <a:endParaRPr lang="en-US"/>
+        </a:p>
+      </dgm:t>
     </dgm:pt>
     <dgm:pt modelId="{A8DB6E3A-9F60-D041-BC40-CF97864CCF01}" type="pres">
       <dgm:prSet presAssocID="{B2808C27-0877-2B4F-9372-60A4BC0CAC16}" presName="hierChild2" presStyleCnt="0"/>
@@ -2025,6 +2039,13 @@
     <dgm:pt modelId="{3BD397C3-13ED-B449-B6E9-40905F8B4E85}" type="pres">
       <dgm:prSet presAssocID="{EF5D9322-4100-474B-A9DE-228B7EEC4868}" presName="Name37" presStyleLbl="parChTrans1D2" presStyleIdx="0" presStyleCnt="3"/>
       <dgm:spPr/>
+      <dgm:t>
+        <a:bodyPr/>
+        <a:lstStyle/>
+        <a:p>
+          <a:endParaRPr lang="en-US"/>
+        </a:p>
+      </dgm:t>
     </dgm:pt>
     <dgm:pt modelId="{3697BD66-56BB-6A40-AC3E-7EA4CB7F05AB}" type="pres">
       <dgm:prSet presAssocID="{FFDB24AE-7A25-F344-8E6E-2F72E6804589}" presName="hierRoot2" presStyleCnt="0">
@@ -2045,10 +2066,24 @@
         </dgm:presLayoutVars>
       </dgm:prSet>
       <dgm:spPr/>
+      <dgm:t>
+        <a:bodyPr/>
+        <a:lstStyle/>
+        <a:p>
+          <a:endParaRPr lang="en-US"/>
+        </a:p>
+      </dgm:t>
     </dgm:pt>
     <dgm:pt modelId="{9CC4E45C-6449-BB4E-BB25-F6937A4EF483}" type="pres">
       <dgm:prSet presAssocID="{FFDB24AE-7A25-F344-8E6E-2F72E6804589}" presName="rootConnector" presStyleLbl="node2" presStyleIdx="0" presStyleCnt="3"/>
       <dgm:spPr/>
+      <dgm:t>
+        <a:bodyPr/>
+        <a:lstStyle/>
+        <a:p>
+          <a:endParaRPr lang="en-US"/>
+        </a:p>
+      </dgm:t>
     </dgm:pt>
     <dgm:pt modelId="{BCC70CA4-59E0-C244-912E-AF2AA88F9D33}" type="pres">
       <dgm:prSet presAssocID="{FFDB24AE-7A25-F344-8E6E-2F72E6804589}" presName="hierChild4" presStyleCnt="0"/>
@@ -2061,6 +2096,13 @@
     <dgm:pt modelId="{32FDBDAE-BEAD-2C42-872E-10CCFA70DB4F}" type="pres">
       <dgm:prSet presAssocID="{737C8292-3A7C-1843-9786-ED3E3CE69FB3}" presName="Name37" presStyleLbl="parChTrans1D2" presStyleIdx="1" presStyleCnt="3"/>
       <dgm:spPr/>
+      <dgm:t>
+        <a:bodyPr/>
+        <a:lstStyle/>
+        <a:p>
+          <a:endParaRPr lang="en-US"/>
+        </a:p>
+      </dgm:t>
     </dgm:pt>
     <dgm:pt modelId="{2513D284-C99E-DF47-BFC9-D5076E9CEC47}" type="pres">
       <dgm:prSet presAssocID="{7065D298-399B-DD4A-B536-F63C6AFD996B}" presName="hierRoot2" presStyleCnt="0">
@@ -2092,6 +2134,13 @@
     <dgm:pt modelId="{EA787927-107C-CF46-AF65-F4F4F65C8420}" type="pres">
       <dgm:prSet presAssocID="{7065D298-399B-DD4A-B536-F63C6AFD996B}" presName="rootConnector" presStyleLbl="node2" presStyleIdx="1" presStyleCnt="3"/>
       <dgm:spPr/>
+      <dgm:t>
+        <a:bodyPr/>
+        <a:lstStyle/>
+        <a:p>
+          <a:endParaRPr lang="en-US"/>
+        </a:p>
+      </dgm:t>
     </dgm:pt>
     <dgm:pt modelId="{2771E2C7-2B2B-2B4F-8BD4-2AFD4E03D9CB}" type="pres">
       <dgm:prSet presAssocID="{7065D298-399B-DD4A-B536-F63C6AFD996B}" presName="hierChild4" presStyleCnt="0"/>
@@ -2104,6 +2153,13 @@
     <dgm:pt modelId="{0CC7BC11-0500-734D-81F5-5B0857E696B9}" type="pres">
       <dgm:prSet presAssocID="{A6A24257-53D7-0F4F-B838-9E6EE5C6B902}" presName="Name37" presStyleLbl="parChTrans1D2" presStyleIdx="2" presStyleCnt="3"/>
       <dgm:spPr/>
+      <dgm:t>
+        <a:bodyPr/>
+        <a:lstStyle/>
+        <a:p>
+          <a:endParaRPr lang="en-US"/>
+        </a:p>
+      </dgm:t>
     </dgm:pt>
     <dgm:pt modelId="{D15B0075-F54C-9E4F-BAFE-074A5FA85910}" type="pres">
       <dgm:prSet presAssocID="{03EE1C48-D135-7549-99B7-D4BA17C9464F}" presName="hierRoot2" presStyleCnt="0">
@@ -2135,6 +2191,13 @@
     <dgm:pt modelId="{9472506A-7CC0-2F48-A1FE-C9D5758167B2}" type="pres">
       <dgm:prSet presAssocID="{03EE1C48-D135-7549-99B7-D4BA17C9464F}" presName="rootConnector" presStyleLbl="node2" presStyleIdx="2" presStyleCnt="3"/>
       <dgm:spPr/>
+      <dgm:t>
+        <a:bodyPr/>
+        <a:lstStyle/>
+        <a:p>
+          <a:endParaRPr lang="en-US"/>
+        </a:p>
+      </dgm:t>
     </dgm:pt>
     <dgm:pt modelId="{7EC49C26-9DA5-AE4A-8823-A6E9C099F0BC}" type="pres">
       <dgm:prSet presAssocID="{03EE1C48-D135-7549-99B7-D4BA17C9464F}" presName="hierChild4" presStyleCnt="0"/>
@@ -2150,22 +2213,22 @@
     </dgm:pt>
   </dgm:ptLst>
   <dgm:cxnLst>
-    <dgm:cxn modelId="{FA5B1B78-91E6-A04D-9F2D-FA10B51CFA0E}" type="presOf" srcId="{7065D298-399B-DD4A-B536-F63C6AFD996B}" destId="{D402DAA1-85A1-8141-AE79-293130A0D644}" srcOrd="0" destOrd="0" presId="urn:microsoft.com/office/officeart/2005/8/layout/orgChart1"/>
-    <dgm:cxn modelId="{3021B9B1-7E9D-2941-8ADF-5D91D228D987}" type="presOf" srcId="{B2808C27-0877-2B4F-9372-60A4BC0CAC16}" destId="{03045E69-658E-7041-A1CC-B318E5489756}" srcOrd="1" destOrd="0" presId="urn:microsoft.com/office/officeart/2005/8/layout/orgChart1"/>
-    <dgm:cxn modelId="{82AD4878-E7E9-8C4C-BC8A-BEA0798AB58F}" type="presOf" srcId="{FFDB24AE-7A25-F344-8E6E-2F72E6804589}" destId="{00EA6B33-9195-0644-92EA-ACFD27AC07F3}" srcOrd="0" destOrd="0" presId="urn:microsoft.com/office/officeart/2005/8/layout/orgChart1"/>
-    <dgm:cxn modelId="{10EA88D0-17D8-0646-A7FA-A9BFB2CE3D83}" type="presOf" srcId="{FFDB24AE-7A25-F344-8E6E-2F72E6804589}" destId="{9CC4E45C-6449-BB4E-BB25-F6937A4EF483}" srcOrd="1" destOrd="0" presId="urn:microsoft.com/office/officeart/2005/8/layout/orgChart1"/>
-    <dgm:cxn modelId="{3E95EA42-EB14-4645-A7C0-12BC7B71C403}" type="presOf" srcId="{B2808C27-0877-2B4F-9372-60A4BC0CAC16}" destId="{8CB371AC-E01D-6F43-B7DC-C81D43FBF527}" srcOrd="0" destOrd="0" presId="urn:microsoft.com/office/officeart/2005/8/layout/orgChart1"/>
-    <dgm:cxn modelId="{4F4896F0-4AF4-E54A-8D07-1B032F3EC6E1}" type="presOf" srcId="{03EE1C48-D135-7549-99B7-D4BA17C9464F}" destId="{9472506A-7CC0-2F48-A1FE-C9D5758167B2}" srcOrd="1" destOrd="0" presId="urn:microsoft.com/office/officeart/2005/8/layout/orgChart1"/>
-    <dgm:cxn modelId="{FE0E08DD-FC8F-644D-AAC9-C8D7D5790687}" type="presOf" srcId="{EF5D9322-4100-474B-A9DE-228B7EEC4868}" destId="{3BD397C3-13ED-B449-B6E9-40905F8B4E85}" srcOrd="0" destOrd="0" presId="urn:microsoft.com/office/officeart/2005/8/layout/orgChart1"/>
-    <dgm:cxn modelId="{27F38AA0-0232-884B-9EAB-E14D13FB6C8D}" srcId="{B2808C27-0877-2B4F-9372-60A4BC0CAC16}" destId="{03EE1C48-D135-7549-99B7-D4BA17C9464F}" srcOrd="2" destOrd="0" parTransId="{A6A24257-53D7-0F4F-B838-9E6EE5C6B902}" sibTransId="{1033441C-8F40-8544-892D-C4E6520DFBB1}"/>
-    <dgm:cxn modelId="{9BA67915-D8FA-C241-A6A6-E87EBFC9C26A}" srcId="{B2808C27-0877-2B4F-9372-60A4BC0CAC16}" destId="{7065D298-399B-DD4A-B536-F63C6AFD996B}" srcOrd="1" destOrd="0" parTransId="{737C8292-3A7C-1843-9786-ED3E3CE69FB3}" sibTransId="{42298CBE-C6DB-1C4B-BCC8-B37F07635EB4}"/>
-    <dgm:cxn modelId="{80221C9F-BE46-334F-8243-42BB844D6887}" srcId="{B2808C27-0877-2B4F-9372-60A4BC0CAC16}" destId="{FFDB24AE-7A25-F344-8E6E-2F72E6804589}" srcOrd="0" destOrd="0" parTransId="{EF5D9322-4100-474B-A9DE-228B7EEC4868}" sibTransId="{C1266E51-B85A-9040-8F18-5601E98E4432}"/>
+    <dgm:cxn modelId="{B087F4C4-6FFD-1F4F-B484-E85886A4ECC7}" type="presOf" srcId="{7065D298-399B-DD4A-B536-F63C6AFD996B}" destId="{EA787927-107C-CF46-AF65-F4F4F65C8420}" srcOrd="1" destOrd="0" presId="urn:microsoft.com/office/officeart/2005/8/layout/orgChart1"/>
+    <dgm:cxn modelId="{178C83C0-3398-A044-A72A-641A671F6B25}" type="presOf" srcId="{03EE1C48-D135-7549-99B7-D4BA17C9464F}" destId="{8BE716CD-B9CF-FD40-A884-AB6C4003793E}" srcOrd="0" destOrd="0" presId="urn:microsoft.com/office/officeart/2005/8/layout/orgChart1"/>
     <dgm:cxn modelId="{65BAC92B-85DC-AA4B-897A-27BBFEB5C55B}" srcId="{292BFFF7-F164-F443-9DA3-9134E374A20B}" destId="{B2808C27-0877-2B4F-9372-60A4BC0CAC16}" srcOrd="0" destOrd="0" parTransId="{4A0BEA20-9595-FE4C-840B-86BB806CFDB0}" sibTransId="{36C11798-E42C-AC42-AE7C-5F40CFB5C878}"/>
     <dgm:cxn modelId="{A2EA5211-A2A1-8047-8B0A-83D537B50B7E}" type="presOf" srcId="{292BFFF7-F164-F443-9DA3-9134E374A20B}" destId="{2C12AB21-533C-B84D-9D8A-07EE5477B67F}" srcOrd="0" destOrd="0" presId="urn:microsoft.com/office/officeart/2005/8/layout/orgChart1"/>
+    <dgm:cxn modelId="{10EA88D0-17D8-0646-A7FA-A9BFB2CE3D83}" type="presOf" srcId="{FFDB24AE-7A25-F344-8E6E-2F72E6804589}" destId="{9CC4E45C-6449-BB4E-BB25-F6937A4EF483}" srcOrd="1" destOrd="0" presId="urn:microsoft.com/office/officeart/2005/8/layout/orgChart1"/>
+    <dgm:cxn modelId="{82AD4878-E7E9-8C4C-BC8A-BEA0798AB58F}" type="presOf" srcId="{FFDB24AE-7A25-F344-8E6E-2F72E6804589}" destId="{00EA6B33-9195-0644-92EA-ACFD27AC07F3}" srcOrd="0" destOrd="0" presId="urn:microsoft.com/office/officeart/2005/8/layout/orgChart1"/>
+    <dgm:cxn modelId="{9BA67915-D8FA-C241-A6A6-E87EBFC9C26A}" srcId="{B2808C27-0877-2B4F-9372-60A4BC0CAC16}" destId="{7065D298-399B-DD4A-B536-F63C6AFD996B}" srcOrd="1" destOrd="0" parTransId="{737C8292-3A7C-1843-9786-ED3E3CE69FB3}" sibTransId="{42298CBE-C6DB-1C4B-BCC8-B37F07635EB4}"/>
+    <dgm:cxn modelId="{FA5B1B78-91E6-A04D-9F2D-FA10B51CFA0E}" type="presOf" srcId="{7065D298-399B-DD4A-B536-F63C6AFD996B}" destId="{D402DAA1-85A1-8141-AE79-293130A0D644}" srcOrd="0" destOrd="0" presId="urn:microsoft.com/office/officeart/2005/8/layout/orgChart1"/>
+    <dgm:cxn modelId="{4F4896F0-4AF4-E54A-8D07-1B032F3EC6E1}" type="presOf" srcId="{03EE1C48-D135-7549-99B7-D4BA17C9464F}" destId="{9472506A-7CC0-2F48-A1FE-C9D5758167B2}" srcOrd="1" destOrd="0" presId="urn:microsoft.com/office/officeart/2005/8/layout/orgChart1"/>
+    <dgm:cxn modelId="{27F38AA0-0232-884B-9EAB-E14D13FB6C8D}" srcId="{B2808C27-0877-2B4F-9372-60A4BC0CAC16}" destId="{03EE1C48-D135-7549-99B7-D4BA17C9464F}" srcOrd="2" destOrd="0" parTransId="{A6A24257-53D7-0F4F-B838-9E6EE5C6B902}" sibTransId="{1033441C-8F40-8544-892D-C4E6520DFBB1}"/>
     <dgm:cxn modelId="{F490AAC4-4662-B546-939E-7402663031A4}" type="presOf" srcId="{A6A24257-53D7-0F4F-B838-9E6EE5C6B902}" destId="{0CC7BC11-0500-734D-81F5-5B0857E696B9}" srcOrd="0" destOrd="0" presId="urn:microsoft.com/office/officeart/2005/8/layout/orgChart1"/>
-    <dgm:cxn modelId="{B087F4C4-6FFD-1F4F-B484-E85886A4ECC7}" type="presOf" srcId="{7065D298-399B-DD4A-B536-F63C6AFD996B}" destId="{EA787927-107C-CF46-AF65-F4F4F65C8420}" srcOrd="1" destOrd="0" presId="urn:microsoft.com/office/officeart/2005/8/layout/orgChart1"/>
+    <dgm:cxn modelId="{3021B9B1-7E9D-2941-8ADF-5D91D228D987}" type="presOf" srcId="{B2808C27-0877-2B4F-9372-60A4BC0CAC16}" destId="{03045E69-658E-7041-A1CC-B318E5489756}" srcOrd="1" destOrd="0" presId="urn:microsoft.com/office/officeart/2005/8/layout/orgChart1"/>
+    <dgm:cxn modelId="{80221C9F-BE46-334F-8243-42BB844D6887}" srcId="{B2808C27-0877-2B4F-9372-60A4BC0CAC16}" destId="{FFDB24AE-7A25-F344-8E6E-2F72E6804589}" srcOrd="0" destOrd="0" parTransId="{EF5D9322-4100-474B-A9DE-228B7EEC4868}" sibTransId="{C1266E51-B85A-9040-8F18-5601E98E4432}"/>
+    <dgm:cxn modelId="{FE0E08DD-FC8F-644D-AAC9-C8D7D5790687}" type="presOf" srcId="{EF5D9322-4100-474B-A9DE-228B7EEC4868}" destId="{3BD397C3-13ED-B449-B6E9-40905F8B4E85}" srcOrd="0" destOrd="0" presId="urn:microsoft.com/office/officeart/2005/8/layout/orgChart1"/>
     <dgm:cxn modelId="{701610EC-B2A0-0A4C-A9E5-61B95D747FA9}" type="presOf" srcId="{737C8292-3A7C-1843-9786-ED3E3CE69FB3}" destId="{32FDBDAE-BEAD-2C42-872E-10CCFA70DB4F}" srcOrd="0" destOrd="0" presId="urn:microsoft.com/office/officeart/2005/8/layout/orgChart1"/>
-    <dgm:cxn modelId="{178C83C0-3398-A044-A72A-641A671F6B25}" type="presOf" srcId="{03EE1C48-D135-7549-99B7-D4BA17C9464F}" destId="{8BE716CD-B9CF-FD40-A884-AB6C4003793E}" srcOrd="0" destOrd="0" presId="urn:microsoft.com/office/officeart/2005/8/layout/orgChart1"/>
+    <dgm:cxn modelId="{3E95EA42-EB14-4645-A7C0-12BC7B71C403}" type="presOf" srcId="{B2808C27-0877-2B4F-9372-60A4BC0CAC16}" destId="{8CB371AC-E01D-6F43-B7DC-C81D43FBF527}" srcOrd="0" destOrd="0" presId="urn:microsoft.com/office/officeart/2005/8/layout/orgChart1"/>
     <dgm:cxn modelId="{77F7C277-1C92-6041-B8DA-ECAC8E375586}" type="presParOf" srcId="{2C12AB21-533C-B84D-9D8A-07EE5477B67F}" destId="{1AB02B2D-F50A-EE47-A7FD-81513B7071B7}" srcOrd="0" destOrd="0" presId="urn:microsoft.com/office/officeart/2005/8/layout/orgChart1"/>
     <dgm:cxn modelId="{0E0B6864-BD07-3D4F-98FD-0E8CFDBD091C}" type="presParOf" srcId="{1AB02B2D-F50A-EE47-A7FD-81513B7071B7}" destId="{A7DDBE61-CCF7-C346-B6E1-617142B9DB3C}" srcOrd="0" destOrd="0" presId="urn:microsoft.com/office/officeart/2005/8/layout/orgChart1"/>
     <dgm:cxn modelId="{F8B21F55-EE86-6441-836B-98CE54123C46}" type="presParOf" srcId="{A7DDBE61-CCF7-C346-B6E1-617142B9DB3C}" destId="{8CB371AC-E01D-6F43-B7DC-C81D43FBF527}" srcOrd="0" destOrd="0" presId="urn:microsoft.com/office/officeart/2005/8/layout/orgChart1"/>
@@ -2341,6 +2404,13 @@
         </dgm:presLayoutVars>
       </dgm:prSet>
       <dgm:spPr/>
+      <dgm:t>
+        <a:bodyPr/>
+        <a:lstStyle/>
+        <a:p>
+          <a:endParaRPr lang="en-US"/>
+        </a:p>
+      </dgm:t>
     </dgm:pt>
     <dgm:pt modelId="{7EC50BFA-4660-8C47-BEFE-87416F7E0722}" type="pres">
       <dgm:prSet presAssocID="{4CD04ABE-F6A9-6F4B-88AF-4A7EFCB365E6}" presName="hierRoot1" presStyleCnt="0">
@@ -2372,6 +2442,13 @@
     <dgm:pt modelId="{29D8C1BA-210D-FD42-9FBC-9F4A14388D18}" type="pres">
       <dgm:prSet presAssocID="{4CD04ABE-F6A9-6F4B-88AF-4A7EFCB365E6}" presName="rootConnector1" presStyleLbl="node1" presStyleIdx="0" presStyleCnt="0"/>
       <dgm:spPr/>
+      <dgm:t>
+        <a:bodyPr/>
+        <a:lstStyle/>
+        <a:p>
+          <a:endParaRPr lang="en-US"/>
+        </a:p>
+      </dgm:t>
     </dgm:pt>
     <dgm:pt modelId="{C491EC47-23BC-BD4E-A8B2-E26E19089475}" type="pres">
       <dgm:prSet presAssocID="{4CD04ABE-F6A9-6F4B-88AF-4A7EFCB365E6}" presName="hierChild2" presStyleCnt="0"/>
@@ -2380,6 +2457,13 @@
     <dgm:pt modelId="{38B49E5F-C3A2-6E41-A224-95732CB9EB68}" type="pres">
       <dgm:prSet presAssocID="{580822B2-921A-0B41-B66E-035E3E4593BC}" presName="Name37" presStyleLbl="parChTrans1D2" presStyleIdx="0" presStyleCnt="2"/>
       <dgm:spPr/>
+      <dgm:t>
+        <a:bodyPr/>
+        <a:lstStyle/>
+        <a:p>
+          <a:endParaRPr lang="en-US"/>
+        </a:p>
+      </dgm:t>
     </dgm:pt>
     <dgm:pt modelId="{5F1710D8-3FBA-B546-BD77-E430AC01CD8B}" type="pres">
       <dgm:prSet presAssocID="{1CEAB54D-3C33-5F4E-B44E-F3970089DF48}" presName="hierRoot2" presStyleCnt="0">
@@ -2411,6 +2495,13 @@
     <dgm:pt modelId="{903A29CE-DE90-A14F-9344-EE52A4C231E7}" type="pres">
       <dgm:prSet presAssocID="{1CEAB54D-3C33-5F4E-B44E-F3970089DF48}" presName="rootConnector" presStyleLbl="node2" presStyleIdx="0" presStyleCnt="2"/>
       <dgm:spPr/>
+      <dgm:t>
+        <a:bodyPr/>
+        <a:lstStyle/>
+        <a:p>
+          <a:endParaRPr lang="en-US"/>
+        </a:p>
+      </dgm:t>
     </dgm:pt>
     <dgm:pt modelId="{8C8A722A-B798-1F40-A795-6E3008335AE5}" type="pres">
       <dgm:prSet presAssocID="{1CEAB54D-3C33-5F4E-B44E-F3970089DF48}" presName="hierChild4" presStyleCnt="0"/>
@@ -2423,6 +2514,13 @@
     <dgm:pt modelId="{D4BA9B81-0424-6A4E-BD6B-05E96BBF02E7}" type="pres">
       <dgm:prSet presAssocID="{E330AB04-CAC3-404E-ABE3-585D11B8843E}" presName="Name37" presStyleLbl="parChTrans1D2" presStyleIdx="1" presStyleCnt="2"/>
       <dgm:spPr/>
+      <dgm:t>
+        <a:bodyPr/>
+        <a:lstStyle/>
+        <a:p>
+          <a:endParaRPr lang="en-US"/>
+        </a:p>
+      </dgm:t>
     </dgm:pt>
     <dgm:pt modelId="{309278A0-55E2-1345-8CDB-B1CD5E17AC3A}" type="pres">
       <dgm:prSet presAssocID="{82D514C1-9A2D-7644-AF28-589FA0430F3D}" presName="hierRoot2" presStyleCnt="0">
@@ -2454,6 +2552,13 @@
     <dgm:pt modelId="{D5C794F3-877F-C24E-8139-029A88E6ECCC}" type="pres">
       <dgm:prSet presAssocID="{82D514C1-9A2D-7644-AF28-589FA0430F3D}" presName="rootConnector" presStyleLbl="node2" presStyleIdx="1" presStyleCnt="2"/>
       <dgm:spPr/>
+      <dgm:t>
+        <a:bodyPr/>
+        <a:lstStyle/>
+        <a:p>
+          <a:endParaRPr lang="en-US"/>
+        </a:p>
+      </dgm:t>
     </dgm:pt>
     <dgm:pt modelId="{69F054BB-5C7C-8E41-974A-1E8D01E8BA53}" type="pres">
       <dgm:prSet presAssocID="{82D514C1-9A2D-7644-AF28-589FA0430F3D}" presName="hierChild4" presStyleCnt="0"/>
@@ -2469,18 +2574,18 @@
     </dgm:pt>
   </dgm:ptLst>
   <dgm:cxnLst>
-    <dgm:cxn modelId="{97CA77D8-AA9B-154D-9626-40574AD70EDF}" srcId="{4CD04ABE-F6A9-6F4B-88AF-4A7EFCB365E6}" destId="{82D514C1-9A2D-7644-AF28-589FA0430F3D}" srcOrd="1" destOrd="0" parTransId="{E330AB04-CAC3-404E-ABE3-585D11B8843E}" sibTransId="{4608CB01-5DC5-484A-9782-8C42C53B4D1A}"/>
-    <dgm:cxn modelId="{C3D3C0BD-F9CE-124E-8BD5-123D4ACF3DA1}" type="presOf" srcId="{82D514C1-9A2D-7644-AF28-589FA0430F3D}" destId="{597F57CC-3668-3449-BD98-4C789C2A48E3}" srcOrd="0" destOrd="0" presId="urn:microsoft.com/office/officeart/2005/8/layout/orgChart1"/>
-    <dgm:cxn modelId="{6DF71BF7-BCBE-D340-B644-AC42DD7328F7}" srcId="{78C93BB2-1635-764F-9546-5D61243CFE2B}" destId="{4CD04ABE-F6A9-6F4B-88AF-4A7EFCB365E6}" srcOrd="0" destOrd="0" parTransId="{768C4947-E5C6-2349-907F-39ACE424AC48}" sibTransId="{D0B71446-2E09-BA4C-B34C-6A649B9FAF4E}"/>
-    <dgm:cxn modelId="{DD113473-8871-5B49-9C29-A8D81EDDF998}" srcId="{4CD04ABE-F6A9-6F4B-88AF-4A7EFCB365E6}" destId="{1CEAB54D-3C33-5F4E-B44E-F3970089DF48}" srcOrd="0" destOrd="0" parTransId="{580822B2-921A-0B41-B66E-035E3E4593BC}" sibTransId="{C75D421E-9564-EF4E-84C5-9A8A71DABA25}"/>
-    <dgm:cxn modelId="{52836E5A-5E65-AB45-B2F2-2AC9036BC221}" type="presOf" srcId="{4CD04ABE-F6A9-6F4B-88AF-4A7EFCB365E6}" destId="{1609604D-5D9E-2C47-BAB0-8BABD7A5E7B9}" srcOrd="0" destOrd="0" presId="urn:microsoft.com/office/officeart/2005/8/layout/orgChart1"/>
     <dgm:cxn modelId="{EFE87FF9-BA4B-6C48-8255-E043A3C10A51}" type="presOf" srcId="{580822B2-921A-0B41-B66E-035E3E4593BC}" destId="{38B49E5F-C3A2-6E41-A224-95732CB9EB68}" srcOrd="0" destOrd="0" presId="urn:microsoft.com/office/officeart/2005/8/layout/orgChart1"/>
     <dgm:cxn modelId="{24E6C7C8-0730-414D-BEF8-3409D4EF2ED1}" type="presOf" srcId="{1CEAB54D-3C33-5F4E-B44E-F3970089DF48}" destId="{822CB52C-EFD3-844F-9609-D34F680FAD3F}" srcOrd="0" destOrd="0" presId="urn:microsoft.com/office/officeart/2005/8/layout/orgChart1"/>
+    <dgm:cxn modelId="{97CA77D8-AA9B-154D-9626-40574AD70EDF}" srcId="{4CD04ABE-F6A9-6F4B-88AF-4A7EFCB365E6}" destId="{82D514C1-9A2D-7644-AF28-589FA0430F3D}" srcOrd="1" destOrd="0" parTransId="{E330AB04-CAC3-404E-ABE3-585D11B8843E}" sibTransId="{4608CB01-5DC5-484A-9782-8C42C53B4D1A}"/>
+    <dgm:cxn modelId="{6DF71BF7-BCBE-D340-B644-AC42DD7328F7}" srcId="{78C93BB2-1635-764F-9546-5D61243CFE2B}" destId="{4CD04ABE-F6A9-6F4B-88AF-4A7EFCB365E6}" srcOrd="0" destOrd="0" parTransId="{768C4947-E5C6-2349-907F-39ACE424AC48}" sibTransId="{D0B71446-2E09-BA4C-B34C-6A649B9FAF4E}"/>
+    <dgm:cxn modelId="{92D9EEEB-1ACC-8E48-9D81-68527DF18777}" type="presOf" srcId="{1CEAB54D-3C33-5F4E-B44E-F3970089DF48}" destId="{903A29CE-DE90-A14F-9344-EE52A4C231E7}" srcOrd="1" destOrd="0" presId="urn:microsoft.com/office/officeart/2005/8/layout/orgChart1"/>
+    <dgm:cxn modelId="{617EE135-8ED7-FA49-8133-51D04EDF1FA7}" type="presOf" srcId="{78C93BB2-1635-764F-9546-5D61243CFE2B}" destId="{CFFC937B-40FA-E04E-9C89-6CE6DA9C3883}" srcOrd="0" destOrd="0" presId="urn:microsoft.com/office/officeart/2005/8/layout/orgChart1"/>
+    <dgm:cxn modelId="{DD113473-8871-5B49-9C29-A8D81EDDF998}" srcId="{4CD04ABE-F6A9-6F4B-88AF-4A7EFCB365E6}" destId="{1CEAB54D-3C33-5F4E-B44E-F3970089DF48}" srcOrd="0" destOrd="0" parTransId="{580822B2-921A-0B41-B66E-035E3E4593BC}" sibTransId="{C75D421E-9564-EF4E-84C5-9A8A71DABA25}"/>
     <dgm:cxn modelId="{987C54E9-786D-0A4A-9014-4669C9070839}" type="presOf" srcId="{4CD04ABE-F6A9-6F4B-88AF-4A7EFCB365E6}" destId="{29D8C1BA-210D-FD42-9FBC-9F4A14388D18}" srcOrd="1" destOrd="0" presId="urn:microsoft.com/office/officeart/2005/8/layout/orgChart1"/>
-    <dgm:cxn modelId="{617EE135-8ED7-FA49-8133-51D04EDF1FA7}" type="presOf" srcId="{78C93BB2-1635-764F-9546-5D61243CFE2B}" destId="{CFFC937B-40FA-E04E-9C89-6CE6DA9C3883}" srcOrd="0" destOrd="0" presId="urn:microsoft.com/office/officeart/2005/8/layout/orgChart1"/>
     <dgm:cxn modelId="{456EA7B2-D826-6848-8BE0-4D02787ED8D5}" type="presOf" srcId="{82D514C1-9A2D-7644-AF28-589FA0430F3D}" destId="{D5C794F3-877F-C24E-8139-029A88E6ECCC}" srcOrd="1" destOrd="0" presId="urn:microsoft.com/office/officeart/2005/8/layout/orgChart1"/>
+    <dgm:cxn modelId="{C3D3C0BD-F9CE-124E-8BD5-123D4ACF3DA1}" type="presOf" srcId="{82D514C1-9A2D-7644-AF28-589FA0430F3D}" destId="{597F57CC-3668-3449-BD98-4C789C2A48E3}" srcOrd="0" destOrd="0" presId="urn:microsoft.com/office/officeart/2005/8/layout/orgChart1"/>
+    <dgm:cxn modelId="{52836E5A-5E65-AB45-B2F2-2AC9036BC221}" type="presOf" srcId="{4CD04ABE-F6A9-6F4B-88AF-4A7EFCB365E6}" destId="{1609604D-5D9E-2C47-BAB0-8BABD7A5E7B9}" srcOrd="0" destOrd="0" presId="urn:microsoft.com/office/officeart/2005/8/layout/orgChart1"/>
     <dgm:cxn modelId="{D4F1343B-696B-9841-979C-1232BB790E04}" type="presOf" srcId="{E330AB04-CAC3-404E-ABE3-585D11B8843E}" destId="{D4BA9B81-0424-6A4E-BD6B-05E96BBF02E7}" srcOrd="0" destOrd="0" presId="urn:microsoft.com/office/officeart/2005/8/layout/orgChart1"/>
-    <dgm:cxn modelId="{92D9EEEB-1ACC-8E48-9D81-68527DF18777}" type="presOf" srcId="{1CEAB54D-3C33-5F4E-B44E-F3970089DF48}" destId="{903A29CE-DE90-A14F-9344-EE52A4C231E7}" srcOrd="1" destOrd="0" presId="urn:microsoft.com/office/officeart/2005/8/layout/orgChart1"/>
     <dgm:cxn modelId="{AC2D391F-B6E1-4C43-A73D-7DC00BB11676}" type="presParOf" srcId="{CFFC937B-40FA-E04E-9C89-6CE6DA9C3883}" destId="{7EC50BFA-4660-8C47-BEFE-87416F7E0722}" srcOrd="0" destOrd="0" presId="urn:microsoft.com/office/officeart/2005/8/layout/orgChart1"/>
     <dgm:cxn modelId="{1055F3C3-F949-BE48-A7F7-E5199EB3CACC}" type="presParOf" srcId="{7EC50BFA-4660-8C47-BEFE-87416F7E0722}" destId="{7F272D52-2925-3941-AF72-B4A89FEDE2E0}" srcOrd="0" destOrd="0" presId="urn:microsoft.com/office/officeart/2005/8/layout/orgChart1"/>
     <dgm:cxn modelId="{D450AD01-446F-A142-9C9B-38FCCB93A5FA}" type="presParOf" srcId="{7F272D52-2925-3941-AF72-B4A89FEDE2E0}" destId="{1609604D-5D9E-2C47-BAB0-8BABD7A5E7B9}" srcOrd="0" destOrd="0" presId="urn:microsoft.com/office/officeart/2005/8/layout/orgChart1"/>
@@ -8315,7 +8420,7 @@
           <a:p>
             <a:fld id="{D7C3A134-F1C3-464B-BF47-54DC2DE08F52}" type="datetimeFigureOut">
               <a:rPr lang="en-US" smtClean="0"/>
-              <a:t>27/05/16</a:t>
+              <a:t>28/05/16</a:t>
             </a:fld>
             <a:endParaRPr lang="en-US"/>
           </a:p>
@@ -8538,7 +8643,7 @@
           <a:p>
             <a:fld id="{D7C3A134-F1C3-464B-BF47-54DC2DE08F52}" type="datetimeFigureOut">
               <a:rPr lang="en-US" smtClean="0"/>
-              <a:t>27/05/16</a:t>
+              <a:t>28/05/16</a:t>
             </a:fld>
             <a:endParaRPr lang="en-US"/>
           </a:p>
@@ -8818,7 +8923,7 @@
           <a:p>
             <a:fld id="{D7C3A134-F1C3-464B-BF47-54DC2DE08F52}" type="datetimeFigureOut">
               <a:rPr lang="en-US" smtClean="0"/>
-              <a:t>27/05/16</a:t>
+              <a:t>28/05/16</a:t>
             </a:fld>
             <a:endParaRPr lang="en-US"/>
           </a:p>
@@ -8997,7 +9102,7 @@
           <a:p>
             <a:fld id="{D7C3A134-F1C3-464B-BF47-54DC2DE08F52}" type="datetimeFigureOut">
               <a:rPr lang="en-US" smtClean="0"/>
-              <a:t>27/05/16</a:t>
+              <a:t>28/05/16</a:t>
             </a:fld>
             <a:endParaRPr lang="en-US"/>
           </a:p>
@@ -9355,7 +9460,7 @@
           <a:p>
             <a:fld id="{D7C3A134-F1C3-464B-BF47-54DC2DE08F52}" type="datetimeFigureOut">
               <a:rPr lang="en-US" smtClean="0"/>
-              <a:t>27/05/16</a:t>
+              <a:t>28/05/16</a:t>
             </a:fld>
             <a:endParaRPr lang="en-US"/>
           </a:p>
@@ -9642,7 +9747,7 @@
           <a:p>
             <a:fld id="{D7C3A134-F1C3-464B-BF47-54DC2DE08F52}" type="datetimeFigureOut">
               <a:rPr lang="en-US" smtClean="0"/>
-              <a:t>27/05/16</a:t>
+              <a:t>28/05/16</a:t>
             </a:fld>
             <a:endParaRPr lang="en-US"/>
           </a:p>
@@ -10064,7 +10169,7 @@
           <a:p>
             <a:fld id="{D7C3A134-F1C3-464B-BF47-54DC2DE08F52}" type="datetimeFigureOut">
               <a:rPr lang="en-US" smtClean="0"/>
-              <a:t>27/05/16</a:t>
+              <a:t>28/05/16</a:t>
             </a:fld>
             <a:endParaRPr lang="en-US"/>
           </a:p>
@@ -10179,7 +10284,7 @@
           <a:p>
             <a:fld id="{D7C3A134-F1C3-464B-BF47-54DC2DE08F52}" type="datetimeFigureOut">
               <a:rPr lang="en-US" smtClean="0"/>
-              <a:t>27/05/16</a:t>
+              <a:t>28/05/16</a:t>
             </a:fld>
             <a:endParaRPr lang="en-US"/>
           </a:p>
@@ -10269,7 +10374,7 @@
           <a:p>
             <a:fld id="{D7C3A134-F1C3-464B-BF47-54DC2DE08F52}" type="datetimeFigureOut">
               <a:rPr lang="en-US" smtClean="0"/>
-              <a:t>27/05/16</a:t>
+              <a:t>28/05/16</a:t>
             </a:fld>
             <a:endParaRPr lang="en-US"/>
           </a:p>
@@ -10547,7 +10652,7 @@
           <a:p>
             <a:fld id="{D7C3A134-F1C3-464B-BF47-54DC2DE08F52}" type="datetimeFigureOut">
               <a:rPr lang="en-US" smtClean="0"/>
-              <a:t>27/05/16</a:t>
+              <a:t>28/05/16</a:t>
             </a:fld>
             <a:endParaRPr lang="en-US"/>
           </a:p>
@@ -10913,7 +11018,7 @@
           <a:p>
             <a:fld id="{D7C3A134-F1C3-464B-BF47-54DC2DE08F52}" type="datetimeFigureOut">
               <a:rPr lang="en-US" smtClean="0"/>
-              <a:t>27/05/16</a:t>
+              <a:t>28/05/16</a:t>
             </a:fld>
             <a:endParaRPr lang="en-US" dirty="0"/>
           </a:p>
@@ -11350,7 +11455,7 @@
           <a:p>
             <a:fld id="{D7C3A134-F1C3-464B-BF47-54DC2DE08F52}" type="datetimeFigureOut">
               <a:rPr lang="en-US" smtClean="0"/>
-              <a:t>27/05/16</a:t>
+              <a:t>28/05/16</a:t>
             </a:fld>
             <a:endParaRPr lang="en-US" dirty="0"/>
           </a:p>
@@ -11809,15 +11914,7 @@
             <a:pPr algn="r"/>
             <a:r>
               <a:rPr lang="en-US" dirty="0" smtClean="0"/>
-              <a:t>ISW </a:t>
-            </a:r>
-            <a:r>
-              <a:rPr lang="en-US" dirty="0" smtClean="0"/>
-              <a:t>–</a:t>
-            </a:r>
-            <a:r>
-              <a:rPr lang="en-US" dirty="0" smtClean="0"/>
-              <a:t> </a:t>
+              <a:t>ISW – </a:t>
             </a:r>
             <a:r>
               <a:rPr lang="en-US" dirty="0" err="1" smtClean="0"/>
@@ -11825,15 +11922,7 @@
             </a:r>
             <a:r>
               <a:rPr lang="en-US" dirty="0" smtClean="0"/>
-              <a:t> 01 </a:t>
-            </a:r>
-            <a:r>
-              <a:rPr lang="en-US" dirty="0" smtClean="0"/>
-              <a:t>–</a:t>
-            </a:r>
-            <a:r>
-              <a:rPr lang="en-US" dirty="0" smtClean="0"/>
-              <a:t> </a:t>
+              <a:t> 01 – </a:t>
             </a:r>
             <a:r>
               <a:rPr lang="en-US" dirty="0" err="1" smtClean="0"/>
@@ -14676,7 +14765,6 @@
               <a:rPr lang="it-IT" dirty="0"/>
               <a:t>contesto del sistema, a cui fa seguito un'analisi dettagliata di ciascuna dominio. </a:t>
             </a:r>
-            <a:endParaRPr lang="it-IT" dirty="0"/>
           </a:p>
         </p:txBody>
       </p:sp>
@@ -15313,12 +15401,24 @@
               <a:t>, per ciascuna vengono definite sei </a:t>
             </a:r>
             <a:r>
-              <a:rPr lang="it-IT" dirty="0" err="1"/>
+              <a:rPr lang="it-IT" b="1" dirty="0" err="1">
+                <a:solidFill>
+                  <a:srgbClr val="FF0000"/>
+                </a:solidFill>
+              </a:rPr>
               <a:t>Milestones</a:t>
             </a:r>
             <a:r>
+              <a:rPr lang="it-IT" dirty="0">
+                <a:solidFill>
+                  <a:srgbClr val="FF0000"/>
+                </a:solidFill>
+              </a:rPr>
+              <a:t> </a:t>
+            </a:r>
+            <a:r>
               <a:rPr lang="it-IT" dirty="0"/>
-              <a:t> sequenziali, le prime tre da completare entro la quarta fase (Disegno per </a:t>
+              <a:t>sequenziali, le prime tre da completare entro la quarta fase (Disegno per </a:t>
             </a:r>
             <a:r>
               <a:rPr lang="it-IT" dirty="0" err="1"/>
@@ -15399,11 +15499,7 @@
             </a:r>
             <a:r>
               <a:rPr lang="it-IT" dirty="0"/>
-              <a:t>del disegno </a:t>
-            </a:r>
-            <a:r>
-              <a:rPr lang="it-IT" dirty="0"/>
-              <a:t>	</a:t>
+              <a:t>del disegno 	</a:t>
             </a:r>
             <a:r>
               <a:rPr lang="it-IT" dirty="0" smtClean="0"/>
@@ -16433,7 +16529,7 @@
         <p:spPr>
           <a:xfrm>
             <a:off x="740780" y="2348748"/>
-            <a:ext cx="4444678" cy="3539430"/>
+            <a:ext cx="4444678" cy="4524315"/>
           </a:xfrm>
           <a:prstGeom prst="rect">
             <a:avLst/>
@@ -16479,21 +16575,31 @@
               <a:t> </a:t>
             </a:r>
             <a:r>
+              <a:rPr lang="it-IT" sz="3200" dirty="0" smtClean="0"/>
+              <a:t>usato </a:t>
+            </a:r>
+            <a:r>
               <a:rPr lang="it-IT" sz="3200" dirty="0"/>
-              <a:t>utilizzato dai processi per </a:t>
+              <a:t>per capire e descrivere le caratteristiche di un nuovo sistema o di uno </a:t>
             </a:r>
             <a:r>
               <a:rPr lang="it-IT" sz="3200" dirty="0" smtClean="0"/>
-              <a:t>realizzare e organizzare i </a:t>
+              <a:t>esistente, indipendentemente dal </a:t>
             </a:r>
             <a:r>
               <a:rPr lang="it-IT" sz="3200" dirty="0"/>
-              <a:t>prodotti realizzati dalle fasi di cui il processo si compone</a:t>
+              <a:t>processo di </a:t>
             </a:r>
             <a:r>
               <a:rPr lang="it-IT" sz="3200" dirty="0" smtClean="0"/>
-              <a:t>.</a:t>
-            </a:r>
+              <a:t>sviluppo.</a:t>
+            </a:r>
+            <a:endParaRPr lang="it-IT" sz="3200" dirty="0"/>
+          </a:p>
+          <a:p>
+            <a:endParaRPr lang="it-IT" sz="3200" dirty="0">
+              <a:effectLst/>
+            </a:endParaRPr>
           </a:p>
         </p:txBody>
       </p:sp>
@@ -16924,7 +17030,15 @@
           <a:p>
             <a:r>
               <a:rPr lang="it-IT" sz="2800" dirty="0"/>
-              <a:t>Un processo di sviluppo che non soddisfa le esigente del progetto è destinato a fallire, o comunque a non soddisfare il cliente/utente. </a:t>
+              <a:t>Un processo di sviluppo che non soddisfa le </a:t>
+            </a:r>
+            <a:r>
+              <a:rPr lang="it-IT" sz="2800" dirty="0" smtClean="0"/>
+              <a:t>esigenze </a:t>
+            </a:r>
+            <a:r>
+              <a:rPr lang="it-IT" sz="2800" dirty="0"/>
+              <a:t>del progetto è destinato a fallire, o comunque a non soddisfare il cliente/utente. </a:t>
             </a:r>
             <a:endParaRPr lang="en-US" sz="2800" dirty="0"/>
           </a:p>

--- a/Quesito 6 Team/Presentation1.pptx
+++ b/Quesito 6 Team/Presentation1.pptx
@@ -18,24 +18,21 @@
     <p:sldId id="266" r:id="rId12"/>
     <p:sldId id="267" r:id="rId13"/>
     <p:sldId id="268" r:id="rId14"/>
-    <p:sldId id="270" r:id="rId15"/>
-    <p:sldId id="269" r:id="rId16"/>
-    <p:sldId id="271" r:id="rId17"/>
-    <p:sldId id="272" r:id="rId18"/>
-    <p:sldId id="273" r:id="rId19"/>
-    <p:sldId id="274" r:id="rId20"/>
-    <p:sldId id="275" r:id="rId21"/>
-    <p:sldId id="276" r:id="rId22"/>
-    <p:sldId id="277" r:id="rId23"/>
-    <p:sldId id="278" r:id="rId24"/>
-    <p:sldId id="279" r:id="rId25"/>
-    <p:sldId id="280" r:id="rId26"/>
-    <p:sldId id="281" r:id="rId27"/>
-    <p:sldId id="282" r:id="rId28"/>
-    <p:sldId id="283" r:id="rId29"/>
-    <p:sldId id="284" r:id="rId30"/>
-    <p:sldId id="285" r:id="rId31"/>
-    <p:sldId id="286" r:id="rId32"/>
+    <p:sldId id="284" r:id="rId15"/>
+    <p:sldId id="270" r:id="rId16"/>
+    <p:sldId id="269" r:id="rId17"/>
+    <p:sldId id="271" r:id="rId18"/>
+    <p:sldId id="272" r:id="rId19"/>
+    <p:sldId id="273" r:id="rId20"/>
+    <p:sldId id="274" r:id="rId21"/>
+    <p:sldId id="275" r:id="rId22"/>
+    <p:sldId id="276" r:id="rId23"/>
+    <p:sldId id="277" r:id="rId24"/>
+    <p:sldId id="278" r:id="rId25"/>
+    <p:sldId id="279" r:id="rId26"/>
+    <p:sldId id="280" r:id="rId27"/>
+    <p:sldId id="281" r:id="rId28"/>
+    <p:sldId id="282" r:id="rId29"/>
   </p:sldIdLst>
   <p:sldSz cx="9144000" cy="6858000" type="screen4x3"/>
   <p:notesSz cx="6858000" cy="9144000"/>
@@ -8420,7 +8417,7 @@
           <a:p>
             <a:fld id="{D7C3A134-F1C3-464B-BF47-54DC2DE08F52}" type="datetimeFigureOut">
               <a:rPr lang="en-US" smtClean="0"/>
-              <a:t>28/05/16</a:t>
+              <a:t>30/05/16</a:t>
             </a:fld>
             <a:endParaRPr lang="en-US"/>
           </a:p>
@@ -8643,7 +8640,7 @@
           <a:p>
             <a:fld id="{D7C3A134-F1C3-464B-BF47-54DC2DE08F52}" type="datetimeFigureOut">
               <a:rPr lang="en-US" smtClean="0"/>
-              <a:t>28/05/16</a:t>
+              <a:t>30/05/16</a:t>
             </a:fld>
             <a:endParaRPr lang="en-US"/>
           </a:p>
@@ -8923,7 +8920,7 @@
           <a:p>
             <a:fld id="{D7C3A134-F1C3-464B-BF47-54DC2DE08F52}" type="datetimeFigureOut">
               <a:rPr lang="en-US" smtClean="0"/>
-              <a:t>28/05/16</a:t>
+              <a:t>30/05/16</a:t>
             </a:fld>
             <a:endParaRPr lang="en-US"/>
           </a:p>
@@ -9102,7 +9099,7 @@
           <a:p>
             <a:fld id="{D7C3A134-F1C3-464B-BF47-54DC2DE08F52}" type="datetimeFigureOut">
               <a:rPr lang="en-US" smtClean="0"/>
-              <a:t>28/05/16</a:t>
+              <a:t>30/05/16</a:t>
             </a:fld>
             <a:endParaRPr lang="en-US"/>
           </a:p>
@@ -9460,7 +9457,7 @@
           <a:p>
             <a:fld id="{D7C3A134-F1C3-464B-BF47-54DC2DE08F52}" type="datetimeFigureOut">
               <a:rPr lang="en-US" smtClean="0"/>
-              <a:t>28/05/16</a:t>
+              <a:t>30/05/16</a:t>
             </a:fld>
             <a:endParaRPr lang="en-US"/>
           </a:p>
@@ -9747,7 +9744,7 @@
           <a:p>
             <a:fld id="{D7C3A134-F1C3-464B-BF47-54DC2DE08F52}" type="datetimeFigureOut">
               <a:rPr lang="en-US" smtClean="0"/>
-              <a:t>28/05/16</a:t>
+              <a:t>30/05/16</a:t>
             </a:fld>
             <a:endParaRPr lang="en-US"/>
           </a:p>
@@ -10169,7 +10166,7 @@
           <a:p>
             <a:fld id="{D7C3A134-F1C3-464B-BF47-54DC2DE08F52}" type="datetimeFigureOut">
               <a:rPr lang="en-US" smtClean="0"/>
-              <a:t>28/05/16</a:t>
+              <a:t>30/05/16</a:t>
             </a:fld>
             <a:endParaRPr lang="en-US"/>
           </a:p>
@@ -10284,7 +10281,7 @@
           <a:p>
             <a:fld id="{D7C3A134-F1C3-464B-BF47-54DC2DE08F52}" type="datetimeFigureOut">
               <a:rPr lang="en-US" smtClean="0"/>
-              <a:t>28/05/16</a:t>
+              <a:t>30/05/16</a:t>
             </a:fld>
             <a:endParaRPr lang="en-US"/>
           </a:p>
@@ -10374,7 +10371,7 @@
           <a:p>
             <a:fld id="{D7C3A134-F1C3-464B-BF47-54DC2DE08F52}" type="datetimeFigureOut">
               <a:rPr lang="en-US" smtClean="0"/>
-              <a:t>28/05/16</a:t>
+              <a:t>30/05/16</a:t>
             </a:fld>
             <a:endParaRPr lang="en-US"/>
           </a:p>
@@ -10652,7 +10649,7 @@
           <a:p>
             <a:fld id="{D7C3A134-F1C3-464B-BF47-54DC2DE08F52}" type="datetimeFigureOut">
               <a:rPr lang="en-US" smtClean="0"/>
-              <a:t>28/05/16</a:t>
+              <a:t>30/05/16</a:t>
             </a:fld>
             <a:endParaRPr lang="en-US"/>
           </a:p>
@@ -11018,7 +11015,7 @@
           <a:p>
             <a:fld id="{D7C3A134-F1C3-464B-BF47-54DC2DE08F52}" type="datetimeFigureOut">
               <a:rPr lang="en-US" smtClean="0"/>
-              <a:t>28/05/16</a:t>
+              <a:t>30/05/16</a:t>
             </a:fld>
             <a:endParaRPr lang="en-US" dirty="0"/>
           </a:p>
@@ -11455,7 +11452,7 @@
           <a:p>
             <a:fld id="{D7C3A134-F1C3-464B-BF47-54DC2DE08F52}" type="datetimeFigureOut">
               <a:rPr lang="en-US" smtClean="0"/>
-              <a:t>28/05/16</a:t>
+              <a:t>30/05/16</a:t>
             </a:fld>
             <a:endParaRPr lang="en-US" dirty="0"/>
           </a:p>
@@ -11993,8 +11990,8 @@
               <a:t> a </a:t>
             </a:r>
             <a:r>
-              <a:rPr lang="en-US" dirty="0" err="1" smtClean="0"/>
-              <a:t>Cascata</a:t>
+              <a:rPr lang="en-US" sz="4800" dirty="0" err="1"/>
+              <a:t>Spirale</a:t>
             </a:r>
             <a:endParaRPr lang="en-US" dirty="0"/>
           </a:p>
@@ -12008,8 +12005,8 @@
         </p:nvSpPr>
         <p:spPr>
           <a:xfrm>
-            <a:off x="457200" y="2363846"/>
-            <a:ext cx="3352524" cy="3416320"/>
+            <a:off x="323515" y="1735530"/>
+            <a:ext cx="8018379" cy="830997"/>
           </a:xfrm>
           <a:prstGeom prst="rect">
             <a:avLst/>
@@ -12023,38 +12020,15 @@
           <a:lstStyle/>
           <a:p>
             <a:r>
-              <a:rPr lang="it-IT" sz="2400" dirty="0"/>
-              <a:t>È il modello più tradizionale di sviluppo del </a:t>
-            </a:r>
-            <a:r>
               <a:rPr lang="it-IT" sz="2400" dirty="0" smtClean="0"/>
-              <a:t>Software.</a:t>
-            </a:r>
-          </a:p>
-          <a:p>
-            <a:r>
-              <a:rPr lang="it-IT" sz="2400" dirty="0"/>
-              <a:t>P</a:t>
-            </a:r>
-            <a:r>
-              <a:rPr lang="it-IT" sz="2400" dirty="0" smtClean="0"/>
-              <a:t>revede </a:t>
-            </a:r>
-            <a:r>
-              <a:rPr lang="it-IT" sz="2400" dirty="0"/>
-              <a:t>una sequenza di fasi, ciascuna delle quali produce un ben preciso output che viene utilizzato come input per la fase </a:t>
-            </a:r>
-            <a:r>
-              <a:rPr lang="it-IT" sz="2400" dirty="0" smtClean="0"/>
-              <a:t>successiva.</a:t>
-            </a:r>
-            <a:endParaRPr lang="en-US" sz="2400" dirty="0"/>
+              <a:t>E’ un modello nel quale il processo viene diviso in quattro fasi principali:</a:t>
+            </a:r>
           </a:p>
         </p:txBody>
       </p:sp>
       <p:pic>
         <p:nvPicPr>
-          <p:cNvPr id="7" name="Picture 6" descr="Waterfall---italiano.gif"/>
+          <p:cNvPr id="5" name="Picture 4" descr="ing6.png"/>
           <p:cNvPicPr>
             <a:picLocks noChangeAspect="1"/>
           </p:cNvPicPr>
@@ -12074,14 +12048,142 @@
         </p:blipFill>
         <p:spPr>
           <a:xfrm>
-            <a:off x="3968463" y="2366632"/>
-            <a:ext cx="4718337" cy="3425236"/>
+            <a:off x="3293367" y="2566527"/>
+            <a:ext cx="5850633" cy="3745832"/>
           </a:xfrm>
           <a:prstGeom prst="rect">
             <a:avLst/>
           </a:prstGeom>
         </p:spPr>
       </p:pic>
+      <p:sp>
+        <p:nvSpPr>
+          <p:cNvPr id="6" name="TextBox 5"/>
+          <p:cNvSpPr txBox="1"/>
+          <p:nvPr/>
+        </p:nvSpPr>
+        <p:spPr>
+          <a:xfrm>
+            <a:off x="323515" y="2874210"/>
+            <a:ext cx="2954421" cy="3323987"/>
+          </a:xfrm>
+          <a:prstGeom prst="rect">
+            <a:avLst/>
+          </a:prstGeom>
+          <a:noFill/>
+        </p:spPr>
+        <p:txBody>
+          <a:bodyPr wrap="square" rtlCol="0">
+            <a:spAutoFit/>
+          </a:bodyPr>
+          <a:lstStyle/>
+          <a:p>
+            <a:pPr marL="342900" indent="-342900">
+              <a:buClr>
+                <a:srgbClr val="FF0000"/>
+              </a:buClr>
+              <a:buFont typeface="Wingdings" charset="2"/>
+              <a:buChar char="u"/>
+            </a:pPr>
+            <a:r>
+              <a:rPr lang="it-IT" sz="2400" dirty="0"/>
+              <a:t>Determinazione degli obiettivi</a:t>
+            </a:r>
+          </a:p>
+          <a:p>
+            <a:pPr marL="342900" indent="-342900">
+              <a:buClr>
+                <a:srgbClr val="FF0000"/>
+              </a:buClr>
+              <a:buFont typeface="Wingdings" charset="2"/>
+              <a:buChar char="u"/>
+            </a:pPr>
+            <a:r>
+              <a:rPr lang="it-IT" sz="2400" dirty="0"/>
+              <a:t>Identificazione e riduzione dei rischi</a:t>
+            </a:r>
+          </a:p>
+          <a:p>
+            <a:pPr marL="342900" indent="-342900">
+              <a:buClr>
+                <a:srgbClr val="FF0000"/>
+              </a:buClr>
+              <a:buFont typeface="Wingdings" charset="2"/>
+              <a:buChar char="u"/>
+            </a:pPr>
+            <a:r>
+              <a:rPr lang="en-US" sz="2400" dirty="0" err="1"/>
+              <a:t>Sviluppo</a:t>
+            </a:r>
+            <a:r>
+              <a:rPr lang="en-US" sz="2400" dirty="0"/>
+              <a:t> e </a:t>
+            </a:r>
+            <a:r>
+              <a:rPr lang="en-US" sz="2400" dirty="0" err="1"/>
+              <a:t>verifica</a:t>
+            </a:r>
+            <a:r>
+              <a:rPr lang="en-US" sz="2400" dirty="0"/>
+              <a:t> </a:t>
+            </a:r>
+            <a:r>
+              <a:rPr lang="en-US" sz="2400" dirty="0" err="1"/>
+              <a:t>della</a:t>
+            </a:r>
+            <a:r>
+              <a:rPr lang="en-US" sz="2400" dirty="0"/>
+              <a:t> </a:t>
+            </a:r>
+            <a:r>
+              <a:rPr lang="en-US" sz="2400" dirty="0" err="1"/>
+              <a:t>fase</a:t>
+            </a:r>
+            <a:endParaRPr lang="en-US" sz="2400" dirty="0"/>
+          </a:p>
+          <a:p>
+            <a:pPr marL="342900" indent="-342900">
+              <a:buClr>
+                <a:srgbClr val="FF0000"/>
+              </a:buClr>
+              <a:buFont typeface="Wingdings" charset="2"/>
+              <a:buChar char="u"/>
+            </a:pPr>
+            <a:r>
+              <a:rPr lang="en-US" sz="2400" dirty="0" err="1"/>
+              <a:t>Pianificazione</a:t>
+            </a:r>
+            <a:r>
+              <a:rPr lang="en-US" sz="2400" dirty="0"/>
+              <a:t> </a:t>
+            </a:r>
+            <a:r>
+              <a:rPr lang="en-US" sz="2400" dirty="0" err="1"/>
+              <a:t>della</a:t>
+            </a:r>
+            <a:r>
+              <a:rPr lang="en-US" sz="2400" dirty="0"/>
+              <a:t> </a:t>
+            </a:r>
+            <a:r>
+              <a:rPr lang="en-US" sz="2400" dirty="0" err="1"/>
+              <a:t>fase</a:t>
+            </a:r>
+            <a:r>
+              <a:rPr lang="en-US" sz="2400" dirty="0"/>
+              <a:t> </a:t>
+            </a:r>
+            <a:r>
+              <a:rPr lang="en-US" sz="2400" dirty="0" err="1"/>
+              <a:t>successiva</a:t>
+            </a:r>
+            <a:endParaRPr lang="en-US" sz="2400" dirty="0"/>
+          </a:p>
+          <a:p>
+            <a:endParaRPr lang="en-US" dirty="0"/>
+          </a:p>
+        </p:txBody>
+      </p:sp>
     </p:spTree>
     <p:extLst>
       <p:ext uri="{BB962C8B-B14F-4D97-AF65-F5344CB8AC3E}">
@@ -12143,12 +12245,16 @@
               <a:t> a </a:t>
             </a:r>
             <a:r>
-              <a:rPr lang="en-US" dirty="0" err="1" smtClean="0"/>
-              <a:t>Cascata</a:t>
+              <a:rPr lang="en-US" sz="4800" dirty="0" err="1"/>
+              <a:t>Spirale</a:t>
+            </a:r>
+            <a:r>
+              <a:rPr lang="en-US" sz="4800" dirty="0"/>
+              <a:t> </a:t>
             </a:r>
             <a:r>
               <a:rPr lang="en-US" dirty="0" smtClean="0"/>
-              <a:t> (</a:t>
+              <a:t>(</a:t>
             </a:r>
             <a:r>
               <a:rPr lang="en-US" dirty="0" err="1" smtClean="0"/>
@@ -12194,17 +12300,13 @@
               <a:buChar char="u"/>
             </a:pPr>
             <a:r>
-              <a:rPr lang="it-IT" sz="2000" b="1" dirty="0"/>
-              <a:t>Studio di fattibilità</a:t>
-            </a:r>
-            <a:r>
-              <a:rPr lang="it-IT" sz="2000" dirty="0"/>
+              <a:rPr lang="it-IT" sz="2000" b="1" dirty="0" smtClean="0"/>
+              <a:t>Determinazione degli obiettivi</a:t>
+            </a:r>
+            <a:r>
+              <a:rPr lang="it-IT" sz="2000" dirty="0" smtClean="0"/>
               <a:t> -Consente di decidere se intraprendere o no lo sviluppo del sistema, da un punto di vista sia tecnico che </a:t>
-            </a:r>
-            <a:r>
-              <a:rPr lang="it-IT" sz="2000" dirty="0" smtClean="0"/>
-              <a:t>economico.</a:t>
+Committente e fornitore lavorano a stretto contatto per definire in maniera corretta e univoca cosa bisogna realizzare e come.</a:t>
             </a:r>
             <a:r>
               <a:rPr lang="it-IT" dirty="0" smtClean="0"/>
@@ -12223,7 +12325,7 @@
         </p:nvSpPr>
         <p:spPr>
           <a:xfrm>
-            <a:off x="277794" y="3056633"/>
+            <a:off x="277794" y="3213483"/>
             <a:ext cx="7165556" cy="1292662"/>
           </a:xfrm>
           <a:prstGeom prst="rect">
@@ -12248,15 +12350,19 @@
             </a:pPr>
             <a:r>
               <a:rPr lang="it-IT" sz="2000" b="1" dirty="0"/>
-              <a:t>Analisi dei Requisiti</a:t>
-            </a:r>
-            <a:r>
-              <a:rPr lang="it-IT" sz="2000" dirty="0"/>
+              <a:t>Identificazione e riduzione dei </a:t>
+            </a:r>
+            <a:r>
+              <a:rPr lang="it-IT" sz="2000" b="1" dirty="0" smtClean="0"/>
+              <a:t>rischi</a:t>
+            </a:r>
+            <a:r>
+              <a:rPr lang="it-IT" sz="2000" dirty="0" smtClean="0"/>
               <a:t> -Determina in dettaglio cosa farà il sistema, documentando in forma chiara e precisa i requisiti delle funzionalità richieste.</a:t>
-            </a:r>
-            <a:r>
-              <a:rPr lang="it-IT" dirty="0"/>
+Si identificano e si analizzano i problemi e i rischi associati al progetto al fine di determinare delle strategie per controllarli.</a:t>
+            </a:r>
+            <a:r>
+              <a:rPr lang="it-IT" dirty="0" smtClean="0"/>
               <a:t>  </a:t>
             </a:r>
@@ -12272,7 +12378,7 @@
         </p:nvSpPr>
         <p:spPr>
           <a:xfrm>
-            <a:off x="277794" y="4349295"/>
+            <a:off x="277794" y="4708244"/>
             <a:ext cx="7116776" cy="1323439"/>
           </a:xfrm>
           <a:prstGeom prst="rect">
@@ -12294,63 +12400,13 @@
               <a:buChar char="u"/>
             </a:pPr>
             <a:r>
-              <a:rPr lang="it-IT" sz="2000" b="1" dirty="0"/>
-              <a:t>Disegno</a:t>
-            </a:r>
-            <a:r>
-              <a:rPr lang="it-IT" sz="2000" dirty="0"/>
+              <a:rPr lang="it-IT" sz="2000" b="1" dirty="0" smtClean="0"/>
+              <a:t>Sviluppo </a:t>
+            </a:r>
+            <a:r>
+              <a:rPr lang="it-IT" sz="2000" dirty="0" smtClean="0"/>
               <a:t> -Ha lo scopo di definire le specifiche dei requisiti, l'architettura del sistema, la sua suddivisione in moduli e le relazioni fra di </a:t>
-            </a:r>
-            <a:r>
-              <a:rPr lang="it-IT" sz="2000" dirty="0" smtClean="0"/>
-              <a:t>essi.</a:t>
-            </a:r>
-            <a:endParaRPr lang="en-US" sz="2000" dirty="0"/>
-          </a:p>
-        </p:txBody>
-      </p:sp>
-      <p:sp>
-        <p:nvSpPr>
-          <p:cNvPr id="8" name="TextBox 7"/>
-          <p:cNvSpPr txBox="1"/>
-          <p:nvPr/>
-        </p:nvSpPr>
-        <p:spPr>
-          <a:xfrm>
-            <a:off x="277794" y="5889192"/>
-            <a:ext cx="8281835" cy="707886"/>
-          </a:xfrm>
-          <a:prstGeom prst="rect">
-            <a:avLst/>
-          </a:prstGeom>
-          <a:noFill/>
-        </p:spPr>
-        <p:txBody>
-          <a:bodyPr wrap="none" rtlCol="0">
-            <a:spAutoFit/>
-          </a:bodyPr>
-          <a:lstStyle/>
-          <a:p>
-            <a:pPr marL="285750" indent="-285750">
-              <a:buClr>
-                <a:srgbClr val="008000"/>
-              </a:buClr>
-              <a:buFont typeface="Wingdings" charset="2"/>
-              <a:buChar char="u"/>
-            </a:pPr>
-            <a:r>
-              <a:rPr lang="it-IT" sz="2000" b="1" dirty="0"/>
-              <a:t>Sviluppo</a:t>
-            </a:r>
-            <a:r>
-              <a:rPr lang="it-IT" sz="2000" dirty="0"/>
-              <a:t> -Costruzione dei moduli del sistema con un linguaggio di </a:t>
-            </a:r>
-            <a:r>
-              <a:rPr lang="it-IT" sz="2000" dirty="0" smtClean="0"/>
-              <a:t>programmazione.</a:t>
+Questa fase è caratterizzata dalla vera e propria realizzazione del progetto, essa comprende la codifica e la verifica dei requisiti.</a:t>
             </a:r>
             <a:endParaRPr lang="en-US" sz="2000" dirty="0"/>
           </a:p>
@@ -12417,11 +12473,11 @@
               <a:t> a </a:t>
             </a:r>
             <a:r>
-              <a:rPr lang="en-US" dirty="0" err="1" smtClean="0"/>
-              <a:t>Cascata</a:t>
-            </a:r>
-            <a:r>
-              <a:rPr lang="en-US" dirty="0"/>
+              <a:rPr lang="en-US" sz="4800" dirty="0" err="1"/>
+              <a:t>Spirale</a:t>
+            </a:r>
+            <a:r>
+              <a:rPr lang="en-US" sz="4800" dirty="0"/>
               <a:t> </a:t>
             </a:r>
             <a:r>
@@ -12442,14 +12498,14 @@
       </p:sp>
       <p:sp>
         <p:nvSpPr>
-          <p:cNvPr id="4" name="TextBox 3"/>
+          <p:cNvPr id="7" name="TextBox 6"/>
           <p:cNvSpPr txBox="1"/>
           <p:nvPr/>
         </p:nvSpPr>
         <p:spPr>
           <a:xfrm>
-            <a:off x="457200" y="1733104"/>
-            <a:ext cx="8229600" cy="2031325"/>
+            <a:off x="457200" y="1816499"/>
+            <a:ext cx="8229600" cy="1323439"/>
           </a:xfrm>
           <a:prstGeom prst="rect">
             <a:avLst/>
@@ -12470,105 +12526,140 @@
               <a:buChar char="u"/>
             </a:pPr>
             <a:r>
-              <a:rPr lang="en-US" b="1" dirty="0" err="1"/>
-              <a:t>Collaudo</a:t>
-            </a:r>
-            <a:endParaRPr lang="en-US" dirty="0"/>
-          </a:p>
-          <a:p>
-            <a:pPr marL="742950" lvl="1" indent="-285750">
-              <a:buClr>
-                <a:schemeClr val="accent5">
-                  <a:lumMod val="75000"/>
-                </a:schemeClr>
-              </a:buClr>
-              <a:buFont typeface="Wingdings" charset="2"/>
-              <a:buChar char="u"/>
-            </a:pPr>
-            <a:r>
-              <a:rPr lang="it-IT" i="1" dirty="0"/>
-              <a:t>Test funzionale</a:t>
-            </a:r>
-            <a:r>
-              <a:rPr lang="it-IT" dirty="0"/>
-              <a:t>: Prove eseguite dai programmatori per verificare la correttezza dell'implementazione dei singoli </a:t>
-            </a:r>
-            <a:r>
-              <a:rPr lang="it-IT" dirty="0" smtClean="0"/>
-              <a:t>moduli.</a:t>
-            </a:r>
-          </a:p>
-          <a:p>
-            <a:pPr marL="742950" lvl="1" indent="-285750">
-              <a:buClr>
-                <a:schemeClr val="accent5">
-                  <a:lumMod val="75000"/>
-                </a:schemeClr>
-              </a:buClr>
-              <a:buFont typeface="Wingdings" charset="2"/>
-              <a:buChar char="u"/>
-            </a:pPr>
-            <a:r>
-              <a:rPr lang="it-IT" i="1" dirty="0" smtClean="0"/>
-              <a:t>Test </a:t>
-            </a:r>
-            <a:r>
-              <a:rPr lang="it-IT" i="1" dirty="0"/>
-              <a:t>di Integrazione</a:t>
-            </a:r>
-            <a:r>
-              <a:rPr lang="it-IT" dirty="0"/>
-              <a:t>: Prove eseguite dagli analisti funzionali per verificare la correttezza del funzionamento complessivo del </a:t>
-            </a:r>
-            <a:r>
-              <a:rPr lang="it-IT" dirty="0" smtClean="0"/>
-              <a:t>Sistema.</a:t>
-            </a:r>
-          </a:p>
-          <a:p>
-            <a:pPr marL="742950" lvl="1" indent="-285750">
-              <a:buClr>
-                <a:schemeClr val="accent5">
-                  <a:lumMod val="75000"/>
-                </a:schemeClr>
-              </a:buClr>
-              <a:buFont typeface="Wingdings" charset="2"/>
-              <a:buChar char="u"/>
-            </a:pPr>
-            <a:r>
-              <a:rPr lang="it-IT" i="1" dirty="0" smtClean="0"/>
-              <a:t>Test </a:t>
-            </a:r>
-            <a:r>
-              <a:rPr lang="it-IT" i="1" dirty="0"/>
-              <a:t>di Accettazione</a:t>
-            </a:r>
-            <a:r>
-              <a:rPr lang="it-IT" dirty="0" smtClean="0"/>
-              <a:t>: Prove </a:t>
-            </a:r>
-            <a:r>
-              <a:rPr lang="it-IT" dirty="0"/>
-              <a:t>finali del funzionamento del sistema eseguite dagli utenti finali allo scopo di verificare l'aderenza ai </a:t>
-            </a:r>
-            <a:r>
-              <a:rPr lang="it-IT" dirty="0" smtClean="0"/>
-              <a:t>requisiti.</a:t>
-            </a:r>
-            <a:endParaRPr lang="en-US" dirty="0"/>
+              <a:rPr lang="it-IT" sz="2000" b="1" dirty="0" smtClean="0"/>
+              <a:t>Valutazione</a:t>
+            </a:r>
+            <a:r>
+              <a:rPr lang="it-IT" sz="2000" dirty="0" smtClean="0"/>
+              <a:t> +Questa fase richiede l’approvazione del lavoro da parte del committente.</a:t>
+            </a:r>
+            <a:r>
+              <a:rPr lang="en-US" sz="2000" dirty="0"/>
+              <a:t> </a:t>
+            </a:r>
+            <a:r>
+              <a:rPr lang="en-US" sz="2000" dirty="0" smtClean="0"/>
+              <a:t>Se </a:t>
+            </a:r>
+            <a:r>
+              <a:rPr lang="en-US" sz="2000" dirty="0" err="1" smtClean="0"/>
+              <a:t>il</a:t>
+            </a:r>
+            <a:r>
+              <a:rPr lang="en-US" sz="2000" dirty="0" smtClean="0"/>
+              <a:t> </a:t>
+            </a:r>
+            <a:r>
+              <a:rPr lang="en-US" sz="2000" dirty="0" err="1" smtClean="0"/>
+              <a:t>prodotto</a:t>
+            </a:r>
+            <a:r>
+              <a:rPr lang="en-US" sz="2000" dirty="0" smtClean="0"/>
+              <a:t> non </a:t>
+            </a:r>
+            <a:r>
+              <a:rPr lang="en-US" sz="2000" dirty="0" err="1" smtClean="0"/>
+              <a:t>soddisfa</a:t>
+            </a:r>
+            <a:r>
+              <a:rPr lang="en-US" sz="2000" dirty="0" smtClean="0"/>
+              <a:t> </a:t>
+            </a:r>
+            <a:r>
+              <a:rPr lang="en-US" sz="2000" dirty="0" err="1" smtClean="0"/>
+              <a:t>effettivamente</a:t>
+            </a:r>
+            <a:r>
+              <a:rPr lang="en-US" sz="2000" dirty="0" smtClean="0"/>
+              <a:t> </a:t>
+            </a:r>
+            <a:r>
+              <a:rPr lang="en-US" sz="2000" dirty="0" err="1" smtClean="0"/>
+              <a:t>i</a:t>
+            </a:r>
+            <a:r>
+              <a:rPr lang="en-US" sz="2000" dirty="0" smtClean="0"/>
+              <a:t> </a:t>
+            </a:r>
+            <a:r>
+              <a:rPr lang="en-US" sz="2000" dirty="0" err="1" smtClean="0"/>
+              <a:t>requisiti</a:t>
+            </a:r>
+            <a:r>
+              <a:rPr lang="en-US" sz="2000" dirty="0" smtClean="0"/>
+              <a:t> </a:t>
+            </a:r>
+            <a:r>
+              <a:rPr lang="en-US" sz="2000" dirty="0" err="1" smtClean="0"/>
+              <a:t>richiesti</a:t>
+            </a:r>
+            <a:r>
+              <a:rPr lang="en-US" sz="2000" dirty="0" smtClean="0"/>
+              <a:t>, </a:t>
+            </a:r>
+            <a:r>
+              <a:rPr lang="en-US" sz="2000" dirty="0" err="1" smtClean="0"/>
+              <a:t>è</a:t>
+            </a:r>
+            <a:r>
+              <a:rPr lang="en-US" sz="2000" dirty="0" smtClean="0"/>
+              <a:t> </a:t>
+            </a:r>
+            <a:r>
+              <a:rPr lang="en-US" sz="2000" dirty="0" err="1" smtClean="0"/>
+              <a:t>necessario</a:t>
+            </a:r>
+            <a:r>
+              <a:rPr lang="en-US" sz="2000" dirty="0" smtClean="0"/>
+              <a:t> </a:t>
+            </a:r>
+            <a:r>
+              <a:rPr lang="en-US" sz="2000" dirty="0" err="1" smtClean="0"/>
+              <a:t>impostare</a:t>
+            </a:r>
+            <a:r>
+              <a:rPr lang="en-US" sz="2000" dirty="0" smtClean="0"/>
+              <a:t> un </a:t>
+            </a:r>
+            <a:r>
+              <a:rPr lang="en-US" sz="2000" dirty="0" err="1" smtClean="0"/>
+              <a:t>nuovo</a:t>
+            </a:r>
+            <a:r>
+              <a:rPr lang="en-US" sz="2000" dirty="0" smtClean="0"/>
+              <a:t> </a:t>
+            </a:r>
+            <a:r>
+              <a:rPr lang="en-US" sz="2000" dirty="0" err="1" smtClean="0"/>
+              <a:t>ciclo</a:t>
+            </a:r>
+            <a:r>
+              <a:rPr lang="en-US" sz="2000" dirty="0" smtClean="0"/>
+              <a:t> di </a:t>
+            </a:r>
+            <a:r>
+              <a:rPr lang="en-US" sz="2000" dirty="0" err="1" smtClean="0"/>
+              <a:t>attività</a:t>
+            </a:r>
+            <a:r>
+              <a:rPr lang="en-US" sz="2000" dirty="0" smtClean="0"/>
+              <a:t>.</a:t>
+            </a:r>
+            <a:endParaRPr lang="it-IT" sz="2000" dirty="0" smtClean="0"/>
           </a:p>
         </p:txBody>
       </p:sp>
       <p:sp>
         <p:nvSpPr>
-          <p:cNvPr id="5" name="TextBox 4"/>
+          <p:cNvPr id="3" name="TextBox 2"/>
           <p:cNvSpPr txBox="1"/>
           <p:nvPr/>
         </p:nvSpPr>
         <p:spPr>
           <a:xfrm>
-            <a:off x="457200" y="3858279"/>
-            <a:ext cx="8229600" cy="1200329"/>
+            <a:off x="457200" y="3638196"/>
+            <a:ext cx="8229600" cy="1877437"/>
           </a:xfrm>
           <a:prstGeom prst="rect">
             <a:avLst/>
@@ -12581,113 +12672,61 @@
           </a:bodyPr>
           <a:lstStyle/>
           <a:p>
-            <a:pPr marL="285750" indent="-285750">
-              <a:buClr>
-                <a:srgbClr val="008000"/>
-              </a:buClr>
-              <a:buFont typeface="Wingdings" charset="2"/>
-              <a:buChar char="u"/>
-            </a:pPr>
-            <a:r>
-              <a:rPr lang="it-IT" b="1" dirty="0" smtClean="0"/>
-              <a:t>Implementazione</a:t>
-            </a:r>
-            <a:endParaRPr lang="it-IT" b="1" dirty="0"/>
-          </a:p>
-          <a:p>
-            <a:pPr>
-              <a:buClr>
-                <a:srgbClr val="008000"/>
-              </a:buClr>
-            </a:pPr>
-            <a:r>
-              <a:rPr lang="it-IT" dirty="0" smtClean="0"/>
-              <a:t>Attività </a:t>
+            <a:r>
+              <a:rPr lang="it-IT" sz="2000" dirty="0"/>
+              <a:t>Una caratteristica importante di questo modello è il fatto che i rischi vengono presi seriamente in considerazione e che ogni fine ciclo produce una </a:t>
+            </a:r>
+            <a:r>
+              <a:rPr lang="it-IT" sz="2000" dirty="0" err="1"/>
+              <a:t>deliverables</a:t>
+            </a:r>
+            <a:r>
+              <a:rPr lang="it-IT" sz="2000" dirty="0"/>
+              <a:t>. In un certo senso </a:t>
+            </a:r>
+            <a:r>
+              <a:rPr lang="it-IT" sz="2000" dirty="0" err="1"/>
+              <a:t>puo</a:t>
+            </a:r>
+            <a:r>
+              <a:rPr lang="it-IT" sz="2000" dirty="0"/>
+              <a:t>̀ </a:t>
+            </a:r>
+            <a:r>
+              <a:rPr lang="it-IT" sz="2000" b="1" dirty="0">
+                <a:solidFill>
+                  <a:srgbClr val="FF0000"/>
+                </a:solidFill>
+              </a:rPr>
+              <a:t>essere visto come un modello a cascata iterato </a:t>
+            </a:r>
+            <a:r>
+              <a:rPr lang="it-IT" sz="2000" b="1" dirty="0" err="1">
+                <a:solidFill>
+                  <a:srgbClr val="FF0000"/>
+                </a:solidFill>
+              </a:rPr>
+              <a:t>piu</a:t>
+            </a:r>
+            <a:r>
+              <a:rPr lang="it-IT" sz="2000" b="1" dirty="0">
+                <a:solidFill>
+                  <a:srgbClr val="FF0000"/>
+                </a:solidFill>
+              </a:rPr>
+              <a:t>̀ volte.</a:t>
             </a:r>
             <a:r>
               <a:rPr lang="it-IT" dirty="0"/>
-              <a:t>di consegna del Sistema e sua installazione nell'ambiente di </a:t>
-            </a:r>
-            <a:r>
-              <a:rPr lang="it-IT" dirty="0" smtClean="0"/>
-              <a:t>produzione.</a:t>
-            </a:r>
-          </a:p>
-          <a:p>
-            <a:r>
-              <a:rPr lang="it-IT" dirty="0" smtClean="0"/>
-              <a:t>Comprende </a:t>
-            </a:r>
-            <a:r>
+              <a:t/>
+            </a:r>
+            <a:br>
               <a:rPr lang="it-IT" dirty="0"/>
-              <a:t>tutte le azioni necessarie a consentire l'utilizzo del nuovo sistema, </a:t>
-            </a:r>
-            <a:r>
-              <a:rPr lang="it-IT" dirty="0" smtClean="0"/>
-              <a:t>dalla predisposizione </a:t>
-            </a:r>
-            <a:r>
-              <a:rPr lang="it-IT" dirty="0"/>
-              <a:t>dell'ambiente infrastrutturale sino alla formazione degli </a:t>
-            </a:r>
-            <a:r>
-              <a:rPr lang="it-IT" dirty="0" smtClean="0"/>
-              <a:t>utenti finali.</a:t>
-            </a:r>
+            </a:br>
+            <a:endParaRPr lang="it-IT" dirty="0"/>
+          </a:p>
+          <a:p>
             <a:endParaRPr lang="en-US" dirty="0"/>
-          </a:p>
-        </p:txBody>
-      </p:sp>
-      <p:sp>
-        <p:nvSpPr>
-          <p:cNvPr id="6" name="TextBox 5"/>
-          <p:cNvSpPr txBox="1"/>
-          <p:nvPr/>
-        </p:nvSpPr>
-        <p:spPr>
-          <a:xfrm>
-            <a:off x="457200" y="5437450"/>
-            <a:ext cx="8229600" cy="923330"/>
-          </a:xfrm>
-          <a:prstGeom prst="rect">
-            <a:avLst/>
-          </a:prstGeom>
-          <a:noFill/>
-        </p:spPr>
-        <p:txBody>
-          <a:bodyPr wrap="square" rtlCol="0">
-            <a:spAutoFit/>
-          </a:bodyPr>
-          <a:lstStyle/>
-          <a:p>
-            <a:pPr marL="285750" indent="-285750">
-              <a:buClr>
-                <a:srgbClr val="008000"/>
-              </a:buClr>
-              <a:buFont typeface="Wingdings" charset="2"/>
-              <a:buChar char="u"/>
-            </a:pPr>
-            <a:r>
-              <a:rPr lang="it-IT" b="1" dirty="0" smtClean="0"/>
-              <a:t>Manutenzione</a:t>
-            </a:r>
-            <a:endParaRPr lang="it-IT" dirty="0"/>
-          </a:p>
-          <a:p>
-            <a:pPr>
-              <a:buClr>
-                <a:srgbClr val="008000"/>
-              </a:buClr>
-            </a:pPr>
-            <a:r>
-              <a:rPr lang="it-IT" dirty="0" smtClean="0"/>
-              <a:t>La </a:t>
-            </a:r>
-            <a:r>
-              <a:rPr lang="it-IT" dirty="0"/>
-              <a:t>fase successiva alla consegna del Sistema al cliente, comprende tutte le attività volte a migliorare, estendere e correggere il Sistema nel tempo.</a:t>
-            </a:r>
-            <a:endParaRPr lang="en-US" b="1" dirty="0"/>
           </a:p>
         </p:txBody>
       </p:sp>
@@ -12753,15 +12792,7 @@
             </a:r>
             <a:r>
               <a:rPr lang="en-US" dirty="0" err="1" smtClean="0"/>
-              <a:t>Cascata</a:t>
-            </a:r>
-            <a:r>
-              <a:rPr lang="en-US" dirty="0" smtClean="0"/>
-              <a:t> - </a:t>
-            </a:r>
-            <a:r>
-              <a:rPr lang="en-US" dirty="0" err="1" smtClean="0"/>
-              <a:t>Problemi</a:t>
+              <a:t>Spirale</a:t>
             </a:r>
             <a:r>
               <a:rPr lang="en-US" dirty="0" smtClean="0"/>
@@ -12773,14 +12804,48 @@
       </p:sp>
       <p:sp>
         <p:nvSpPr>
-          <p:cNvPr id="4" name="TextBox 3"/>
+          <p:cNvPr id="3" name="TextBox 2"/>
           <p:cNvSpPr txBox="1"/>
           <p:nvPr/>
         </p:nvSpPr>
         <p:spPr>
           <a:xfrm>
-            <a:off x="457201" y="1786023"/>
-            <a:ext cx="4119760" cy="1200329"/>
+            <a:off x="528584" y="2715648"/>
+            <a:ext cx="1707744" cy="523220"/>
+          </a:xfrm>
+          <a:prstGeom prst="rect">
+            <a:avLst/>
+          </a:prstGeom>
+          <a:noFill/>
+        </p:spPr>
+        <p:txBody>
+          <a:bodyPr wrap="none" rtlCol="0">
+            <a:spAutoFit/>
+          </a:bodyPr>
+          <a:lstStyle/>
+          <a:p>
+            <a:r>
+              <a:rPr lang="en-US" sz="2800" b="1" dirty="0" err="1" smtClean="0"/>
+              <a:t>Vantaggi</a:t>
+            </a:r>
+            <a:r>
+              <a:rPr lang="en-US" sz="2800" b="1" dirty="0" smtClean="0"/>
+              <a:t>:</a:t>
+            </a:r>
+            <a:endParaRPr lang="en-US" sz="2800" b="1" dirty="0"/>
+          </a:p>
+        </p:txBody>
+      </p:sp>
+      <p:sp>
+        <p:nvSpPr>
+          <p:cNvPr id="11" name="TextBox 10"/>
+          <p:cNvSpPr txBox="1"/>
+          <p:nvPr/>
+        </p:nvSpPr>
+        <p:spPr>
+          <a:xfrm>
+            <a:off x="457200" y="3442734"/>
+            <a:ext cx="3500232" cy="2185214"/>
           </a:xfrm>
           <a:prstGeom prst="rect">
             <a:avLst/>
@@ -12794,128 +12859,49 @@
           <a:lstStyle/>
           <a:p>
             <a:r>
-              <a:rPr lang="it-IT" b="1" dirty="0" smtClean="0"/>
-              <a:t>Difficoltà </a:t>
-            </a:r>
-            <a:r>
-              <a:rPr lang="it-IT" b="1" dirty="0"/>
-              <a:t>a </a:t>
-            </a:r>
-            <a:r>
-              <a:rPr lang="it-IT" b="1" dirty="0" smtClean="0"/>
-              <a:t>stimare i </a:t>
-            </a:r>
-            <a:r>
-              <a:rPr lang="it-IT" b="1" dirty="0"/>
-              <a:t>costi e le </a:t>
-            </a:r>
-            <a:r>
-              <a:rPr lang="it-IT" b="1" dirty="0" smtClean="0"/>
-              <a:t>risorse</a:t>
-            </a:r>
-            <a:r>
-              <a:rPr lang="it-IT" dirty="0" smtClean="0"/>
-              <a:t>: Quando </a:t>
-            </a:r>
-            <a:r>
-              <a:rPr lang="it-IT" dirty="0"/>
-              <a:t>ancora mancano sufficienti elementi di dettaglio </a:t>
-            </a:r>
-            <a:r>
-              <a:rPr lang="it-IT" dirty="0" smtClean="0"/>
-              <a:t>ma </a:t>
-            </a:r>
-            <a:r>
-              <a:rPr lang="it-IT" dirty="0"/>
-              <a:t>è già necessario definire budget e piano di lavoro</a:t>
-            </a:r>
-            <a:r>
-              <a:rPr lang="it-IT" dirty="0" smtClean="0"/>
-              <a:t>.</a:t>
-            </a:r>
-            <a:endParaRPr lang="it-IT" dirty="0"/>
-          </a:p>
-        </p:txBody>
-      </p:sp>
-      <p:sp>
-        <p:nvSpPr>
-          <p:cNvPr id="5" name="TextBox 4"/>
-          <p:cNvSpPr txBox="1"/>
-          <p:nvPr/>
-        </p:nvSpPr>
-        <p:spPr>
-          <a:xfrm>
-            <a:off x="4576960" y="3361748"/>
-            <a:ext cx="4109839" cy="923330"/>
-          </a:xfrm>
-          <a:prstGeom prst="rect">
-            <a:avLst/>
-          </a:prstGeom>
-          <a:noFill/>
-        </p:spPr>
-        <p:txBody>
-          <a:bodyPr wrap="square" rtlCol="0">
-            <a:spAutoFit/>
-          </a:bodyPr>
-          <a:lstStyle/>
-          <a:p>
-            <a:r>
-              <a:rPr lang="it-IT" b="1" dirty="0"/>
-              <a:t>Necessità di aderire a precisi standard</a:t>
-            </a:r>
-            <a:r>
-              <a:rPr lang="it-IT" dirty="0"/>
-              <a:t>: Rischio di introdurre una eccessiva burocratizzazione delle attività</a:t>
-            </a:r>
-            <a:r>
-              <a:rPr lang="it-IT" dirty="0" smtClean="0"/>
-              <a:t>.</a:t>
-            </a:r>
-            <a:endParaRPr lang="en-US" dirty="0"/>
-          </a:p>
-        </p:txBody>
-      </p:sp>
-      <p:sp>
-        <p:nvSpPr>
-          <p:cNvPr id="6" name="TextBox 5"/>
-          <p:cNvSpPr txBox="1"/>
-          <p:nvPr/>
-        </p:nvSpPr>
-        <p:spPr>
-          <a:xfrm>
-            <a:off x="457200" y="4762729"/>
-            <a:ext cx="4119760" cy="1477328"/>
-          </a:xfrm>
-          <a:prstGeom prst="rect">
-            <a:avLst/>
-          </a:prstGeom>
-          <a:noFill/>
-        </p:spPr>
-        <p:txBody>
-          <a:bodyPr wrap="square" rtlCol="0">
-            <a:spAutoFit/>
-          </a:bodyPr>
-          <a:lstStyle/>
-          <a:p>
-            <a:r>
-              <a:rPr lang="it-IT" b="1" dirty="0" smtClean="0"/>
-              <a:t>Specifica </a:t>
-            </a:r>
-            <a:r>
-              <a:rPr lang="it-IT" b="1" dirty="0"/>
-              <a:t>dei requisiti non sempre soddisfa le esigenze degli utenti</a:t>
-            </a:r>
-            <a:r>
-              <a:rPr lang="it-IT" dirty="0"/>
-              <a:t>: Spesso gli utenti stessi non sono in grado di conoscere e quindi di descrivere con efficacia tutti i requisiti dell'applicazione. </a:t>
-            </a:r>
-            <a:endParaRPr lang="en-US" dirty="0"/>
+              <a:rPr lang="it-IT" sz="2000" dirty="0"/>
+              <a:t>Rende esplicita la gestione dei </a:t>
+            </a:r>
+            <a:r>
+              <a:rPr lang="it-IT" sz="2000" dirty="0" smtClean="0"/>
+              <a:t>rischi focalizzando </a:t>
+            </a:r>
+            <a:r>
+              <a:rPr lang="it-IT" sz="2000" dirty="0"/>
+              <a:t>l’attenzione sul </a:t>
+            </a:r>
+            <a:r>
+              <a:rPr lang="it-IT" sz="2000" dirty="0" smtClean="0"/>
+              <a:t>riuso.</a:t>
+            </a:r>
+          </a:p>
+          <a:p>
+            <a:r>
+              <a:rPr lang="it-IT" sz="2000" dirty="0" smtClean="0"/>
+              <a:t>Aiuta </a:t>
+            </a:r>
+            <a:r>
+              <a:rPr lang="it-IT" sz="2000" dirty="0"/>
+              <a:t>a considerare gli aspetti della </a:t>
+            </a:r>
+            <a:r>
+              <a:rPr lang="it-IT" sz="2000" dirty="0" err="1"/>
+              <a:t>qualita</a:t>
+            </a:r>
+            <a:r>
+              <a:rPr lang="it-IT" sz="2000" dirty="0"/>
+              <a:t>̀ e integra sviluppo e manutenzione.</a:t>
+            </a:r>
+            <a:endParaRPr lang="en-US" sz="2000" dirty="0"/>
+          </a:p>
+          <a:p>
+            <a:endParaRPr lang="en-US" sz="1600" dirty="0"/>
           </a:p>
         </p:txBody>
       </p:sp>
       <p:pic>
         <p:nvPicPr>
-          <p:cNvPr id="7" name="Picture 6" descr="preguntar.png"/>
+          <p:cNvPr id="15" name="Picture 14" descr="46-vantaggi.jpg"/>
           <p:cNvPicPr>
             <a:picLocks noChangeAspect="1"/>
           </p:cNvPicPr>
@@ -12935,68 +12921,8 @@
         </p:blipFill>
         <p:spPr>
           <a:xfrm>
-            <a:off x="5200375" y="4563661"/>
-            <a:ext cx="2864699" cy="2130620"/>
-          </a:xfrm>
-          <a:prstGeom prst="rect">
-            <a:avLst/>
-          </a:prstGeom>
-        </p:spPr>
-      </p:pic>
-      <p:pic>
-        <p:nvPicPr>
-          <p:cNvPr id="8" name="Picture 7" descr="documentazione.jpg"/>
-          <p:cNvPicPr>
-            <a:picLocks noChangeAspect="1"/>
-          </p:cNvPicPr>
-          <p:nvPr/>
-        </p:nvPicPr>
-        <p:blipFill>
-          <a:blip r:embed="rId3">
-            <a:extLst>
-              <a:ext uri="{28A0092B-C50C-407E-A947-70E740481C1C}">
-                <a14:useLocalDpi xmlns:a14="http://schemas.microsoft.com/office/drawing/2010/main" val="0"/>
-              </a:ext>
-            </a:extLst>
-          </a:blip>
-          <a:stretch>
-            <a:fillRect/>
-          </a:stretch>
-        </p:blipFill>
-        <p:spPr>
-          <a:xfrm>
-            <a:off x="676843" y="3075676"/>
-            <a:ext cx="2722807" cy="1487985"/>
-          </a:xfrm>
-          <a:prstGeom prst="rect">
-            <a:avLst/>
-          </a:prstGeom>
-        </p:spPr>
-      </p:pic>
-      <p:pic>
-        <p:nvPicPr>
-          <p:cNvPr id="9" name="Picture 8" descr="Ridurre_i_costi.jpg"/>
-          <p:cNvPicPr>
-            <a:picLocks noChangeAspect="1"/>
-          </p:cNvPicPr>
-          <p:nvPr/>
-        </p:nvPicPr>
-        <p:blipFill>
-          <a:blip r:embed="rId4" cstate="print">
-            <a:extLst>
-              <a:ext uri="{28A0092B-C50C-407E-A947-70E740481C1C}">
-                <a14:useLocalDpi xmlns:a14="http://schemas.microsoft.com/office/drawing/2010/main" val="0"/>
-              </a:ext>
-            </a:extLst>
-          </a:blip>
-          <a:stretch>
-            <a:fillRect/>
-          </a:stretch>
-        </p:blipFill>
-        <p:spPr>
-          <a:xfrm>
-            <a:off x="5800157" y="1594380"/>
-            <a:ext cx="2264917" cy="1481296"/>
+            <a:off x="4413767" y="2366453"/>
+            <a:ext cx="4273033" cy="3714988"/>
           </a:xfrm>
           <a:prstGeom prst="rect">
             <a:avLst/>
@@ -13042,6 +12968,181 @@
       </p:grpSpPr>
       <p:sp>
         <p:nvSpPr>
+          <p:cNvPr id="4" name="TextBox 3"/>
+          <p:cNvSpPr txBox="1"/>
+          <p:nvPr/>
+        </p:nvSpPr>
+        <p:spPr>
+          <a:xfrm>
+            <a:off x="5119316" y="3275066"/>
+            <a:ext cx="3567483" cy="2215991"/>
+          </a:xfrm>
+          <a:prstGeom prst="rect">
+            <a:avLst/>
+          </a:prstGeom>
+          <a:noFill/>
+        </p:spPr>
+        <p:txBody>
+          <a:bodyPr wrap="square" rtlCol="0">
+            <a:spAutoFit/>
+          </a:bodyPr>
+          <a:lstStyle/>
+          <a:p>
+            <a:r>
+              <a:rPr lang="it-IT" sz="2000" dirty="0"/>
+              <a:t>Aumento nei tempi di sviluppo e delle persone con capacità di identificare i rischi. Richiede una gestione maggiore del team di sviluppo e quindi anche un costo maggiore. </a:t>
+            </a:r>
+          </a:p>
+          <a:p>
+            <a:endParaRPr lang="en-US" dirty="0"/>
+          </a:p>
+        </p:txBody>
+      </p:sp>
+      <p:sp>
+        <p:nvSpPr>
+          <p:cNvPr id="5" name="Title 4"/>
+          <p:cNvSpPr txBox="1">
+            <a:spLocks noGrp="1"/>
+          </p:cNvSpPr>
+          <p:nvPr>
+            <p:ph type="title"/>
+          </p:nvPr>
+        </p:nvSpPr>
+        <p:spPr>
+          <a:xfrm>
+            <a:off x="457200" y="389397"/>
+            <a:ext cx="4418142" cy="784830"/>
+          </a:xfrm>
+          <a:prstGeom prst="rect">
+            <a:avLst/>
+          </a:prstGeom>
+          <a:noFill/>
+        </p:spPr>
+        <p:txBody>
+          <a:bodyPr wrap="none" rtlCol="0">
+            <a:spAutoFit/>
+          </a:bodyPr>
+          <a:lstStyle/>
+          <a:p>
+            <a:r>
+              <a:rPr lang="en-US" b="1" dirty="0" err="1" smtClean="0"/>
+              <a:t>Modello</a:t>
+            </a:r>
+            <a:r>
+              <a:rPr lang="en-US" b="1" dirty="0" smtClean="0"/>
+              <a:t> a </a:t>
+            </a:r>
+            <a:r>
+              <a:rPr lang="en-US" b="1" dirty="0" err="1" smtClean="0"/>
+              <a:t>Spirale</a:t>
+            </a:r>
+            <a:endParaRPr lang="en-US" b="1" dirty="0"/>
+          </a:p>
+        </p:txBody>
+      </p:sp>
+      <p:sp>
+        <p:nvSpPr>
+          <p:cNvPr id="7" name="TextBox 6"/>
+          <p:cNvSpPr txBox="1"/>
+          <p:nvPr/>
+        </p:nvSpPr>
+        <p:spPr>
+          <a:xfrm>
+            <a:off x="5172076" y="2732690"/>
+            <a:ext cx="1862384" cy="523220"/>
+          </a:xfrm>
+          <a:prstGeom prst="rect">
+            <a:avLst/>
+          </a:prstGeom>
+          <a:noFill/>
+        </p:spPr>
+        <p:txBody>
+          <a:bodyPr wrap="none" rtlCol="0">
+            <a:spAutoFit/>
+          </a:bodyPr>
+          <a:lstStyle/>
+          <a:p>
+            <a:r>
+              <a:rPr lang="it-IT" sz="2800" b="1" dirty="0" smtClean="0"/>
+              <a:t>Svantaggi</a:t>
+            </a:r>
+            <a:r>
+              <a:rPr lang="en-US" sz="2800" b="1" dirty="0" smtClean="0"/>
+              <a:t>:</a:t>
+            </a:r>
+            <a:endParaRPr lang="en-US" b="1" dirty="0"/>
+          </a:p>
+        </p:txBody>
+      </p:sp>
+      <p:pic>
+        <p:nvPicPr>
+          <p:cNvPr id="8" name="Picture 7" descr="svantaggi.jpg"/>
+          <p:cNvPicPr>
+            <a:picLocks noChangeAspect="1"/>
+          </p:cNvPicPr>
+          <p:nvPr/>
+        </p:nvPicPr>
+        <p:blipFill>
+          <a:blip r:embed="rId2">
+            <a:extLst>
+              <a:ext uri="{28A0092B-C50C-407E-A947-70E740481C1C}">
+                <a14:useLocalDpi xmlns:a14="http://schemas.microsoft.com/office/drawing/2010/main" val="0"/>
+              </a:ext>
+            </a:extLst>
+          </a:blip>
+          <a:stretch>
+            <a:fillRect/>
+          </a:stretch>
+        </p:blipFill>
+        <p:spPr>
+          <a:xfrm>
+            <a:off x="328612" y="2626805"/>
+            <a:ext cx="3771900" cy="3403600"/>
+          </a:xfrm>
+          <a:prstGeom prst="rect">
+            <a:avLst/>
+          </a:prstGeom>
+        </p:spPr>
+      </p:pic>
+    </p:spTree>
+    <p:extLst>
+      <p:ext uri="{BB962C8B-B14F-4D97-AF65-F5344CB8AC3E}">
+        <p14:creationId xmlns:p14="http://schemas.microsoft.com/office/powerpoint/2010/main" val="1278872218"/>
+      </p:ext>
+    </p:extLst>
+  </p:cSld>
+  <p:clrMapOvr>
+    <a:masterClrMapping/>
+  </p:clrMapOvr>
+  <p:timing>
+    <p:tnLst>
+      <p:par>
+        <p:cTn xmlns:p14="http://schemas.microsoft.com/office/powerpoint/2010/main" id="1" dur="indefinite" restart="never" nodeType="tmRoot"/>
+      </p:par>
+    </p:tnLst>
+  </p:timing>
+</p:sld>
+</file>
+
+<file path=ppt/slides/slide15.xml><?xml version="1.0" encoding="utf-8"?>
+<p:sld xmlns:a="http://schemas.openxmlformats.org/drawingml/2006/main" xmlns:r="http://schemas.openxmlformats.org/officeDocument/2006/relationships" xmlns:p="http://schemas.openxmlformats.org/presentationml/2006/main">
+  <p:cSld>
+    <p:spTree>
+      <p:nvGrpSpPr>
+        <p:cNvPr id="1" name=""/>
+        <p:cNvGrpSpPr/>
+        <p:nvPr/>
+      </p:nvGrpSpPr>
+      <p:grpSpPr>
+        <a:xfrm>
+          <a:off x="0" y="0"/>
+          <a:ext cx="0" cy="0"/>
+          <a:chOff x="0" y="0"/>
+          <a:chExt cx="0" cy="0"/>
+        </a:xfrm>
+      </p:grpSpPr>
+      <p:sp>
+        <p:nvSpPr>
           <p:cNvPr id="2" name="Title 1"/>
           <p:cNvSpPr>
             <a:spLocks noGrp="1"/>
@@ -13101,8 +13202,8 @@
               <a:t>A </a:t>
             </a:r>
             <a:r>
-              <a:rPr lang="en-US" sz="3200" dirty="0" err="1" smtClean="0"/>
-              <a:t>Cascata</a:t>
+              <a:rPr lang="en-US" sz="3200" dirty="0" err="1"/>
+              <a:t>Spirale</a:t>
             </a:r>
             <a:endParaRPr lang="en-US" sz="3200" dirty="0"/>
           </a:p>
@@ -13263,14 +13364,85 @@
   <p:timing>
     <p:tnLst>
       <p:par>
-        <p:cTn xmlns:p14="http://schemas.microsoft.com/office/powerpoint/2010/main" id="1" dur="indefinite" restart="never" nodeType="tmRoot"/>
+        <p:cTn xmlns:p14="http://schemas.microsoft.com/office/powerpoint/2010/main" id="1" dur="indefinite" restart="never" nodeType="tmRoot">
+          <p:childTnLst>
+            <p:seq concurrent="1" nextAc="seek">
+              <p:cTn id="2" dur="indefinite" nodeType="mainSeq">
+                <p:childTnLst>
+                  <p:par>
+                    <p:cTn id="3" fill="hold">
+                      <p:stCondLst>
+                        <p:cond delay="indefinite"/>
+                      </p:stCondLst>
+                      <p:childTnLst>
+                        <p:par>
+                          <p:cTn id="4" fill="hold">
+                            <p:stCondLst>
+                              <p:cond delay="0"/>
+                            </p:stCondLst>
+                            <p:childTnLst>
+                              <p:par>
+                                <p:cTn id="5" presetID="1" presetClass="entr" presetSubtype="0" fill="hold" grpId="0" nodeType="clickEffect">
+                                  <p:stCondLst>
+                                    <p:cond delay="0"/>
+                                  </p:stCondLst>
+                                  <p:childTnLst>
+                                    <p:set>
+                                      <p:cBhvr>
+                                        <p:cTn id="6" dur="1" fill="hold">
+                                          <p:stCondLst>
+                                            <p:cond delay="0"/>
+                                          </p:stCondLst>
+                                        </p:cTn>
+                                        <p:tgtEl>
+                                          <p:spTgt spid="10"/>
+                                        </p:tgtEl>
+                                        <p:attrNameLst>
+                                          <p:attrName>style.visibility</p:attrName>
+                                        </p:attrNameLst>
+                                      </p:cBhvr>
+                                      <p:to>
+                                        <p:strVal val="visible"/>
+                                      </p:to>
+                                    </p:set>
+                                  </p:childTnLst>
+                                </p:cTn>
+                              </p:par>
+                            </p:childTnLst>
+                          </p:cTn>
+                        </p:par>
+                      </p:childTnLst>
+                    </p:cTn>
+                  </p:par>
+                </p:childTnLst>
+              </p:cTn>
+              <p:prevCondLst>
+                <p:cond evt="onPrev" delay="0">
+                  <p:tgtEl>
+                    <p:sldTgt/>
+                  </p:tgtEl>
+                </p:cond>
+              </p:prevCondLst>
+              <p:nextCondLst>
+                <p:cond evt="onNext" delay="0">
+                  <p:tgtEl>
+                    <p:sldTgt/>
+                  </p:tgtEl>
+                </p:cond>
+              </p:nextCondLst>
+            </p:seq>
+          </p:childTnLst>
+        </p:cTn>
       </p:par>
     </p:tnLst>
+    <p:bldLst>
+      <p:bldP spid="10" grpId="0" animBg="1"/>
+    </p:bldLst>
   </p:timing>
 </p:sld>
 </file>
 
-<file path=ppt/slides/slide15.xml><?xml version="1.0" encoding="utf-8"?>
+<file path=ppt/slides/slide16.xml><?xml version="1.0" encoding="utf-8"?>
 <p:sld xmlns:a="http://schemas.openxmlformats.org/drawingml/2006/main" xmlns:r="http://schemas.openxmlformats.org/officeDocument/2006/relationships" xmlns:p="http://schemas.openxmlformats.org/presentationml/2006/main">
   <p:cSld>
     <p:spTree>
@@ -13406,7 +13578,7 @@
 </p:sld>
 </file>
 
-<file path=ppt/slides/slide16.xml><?xml version="1.0" encoding="utf-8"?>
+<file path=ppt/slides/slide17.xml><?xml version="1.0" encoding="utf-8"?>
 <p:sld xmlns:a="http://schemas.openxmlformats.org/drawingml/2006/main" xmlns:r="http://schemas.openxmlformats.org/officeDocument/2006/relationships" xmlns:p="http://schemas.openxmlformats.org/presentationml/2006/main">
   <p:cSld>
     <p:spTree>
@@ -13676,249 +13848,6 @@
     <p:extLst>
       <p:ext uri="{BB962C8B-B14F-4D97-AF65-F5344CB8AC3E}">
         <p14:creationId xmlns:p14="http://schemas.microsoft.com/office/powerpoint/2010/main" val="911382799"/>
-      </p:ext>
-    </p:extLst>
-  </p:cSld>
-  <p:clrMapOvr>
-    <a:masterClrMapping/>
-  </p:clrMapOvr>
-  <p:timing>
-    <p:tnLst>
-      <p:par>
-        <p:cTn xmlns:p14="http://schemas.microsoft.com/office/powerpoint/2010/main" id="1" dur="indefinite" restart="never" nodeType="tmRoot"/>
-      </p:par>
-    </p:tnLst>
-  </p:timing>
-</p:sld>
-</file>
-
-<file path=ppt/slides/slide17.xml><?xml version="1.0" encoding="utf-8"?>
-<p:sld xmlns:a="http://schemas.openxmlformats.org/drawingml/2006/main" xmlns:r="http://schemas.openxmlformats.org/officeDocument/2006/relationships" xmlns:p="http://schemas.openxmlformats.org/presentationml/2006/main">
-  <p:cSld>
-    <p:spTree>
-      <p:nvGrpSpPr>
-        <p:cNvPr id="1" name=""/>
-        <p:cNvGrpSpPr/>
-        <p:nvPr/>
-      </p:nvGrpSpPr>
-      <p:grpSpPr>
-        <a:xfrm>
-          <a:off x="0" y="0"/>
-          <a:ext cx="0" cy="0"/>
-          <a:chOff x="0" y="0"/>
-          <a:chExt cx="0" cy="0"/>
-        </a:xfrm>
-      </p:grpSpPr>
-      <p:sp>
-        <p:nvSpPr>
-          <p:cNvPr id="2" name="Title 1"/>
-          <p:cNvSpPr>
-            <a:spLocks noGrp="1"/>
-          </p:cNvSpPr>
-          <p:nvPr>
-            <p:ph type="title"/>
-          </p:nvPr>
-        </p:nvSpPr>
-        <p:spPr/>
-        <p:txBody>
-          <a:bodyPr/>
-          <a:lstStyle/>
-          <a:p>
-            <a:r>
-              <a:rPr lang="en-US" dirty="0" err="1" smtClean="0"/>
-              <a:t>Modello</a:t>
-            </a:r>
-            <a:r>
-              <a:rPr lang="en-US" dirty="0" smtClean="0"/>
-              <a:t> Agile - </a:t>
-            </a:r>
-            <a:r>
-              <a:rPr lang="en-US" dirty="0" err="1" smtClean="0"/>
-              <a:t>Principi</a:t>
-            </a:r>
-            <a:endParaRPr lang="en-US" dirty="0"/>
-          </a:p>
-        </p:txBody>
-      </p:sp>
-      <p:sp>
-        <p:nvSpPr>
-          <p:cNvPr id="4" name="TextBox 3"/>
-          <p:cNvSpPr txBox="1"/>
-          <p:nvPr/>
-        </p:nvSpPr>
-        <p:spPr>
-          <a:xfrm>
-            <a:off x="457199" y="1779686"/>
-            <a:ext cx="8229601" cy="5078314"/>
-          </a:xfrm>
-          <a:prstGeom prst="rect">
-            <a:avLst/>
-          </a:prstGeom>
-          <a:noFill/>
-        </p:spPr>
-        <p:txBody>
-          <a:bodyPr wrap="square" rtlCol="0">
-            <a:spAutoFit/>
-          </a:bodyPr>
-          <a:lstStyle/>
-          <a:p>
-            <a:pPr marL="285750" indent="-285750">
-              <a:buClr>
-                <a:srgbClr val="FF6600"/>
-              </a:buClr>
-              <a:buFont typeface="Wingdings" charset="2"/>
-              <a:buChar char="u"/>
-            </a:pPr>
-            <a:r>
-              <a:rPr lang="it-IT" dirty="0"/>
-              <a:t>Una conversazione faccia a faccia è il modo più efficiente e più efficace per comunicare con il team ed all'interno del team</a:t>
-            </a:r>
-            <a:r>
-              <a:rPr lang="it-IT" dirty="0" smtClean="0"/>
-              <a:t>.</a:t>
-            </a:r>
-          </a:p>
-          <a:p>
-            <a:pPr marL="285750" indent="-285750">
-              <a:buClr>
-                <a:srgbClr val="FF6600"/>
-              </a:buClr>
-              <a:buFont typeface="Wingdings" charset="2"/>
-              <a:buChar char="u"/>
-            </a:pPr>
-            <a:endParaRPr lang="it-IT" dirty="0"/>
-          </a:p>
-          <a:p>
-            <a:pPr marL="285750" indent="-285750">
-              <a:buClr>
-                <a:srgbClr val="FF6600"/>
-              </a:buClr>
-              <a:buFont typeface="Wingdings" charset="2"/>
-              <a:buChar char="u"/>
-            </a:pPr>
-            <a:r>
-              <a:rPr lang="it-IT" dirty="0"/>
-              <a:t>Il software funzionante è il principale metro di misura di progresso. Sviluppatori e utenti dovrebbero essere in grado di mantenere indefinitamente un ritmo costante</a:t>
-            </a:r>
-            <a:r>
-              <a:rPr lang="it-IT" dirty="0" smtClean="0"/>
-              <a:t>.</a:t>
-            </a:r>
-          </a:p>
-          <a:p>
-            <a:pPr marL="285750" indent="-285750">
-              <a:buClr>
-                <a:srgbClr val="FF6600"/>
-              </a:buClr>
-              <a:buFont typeface="Wingdings" charset="2"/>
-              <a:buChar char="u"/>
-            </a:pPr>
-            <a:endParaRPr lang="it-IT" dirty="0"/>
-          </a:p>
-          <a:p>
-            <a:pPr marL="285750" indent="-285750">
-              <a:buClr>
-                <a:srgbClr val="FF6600"/>
-              </a:buClr>
-              <a:buFont typeface="Wingdings" charset="2"/>
-              <a:buChar char="u"/>
-            </a:pPr>
-            <a:r>
-              <a:rPr lang="it-IT" dirty="0"/>
-              <a:t>La continua attenzione all'eccellenza tecnica e alla buona progettazione esaltano l'agilità</a:t>
-            </a:r>
-            <a:r>
-              <a:rPr lang="it-IT" dirty="0" smtClean="0"/>
-              <a:t>.</a:t>
-            </a:r>
-          </a:p>
-          <a:p>
-            <a:pPr marL="285750" indent="-285750">
-              <a:buClr>
-                <a:srgbClr val="FF6600"/>
-              </a:buClr>
-              <a:buFont typeface="Wingdings" charset="2"/>
-              <a:buChar char="u"/>
-            </a:pPr>
-            <a:endParaRPr lang="it-IT" dirty="0"/>
-          </a:p>
-          <a:p>
-            <a:pPr marL="285750" indent="-285750">
-              <a:buClr>
-                <a:srgbClr val="FF6600"/>
-              </a:buClr>
-              <a:buFont typeface="Wingdings" charset="2"/>
-              <a:buChar char="u"/>
-            </a:pPr>
-            <a:r>
-              <a:rPr lang="it-IT" dirty="0"/>
-              <a:t>La semplicità - l'arte di massimizzare la quantità di lavoro non svolto - è essenziale</a:t>
-            </a:r>
-            <a:r>
-              <a:rPr lang="it-IT" dirty="0" smtClean="0"/>
-              <a:t>.</a:t>
-            </a:r>
-          </a:p>
-          <a:p>
-            <a:pPr marL="285750" indent="-285750">
-              <a:buClr>
-                <a:srgbClr val="FF6600"/>
-              </a:buClr>
-              <a:buFont typeface="Wingdings" charset="2"/>
-              <a:buChar char="u"/>
-            </a:pPr>
-            <a:endParaRPr lang="it-IT" dirty="0"/>
-          </a:p>
-          <a:p>
-            <a:pPr marL="285750" indent="-285750">
-              <a:buClr>
-                <a:srgbClr val="FF6600"/>
-              </a:buClr>
-              <a:buFont typeface="Wingdings" charset="2"/>
-              <a:buChar char="u"/>
-            </a:pPr>
-            <a:r>
-              <a:rPr lang="it-IT" dirty="0"/>
-              <a:t>Le architetture, i requisiti e la progettazione migliori emergono da team che si auto-organizzano</a:t>
-            </a:r>
-            <a:r>
-              <a:rPr lang="it-IT" dirty="0" smtClean="0"/>
-              <a:t>.</a:t>
-            </a:r>
-          </a:p>
-          <a:p>
-            <a:pPr marL="285750" indent="-285750">
-              <a:buClr>
-                <a:srgbClr val="FF6600"/>
-              </a:buClr>
-              <a:buFont typeface="Wingdings" charset="2"/>
-              <a:buChar char="u"/>
-            </a:pPr>
-            <a:endParaRPr lang="it-IT" dirty="0"/>
-          </a:p>
-          <a:p>
-            <a:pPr marL="285750" indent="-285750">
-              <a:buClr>
-                <a:srgbClr val="FF6600"/>
-              </a:buClr>
-              <a:buFont typeface="Wingdings" charset="2"/>
-              <a:buChar char="u"/>
-            </a:pPr>
-            <a:r>
-              <a:rPr lang="it-IT" dirty="0"/>
-              <a:t>A intervalli regolari il team riflette su come diventare più efficace, dopodiché regola e adatta il proprio comportamento di conseguenza.</a:t>
-            </a:r>
-            <a:endParaRPr lang="en-US" dirty="0"/>
-          </a:p>
-          <a:p>
-            <a:endParaRPr lang="en-US" dirty="0"/>
-          </a:p>
-        </p:txBody>
-      </p:sp>
-    </p:spTree>
-    <p:extLst>
-      <p:ext uri="{BB962C8B-B14F-4D97-AF65-F5344CB8AC3E}">
-        <p14:creationId xmlns:p14="http://schemas.microsoft.com/office/powerpoint/2010/main" val="2443034384"/>
       </p:ext>
     </p:extLst>
   </p:cSld>
@@ -13968,6 +13897,257 @@
           <a:lstStyle/>
           <a:p>
             <a:r>
+              <a:rPr lang="en-US" dirty="0" err="1" smtClean="0"/>
+              <a:t>Modello</a:t>
+            </a:r>
+            <a:r>
+              <a:rPr lang="en-US" dirty="0" smtClean="0"/>
+              <a:t> Agile - </a:t>
+            </a:r>
+            <a:r>
+              <a:rPr lang="en-US" dirty="0" err="1" smtClean="0"/>
+              <a:t>Principi</a:t>
+            </a:r>
+            <a:endParaRPr lang="en-US" dirty="0"/>
+          </a:p>
+        </p:txBody>
+      </p:sp>
+      <p:sp>
+        <p:nvSpPr>
+          <p:cNvPr id="4" name="TextBox 3"/>
+          <p:cNvSpPr txBox="1"/>
+          <p:nvPr/>
+        </p:nvSpPr>
+        <p:spPr>
+          <a:xfrm>
+            <a:off x="457199" y="1779686"/>
+            <a:ext cx="8229601" cy="5078314"/>
+          </a:xfrm>
+          <a:prstGeom prst="rect">
+            <a:avLst/>
+          </a:prstGeom>
+          <a:noFill/>
+        </p:spPr>
+        <p:txBody>
+          <a:bodyPr wrap="square" rtlCol="0">
+            <a:spAutoFit/>
+          </a:bodyPr>
+          <a:lstStyle/>
+          <a:p>
+            <a:pPr marL="285750" indent="-285750">
+              <a:buClr>
+                <a:srgbClr val="FF6600"/>
+              </a:buClr>
+              <a:buFont typeface="Wingdings" charset="2"/>
+              <a:buChar char="u"/>
+            </a:pPr>
+            <a:r>
+              <a:rPr lang="it-IT" dirty="0"/>
+              <a:t>Una conversazione faccia a faccia è il modo più efficiente e più efficace per comunicare con il team ed all'interno del team</a:t>
+            </a:r>
+            <a:r>
+              <a:rPr lang="it-IT" dirty="0" smtClean="0"/>
+              <a:t>.</a:t>
+            </a:r>
+          </a:p>
+          <a:p>
+            <a:pPr marL="285750" indent="-285750">
+              <a:buClr>
+                <a:srgbClr val="FF6600"/>
+              </a:buClr>
+              <a:buFont typeface="Wingdings" charset="2"/>
+              <a:buChar char="u"/>
+            </a:pPr>
+            <a:endParaRPr lang="it-IT" dirty="0"/>
+          </a:p>
+          <a:p>
+            <a:pPr marL="285750" indent="-285750">
+              <a:buClr>
+                <a:srgbClr val="FF6600"/>
+              </a:buClr>
+              <a:buFont typeface="Wingdings" charset="2"/>
+              <a:buChar char="u"/>
+            </a:pPr>
+            <a:r>
+              <a:rPr lang="it-IT" dirty="0"/>
+              <a:t>Il software funzionante è il principale metro di misura di progresso. Sviluppatori e utenti dovrebbero essere in grado di mantenere indefinitamente un ritmo costante</a:t>
+            </a:r>
+            <a:r>
+              <a:rPr lang="it-IT" dirty="0" smtClean="0"/>
+              <a:t>.</a:t>
+            </a:r>
+          </a:p>
+          <a:p>
+            <a:pPr marL="285750" indent="-285750">
+              <a:buClr>
+                <a:srgbClr val="FF6600"/>
+              </a:buClr>
+              <a:buFont typeface="Wingdings" charset="2"/>
+              <a:buChar char="u"/>
+            </a:pPr>
+            <a:endParaRPr lang="it-IT" dirty="0"/>
+          </a:p>
+          <a:p>
+            <a:pPr marL="285750" indent="-285750">
+              <a:buClr>
+                <a:srgbClr val="FF6600"/>
+              </a:buClr>
+              <a:buFont typeface="Wingdings" charset="2"/>
+              <a:buChar char="u"/>
+            </a:pPr>
+            <a:r>
+              <a:rPr lang="it-IT" dirty="0"/>
+              <a:t>La continua attenzione all'eccellenza tecnica e alla buona progettazione esaltano l'agilità</a:t>
+            </a:r>
+            <a:r>
+              <a:rPr lang="it-IT" dirty="0" smtClean="0"/>
+              <a:t>.</a:t>
+            </a:r>
+          </a:p>
+          <a:p>
+            <a:pPr marL="285750" indent="-285750">
+              <a:buClr>
+                <a:srgbClr val="FF6600"/>
+              </a:buClr>
+              <a:buFont typeface="Wingdings" charset="2"/>
+              <a:buChar char="u"/>
+            </a:pPr>
+            <a:endParaRPr lang="it-IT" dirty="0"/>
+          </a:p>
+          <a:p>
+            <a:pPr marL="285750" indent="-285750">
+              <a:buClr>
+                <a:srgbClr val="FF6600"/>
+              </a:buClr>
+              <a:buFont typeface="Wingdings" charset="2"/>
+              <a:buChar char="u"/>
+            </a:pPr>
+            <a:r>
+              <a:rPr lang="it-IT" dirty="0"/>
+              <a:t>La semplicità - l'arte di massimizzare la quantità di lavoro non svolto - è essenziale</a:t>
+            </a:r>
+            <a:r>
+              <a:rPr lang="it-IT" dirty="0" smtClean="0"/>
+              <a:t>.</a:t>
+            </a:r>
+          </a:p>
+          <a:p>
+            <a:pPr marL="285750" indent="-285750">
+              <a:buClr>
+                <a:srgbClr val="FF6600"/>
+              </a:buClr>
+              <a:buFont typeface="Wingdings" charset="2"/>
+              <a:buChar char="u"/>
+            </a:pPr>
+            <a:endParaRPr lang="it-IT" dirty="0"/>
+          </a:p>
+          <a:p>
+            <a:pPr marL="285750" indent="-285750">
+              <a:buClr>
+                <a:srgbClr val="FF6600"/>
+              </a:buClr>
+              <a:buFont typeface="Wingdings" charset="2"/>
+              <a:buChar char="u"/>
+            </a:pPr>
+            <a:r>
+              <a:rPr lang="it-IT" dirty="0"/>
+              <a:t>Le architetture, i requisiti e </a:t>
+            </a:r>
+            <a:r>
+              <a:rPr lang="it-IT" smtClean="0"/>
+              <a:t>le progettazioni </a:t>
+            </a:r>
+            <a:r>
+              <a:rPr lang="it-IT" dirty="0"/>
+              <a:t>migliori emergono da team che si auto-organizzano</a:t>
+            </a:r>
+            <a:r>
+              <a:rPr lang="it-IT" dirty="0" smtClean="0"/>
+              <a:t>.</a:t>
+            </a:r>
+          </a:p>
+          <a:p>
+            <a:pPr marL="285750" indent="-285750">
+              <a:buClr>
+                <a:srgbClr val="FF6600"/>
+              </a:buClr>
+              <a:buFont typeface="Wingdings" charset="2"/>
+              <a:buChar char="u"/>
+            </a:pPr>
+            <a:endParaRPr lang="it-IT" dirty="0"/>
+          </a:p>
+          <a:p>
+            <a:pPr marL="285750" indent="-285750">
+              <a:buClr>
+                <a:srgbClr val="FF6600"/>
+              </a:buClr>
+              <a:buFont typeface="Wingdings" charset="2"/>
+              <a:buChar char="u"/>
+            </a:pPr>
+            <a:r>
+              <a:rPr lang="it-IT" dirty="0"/>
+              <a:t>A intervalli regolari il team riflette su come diventare più efficace, dopodiché regola e adatta il proprio comportamento di conseguenza.</a:t>
+            </a:r>
+            <a:endParaRPr lang="en-US" dirty="0"/>
+          </a:p>
+          <a:p>
+            <a:endParaRPr lang="en-US" dirty="0"/>
+          </a:p>
+        </p:txBody>
+      </p:sp>
+    </p:spTree>
+    <p:extLst>
+      <p:ext uri="{BB962C8B-B14F-4D97-AF65-F5344CB8AC3E}">
+        <p14:creationId xmlns:p14="http://schemas.microsoft.com/office/powerpoint/2010/main" val="2443034384"/>
+      </p:ext>
+    </p:extLst>
+  </p:cSld>
+  <p:clrMapOvr>
+    <a:masterClrMapping/>
+  </p:clrMapOvr>
+  <p:timing>
+    <p:tnLst>
+      <p:par>
+        <p:cTn xmlns:p14="http://schemas.microsoft.com/office/powerpoint/2010/main" id="1" dur="indefinite" restart="never" nodeType="tmRoot"/>
+      </p:par>
+    </p:tnLst>
+  </p:timing>
+</p:sld>
+</file>
+
+<file path=ppt/slides/slide19.xml><?xml version="1.0" encoding="utf-8"?>
+<p:sld xmlns:a="http://schemas.openxmlformats.org/drawingml/2006/main" xmlns:r="http://schemas.openxmlformats.org/officeDocument/2006/relationships" xmlns:p="http://schemas.openxmlformats.org/presentationml/2006/main">
+  <p:cSld>
+    <p:spTree>
+      <p:nvGrpSpPr>
+        <p:cNvPr id="1" name=""/>
+        <p:cNvGrpSpPr/>
+        <p:nvPr/>
+      </p:nvGrpSpPr>
+      <p:grpSpPr>
+        <a:xfrm>
+          <a:off x="0" y="0"/>
+          <a:ext cx="0" cy="0"/>
+          <a:chOff x="0" y="0"/>
+          <a:chExt cx="0" cy="0"/>
+        </a:xfrm>
+      </p:grpSpPr>
+      <p:sp>
+        <p:nvSpPr>
+          <p:cNvPr id="2" name="Title 1"/>
+          <p:cNvSpPr>
+            <a:spLocks noGrp="1"/>
+          </p:cNvSpPr>
+          <p:nvPr>
+            <p:ph type="title"/>
+          </p:nvPr>
+        </p:nvSpPr>
+        <p:spPr/>
+        <p:txBody>
+          <a:bodyPr/>
+          <a:lstStyle/>
+          <a:p>
+            <a:r>
               <a:rPr lang="en-US" dirty="0" smtClean="0"/>
               <a:t>I </a:t>
             </a:r>
@@ -14013,8 +14193,8 @@
               <a:t>A </a:t>
             </a:r>
             <a:r>
-              <a:rPr lang="en-US" sz="3200" dirty="0" err="1" smtClean="0"/>
-              <a:t>Cascata</a:t>
+              <a:rPr lang="en-US" sz="3200" dirty="0" err="1"/>
+              <a:t>Spirale</a:t>
             </a:r>
             <a:endParaRPr lang="en-US" sz="3200" dirty="0"/>
           </a:p>
@@ -14175,6 +14355,227 @@
   <p:timing>
     <p:tnLst>
       <p:par>
+        <p:cTn xmlns:p14="http://schemas.microsoft.com/office/powerpoint/2010/main" id="1" dur="indefinite" restart="never" nodeType="tmRoot">
+          <p:childTnLst>
+            <p:seq concurrent="1" nextAc="seek">
+              <p:cTn id="2" dur="indefinite" nodeType="mainSeq">
+                <p:childTnLst>
+                  <p:par>
+                    <p:cTn id="3" fill="hold">
+                      <p:stCondLst>
+                        <p:cond delay="indefinite"/>
+                      </p:stCondLst>
+                      <p:childTnLst>
+                        <p:par>
+                          <p:cTn id="4" fill="hold">
+                            <p:stCondLst>
+                              <p:cond delay="0"/>
+                            </p:stCondLst>
+                            <p:childTnLst>
+                              <p:par>
+                                <p:cTn id="5" presetID="1" presetClass="entr" presetSubtype="0" fill="hold" grpId="0" nodeType="clickEffect">
+                                  <p:stCondLst>
+                                    <p:cond delay="0"/>
+                                  </p:stCondLst>
+                                  <p:childTnLst>
+                                    <p:set>
+                                      <p:cBhvr>
+                                        <p:cTn id="6" dur="1" fill="hold">
+                                          <p:stCondLst>
+                                            <p:cond delay="0"/>
+                                          </p:stCondLst>
+                                        </p:cTn>
+                                        <p:tgtEl>
+                                          <p:spTgt spid="10"/>
+                                        </p:tgtEl>
+                                        <p:attrNameLst>
+                                          <p:attrName>style.visibility</p:attrName>
+                                        </p:attrNameLst>
+                                      </p:cBhvr>
+                                      <p:to>
+                                        <p:strVal val="visible"/>
+                                      </p:to>
+                                    </p:set>
+                                  </p:childTnLst>
+                                </p:cTn>
+                              </p:par>
+                            </p:childTnLst>
+                          </p:cTn>
+                        </p:par>
+                      </p:childTnLst>
+                    </p:cTn>
+                  </p:par>
+                </p:childTnLst>
+              </p:cTn>
+              <p:prevCondLst>
+                <p:cond evt="onPrev" delay="0">
+                  <p:tgtEl>
+                    <p:sldTgt/>
+                  </p:tgtEl>
+                </p:cond>
+              </p:prevCondLst>
+              <p:nextCondLst>
+                <p:cond evt="onNext" delay="0">
+                  <p:tgtEl>
+                    <p:sldTgt/>
+                  </p:tgtEl>
+                </p:cond>
+              </p:nextCondLst>
+            </p:seq>
+          </p:childTnLst>
+        </p:cTn>
+      </p:par>
+    </p:tnLst>
+    <p:bldLst>
+      <p:bldP spid="10" grpId="0" animBg="1"/>
+    </p:bldLst>
+  </p:timing>
+</p:sld>
+</file>
+
+<file path=ppt/slides/slide2.xml><?xml version="1.0" encoding="utf-8"?>
+<p:sld xmlns:a="http://schemas.openxmlformats.org/drawingml/2006/main" xmlns:r="http://schemas.openxmlformats.org/officeDocument/2006/relationships" xmlns:p="http://schemas.openxmlformats.org/presentationml/2006/main">
+  <p:cSld>
+    <p:spTree>
+      <p:nvGrpSpPr>
+        <p:cNvPr id="1" name=""/>
+        <p:cNvGrpSpPr/>
+        <p:nvPr/>
+      </p:nvGrpSpPr>
+      <p:grpSpPr>
+        <a:xfrm>
+          <a:off x="0" y="0"/>
+          <a:ext cx="0" cy="0"/>
+          <a:chOff x="0" y="0"/>
+          <a:chExt cx="0" cy="0"/>
+        </a:xfrm>
+      </p:grpSpPr>
+      <p:sp>
+        <p:nvSpPr>
+          <p:cNvPr id="2" name="Title 1"/>
+          <p:cNvSpPr>
+            <a:spLocks noGrp="1"/>
+          </p:cNvSpPr>
+          <p:nvPr>
+            <p:ph type="title"/>
+          </p:nvPr>
+        </p:nvSpPr>
+        <p:spPr/>
+        <p:txBody>
+          <a:bodyPr>
+            <a:normAutofit/>
+          </a:bodyPr>
+          <a:lstStyle/>
+          <a:p>
+            <a:r>
+              <a:rPr lang="en-US" dirty="0" err="1" smtClean="0"/>
+              <a:t>Componenti</a:t>
+            </a:r>
+            <a:r>
+              <a:rPr lang="en-US" dirty="0" smtClean="0"/>
+              <a:t> del team:</a:t>
+            </a:r>
+            <a:endParaRPr lang="en-US" dirty="0"/>
+          </a:p>
+        </p:txBody>
+      </p:sp>
+      <p:sp>
+        <p:nvSpPr>
+          <p:cNvPr id="3" name="Content Placeholder 2"/>
+          <p:cNvSpPr>
+            <a:spLocks noGrp="1"/>
+          </p:cNvSpPr>
+          <p:nvPr>
+            <p:ph idx="1"/>
+          </p:nvPr>
+        </p:nvSpPr>
+        <p:spPr>
+          <a:xfrm>
+            <a:off x="457200" y="1775191"/>
+            <a:ext cx="5735908" cy="4156406"/>
+          </a:xfrm>
+        </p:spPr>
+        <p:txBody>
+          <a:bodyPr/>
+          <a:lstStyle/>
+          <a:p>
+            <a:r>
+              <a:rPr lang="it-IT" b="1" dirty="0"/>
+              <a:t>Carta Stefano (Team Leader)</a:t>
+            </a:r>
+          </a:p>
+          <a:p>
+            <a:r>
+              <a:rPr lang="it-IT" b="1" dirty="0"/>
+              <a:t>Carta Fabio</a:t>
+            </a:r>
+          </a:p>
+          <a:p>
+            <a:r>
+              <a:rPr lang="it-IT" b="1" dirty="0" err="1"/>
+              <a:t>Argiolas</a:t>
+            </a:r>
+            <a:r>
+              <a:rPr lang="it-IT" b="1" dirty="0"/>
+              <a:t> Alessandro</a:t>
+            </a:r>
+          </a:p>
+          <a:p>
+            <a:r>
+              <a:rPr lang="it-IT" b="1" dirty="0" err="1"/>
+              <a:t>Bertulu</a:t>
+            </a:r>
+            <a:r>
+              <a:rPr lang="it-IT" b="1" dirty="0"/>
+              <a:t> Giovanni</a:t>
+            </a:r>
+          </a:p>
+          <a:p>
+            <a:r>
+              <a:rPr lang="it-IT" b="1" dirty="0" err="1"/>
+              <a:t>Desogus</a:t>
+            </a:r>
+            <a:r>
+              <a:rPr lang="it-IT" b="1" dirty="0"/>
+              <a:t> Omar</a:t>
+            </a:r>
+          </a:p>
+          <a:p>
+            <a:r>
+              <a:rPr lang="it-IT" b="1" dirty="0" err="1"/>
+              <a:t>Fadda</a:t>
+            </a:r>
+            <a:r>
+              <a:rPr lang="it-IT" b="1" dirty="0"/>
+              <a:t> Luca</a:t>
+            </a:r>
+          </a:p>
+          <a:p>
+            <a:r>
+              <a:rPr lang="it-IT" b="1" dirty="0"/>
+              <a:t>Zucca </a:t>
+            </a:r>
+            <a:r>
+              <a:rPr lang="it-IT" b="1" dirty="0" smtClean="0"/>
+              <a:t>Luigi</a:t>
+            </a:r>
+            <a:endParaRPr lang="it-IT" b="1" dirty="0"/>
+          </a:p>
+        </p:txBody>
+      </p:sp>
+    </p:spTree>
+    <p:extLst>
+      <p:ext uri="{BB962C8B-B14F-4D97-AF65-F5344CB8AC3E}">
+        <p14:creationId xmlns:p14="http://schemas.microsoft.com/office/powerpoint/2010/main" val="3547638256"/>
+      </p:ext>
+    </p:extLst>
+  </p:cSld>
+  <p:clrMapOvr>
+    <a:masterClrMapping/>
+  </p:clrMapOvr>
+  <p:timing>
+    <p:tnLst>
+      <p:par>
         <p:cTn xmlns:p14="http://schemas.microsoft.com/office/powerpoint/2010/main" id="1" dur="indefinite" restart="never" nodeType="tmRoot"/>
       </p:par>
     </p:tnLst>
@@ -14182,7 +14583,7 @@
 </p:sld>
 </file>
 
-<file path=ppt/slides/slide19.xml><?xml version="1.0" encoding="utf-8"?>
+<file path=ppt/slides/slide20.xml><?xml version="1.0" encoding="utf-8"?>
 <p:sld xmlns:a="http://schemas.openxmlformats.org/drawingml/2006/main" xmlns:r="http://schemas.openxmlformats.org/officeDocument/2006/relationships" xmlns:p="http://schemas.openxmlformats.org/presentationml/2006/main">
   <p:cSld>
     <p:spTree>
@@ -14322,157 +14723,7 @@
 </p:sld>
 </file>
 
-<file path=ppt/slides/slide2.xml><?xml version="1.0" encoding="utf-8"?>
-<p:sld xmlns:a="http://schemas.openxmlformats.org/drawingml/2006/main" xmlns:r="http://schemas.openxmlformats.org/officeDocument/2006/relationships" xmlns:p="http://schemas.openxmlformats.org/presentationml/2006/main">
-  <p:cSld>
-    <p:spTree>
-      <p:nvGrpSpPr>
-        <p:cNvPr id="1" name=""/>
-        <p:cNvGrpSpPr/>
-        <p:nvPr/>
-      </p:nvGrpSpPr>
-      <p:grpSpPr>
-        <a:xfrm>
-          <a:off x="0" y="0"/>
-          <a:ext cx="0" cy="0"/>
-          <a:chOff x="0" y="0"/>
-          <a:chExt cx="0" cy="0"/>
-        </a:xfrm>
-      </p:grpSpPr>
-      <p:sp>
-        <p:nvSpPr>
-          <p:cNvPr id="2" name="Title 1"/>
-          <p:cNvSpPr>
-            <a:spLocks noGrp="1"/>
-          </p:cNvSpPr>
-          <p:nvPr>
-            <p:ph type="title"/>
-          </p:nvPr>
-        </p:nvSpPr>
-        <p:spPr/>
-        <p:txBody>
-          <a:bodyPr>
-            <a:normAutofit/>
-          </a:bodyPr>
-          <a:lstStyle/>
-          <a:p>
-            <a:r>
-              <a:rPr lang="en-US" dirty="0" err="1" smtClean="0"/>
-              <a:t>Componenti</a:t>
-            </a:r>
-            <a:r>
-              <a:rPr lang="en-US" dirty="0" smtClean="0"/>
-              <a:t> del team:</a:t>
-            </a:r>
-            <a:endParaRPr lang="en-US" dirty="0"/>
-          </a:p>
-        </p:txBody>
-      </p:sp>
-      <p:sp>
-        <p:nvSpPr>
-          <p:cNvPr id="3" name="Content Placeholder 2"/>
-          <p:cNvSpPr>
-            <a:spLocks noGrp="1"/>
-          </p:cNvSpPr>
-          <p:nvPr>
-            <p:ph idx="1"/>
-          </p:nvPr>
-        </p:nvSpPr>
-        <p:spPr>
-          <a:xfrm>
-            <a:off x="457200" y="1775191"/>
-            <a:ext cx="5735908" cy="4156406"/>
-          </a:xfrm>
-        </p:spPr>
-        <p:txBody>
-          <a:bodyPr/>
-          <a:lstStyle/>
-          <a:p>
-            <a:r>
-              <a:rPr lang="it-IT" b="1" dirty="0"/>
-              <a:t>Carta Stefano (Team Leader)</a:t>
-            </a:r>
-          </a:p>
-          <a:p>
-            <a:r>
-              <a:rPr lang="it-IT" b="1" dirty="0"/>
-              <a:t>Carta Fabio</a:t>
-            </a:r>
-          </a:p>
-          <a:p>
-            <a:r>
-              <a:rPr lang="it-IT" b="1" dirty="0" err="1"/>
-              <a:t>Argiolas</a:t>
-            </a:r>
-            <a:r>
-              <a:rPr lang="it-IT" b="1" dirty="0"/>
-              <a:t> Alessandro</a:t>
-            </a:r>
-          </a:p>
-          <a:p>
-            <a:r>
-              <a:rPr lang="it-IT" b="1" dirty="0" err="1"/>
-              <a:t>Bertulu</a:t>
-            </a:r>
-            <a:r>
-              <a:rPr lang="it-IT" b="1" dirty="0"/>
-              <a:t> Giovanni</a:t>
-            </a:r>
-          </a:p>
-          <a:p>
-            <a:r>
-              <a:rPr lang="it-IT" b="1" dirty="0" err="1"/>
-              <a:t>Desogus</a:t>
-            </a:r>
-            <a:r>
-              <a:rPr lang="it-IT" b="1" dirty="0"/>
-              <a:t> Omar</a:t>
-            </a:r>
-          </a:p>
-          <a:p>
-            <a:r>
-              <a:rPr lang="it-IT" b="1" dirty="0" err="1"/>
-              <a:t>Fadda</a:t>
-            </a:r>
-            <a:r>
-              <a:rPr lang="it-IT" b="1" dirty="0"/>
-              <a:t> Luca</a:t>
-            </a:r>
-          </a:p>
-          <a:p>
-            <a:r>
-              <a:rPr lang="it-IT" b="1" dirty="0"/>
-              <a:t>Zucca </a:t>
-            </a:r>
-            <a:r>
-              <a:rPr lang="it-IT" b="1" dirty="0" smtClean="0"/>
-              <a:t>Luigi</a:t>
-            </a:r>
-            <a:endParaRPr lang="it-IT" b="1" dirty="0"/>
-          </a:p>
-        </p:txBody>
-      </p:sp>
-    </p:spTree>
-    <p:extLst>
-      <p:ext uri="{BB962C8B-B14F-4D97-AF65-F5344CB8AC3E}">
-        <p14:creationId xmlns:p14="http://schemas.microsoft.com/office/powerpoint/2010/main" val="3547638256"/>
-      </p:ext>
-    </p:extLst>
-  </p:cSld>
-  <p:clrMapOvr>
-    <a:masterClrMapping/>
-  </p:clrMapOvr>
-  <p:timing>
-    <p:tnLst>
-      <p:par>
-        <p:cTn xmlns:p14="http://schemas.microsoft.com/office/powerpoint/2010/main" id="1" dur="indefinite" restart="never" nodeType="tmRoot"/>
-      </p:par>
-    </p:tnLst>
-  </p:timing>
-</p:sld>
-</file>
-
-<file path=ppt/slides/slide20.xml><?xml version="1.0" encoding="utf-8"?>
+<file path=ppt/slides/slide21.xml><?xml version="1.0" encoding="utf-8"?>
 <p:sld xmlns:a="http://schemas.openxmlformats.org/drawingml/2006/main" xmlns:r="http://schemas.openxmlformats.org/officeDocument/2006/relationships" xmlns:p="http://schemas.openxmlformats.org/presentationml/2006/main">
   <p:cSld>
     <p:spTree>
@@ -14672,10 +14923,312 @@
   <p:clrMapOvr>
     <a:masterClrMapping/>
   </p:clrMapOvr>
+  <p:timing>
+    <p:tnLst>
+      <p:par>
+        <p:cTn xmlns:p14="http://schemas.microsoft.com/office/powerpoint/2010/main" id="1" dur="indefinite" restart="never" nodeType="tmRoot">
+          <p:childTnLst>
+            <p:seq concurrent="1" nextAc="seek">
+              <p:cTn id="2" dur="indefinite" nodeType="mainSeq">
+                <p:childTnLst>
+                  <p:par>
+                    <p:cTn id="3" fill="hold">
+                      <p:stCondLst>
+                        <p:cond delay="indefinite"/>
+                      </p:stCondLst>
+                      <p:childTnLst>
+                        <p:par>
+                          <p:cTn id="4" fill="hold">
+                            <p:stCondLst>
+                              <p:cond delay="0"/>
+                            </p:stCondLst>
+                            <p:childTnLst>
+                              <p:par>
+                                <p:cTn id="5" presetID="53" presetClass="entr" presetSubtype="16" fill="hold" grpId="0" nodeType="clickEffect">
+                                  <p:stCondLst>
+                                    <p:cond delay="0"/>
+                                  </p:stCondLst>
+                                  <p:childTnLst>
+                                    <p:set>
+                                      <p:cBhvr>
+                                        <p:cTn id="6" dur="1" fill="hold">
+                                          <p:stCondLst>
+                                            <p:cond delay="0"/>
+                                          </p:stCondLst>
+                                        </p:cTn>
+                                        <p:tgtEl>
+                                          <p:spTgt spid="5"/>
+                                        </p:tgtEl>
+                                        <p:attrNameLst>
+                                          <p:attrName>style.visibility</p:attrName>
+                                        </p:attrNameLst>
+                                      </p:cBhvr>
+                                      <p:to>
+                                        <p:strVal val="visible"/>
+                                      </p:to>
+                                    </p:set>
+                                    <p:anim calcmode="lin" valueType="num">
+                                      <p:cBhvr>
+                                        <p:cTn id="7" dur="500" fill="hold"/>
+                                        <p:tgtEl>
+                                          <p:spTgt spid="5"/>
+                                        </p:tgtEl>
+                                        <p:attrNameLst>
+                                          <p:attrName>ppt_w</p:attrName>
+                                        </p:attrNameLst>
+                                      </p:cBhvr>
+                                      <p:tavLst>
+                                        <p:tav tm="0">
+                                          <p:val>
+                                            <p:fltVal val="0"/>
+                                          </p:val>
+                                        </p:tav>
+                                        <p:tav tm="100000">
+                                          <p:val>
+                                            <p:strVal val="#ppt_w"/>
+                                          </p:val>
+                                        </p:tav>
+                                      </p:tavLst>
+                                    </p:anim>
+                                    <p:anim calcmode="lin" valueType="num">
+                                      <p:cBhvr>
+                                        <p:cTn id="8" dur="500" fill="hold"/>
+                                        <p:tgtEl>
+                                          <p:spTgt spid="5"/>
+                                        </p:tgtEl>
+                                        <p:attrNameLst>
+                                          <p:attrName>ppt_h</p:attrName>
+                                        </p:attrNameLst>
+                                      </p:cBhvr>
+                                      <p:tavLst>
+                                        <p:tav tm="0">
+                                          <p:val>
+                                            <p:fltVal val="0"/>
+                                          </p:val>
+                                        </p:tav>
+                                        <p:tav tm="100000">
+                                          <p:val>
+                                            <p:strVal val="#ppt_h"/>
+                                          </p:val>
+                                        </p:tav>
+                                      </p:tavLst>
+                                    </p:anim>
+                                    <p:animEffect transition="in" filter="fade">
+                                      <p:cBhvr>
+                                        <p:cTn id="9" dur="500"/>
+                                        <p:tgtEl>
+                                          <p:spTgt spid="5"/>
+                                        </p:tgtEl>
+                                      </p:cBhvr>
+                                    </p:animEffect>
+                                  </p:childTnLst>
+                                </p:cTn>
+                              </p:par>
+                            </p:childTnLst>
+                          </p:cTn>
+                        </p:par>
+                        <p:par>
+                          <p:cTn id="10" fill="hold">
+                            <p:stCondLst>
+                              <p:cond delay="500"/>
+                            </p:stCondLst>
+                            <p:childTnLst>
+                              <p:par>
+                                <p:cTn id="11" presetID="1" presetClass="entr" presetSubtype="0" fill="hold" grpId="0" nodeType="afterEffect">
+                                  <p:stCondLst>
+                                    <p:cond delay="0"/>
+                                  </p:stCondLst>
+                                  <p:childTnLst>
+                                    <p:set>
+                                      <p:cBhvr>
+                                        <p:cTn id="12" dur="1" fill="hold">
+                                          <p:stCondLst>
+                                            <p:cond delay="0"/>
+                                          </p:stCondLst>
+                                        </p:cTn>
+                                        <p:tgtEl>
+                                          <p:spTgt spid="7"/>
+                                        </p:tgtEl>
+                                        <p:attrNameLst>
+                                          <p:attrName>style.visibility</p:attrName>
+                                        </p:attrNameLst>
+                                      </p:cBhvr>
+                                      <p:to>
+                                        <p:strVal val="visible"/>
+                                      </p:to>
+                                    </p:set>
+                                  </p:childTnLst>
+                                </p:cTn>
+                              </p:par>
+                            </p:childTnLst>
+                          </p:cTn>
+                        </p:par>
+                      </p:childTnLst>
+                    </p:cTn>
+                  </p:par>
+                  <p:par>
+                    <p:cTn id="13" fill="hold">
+                      <p:stCondLst>
+                        <p:cond delay="indefinite"/>
+                      </p:stCondLst>
+                      <p:childTnLst>
+                        <p:par>
+                          <p:cTn id="14" fill="hold">
+                            <p:stCondLst>
+                              <p:cond delay="0"/>
+                            </p:stCondLst>
+                            <p:childTnLst>
+                              <p:par>
+                                <p:cTn id="15" presetID="23" presetClass="entr" presetSubtype="16" fill="hold" grpId="0" nodeType="clickEffect">
+                                  <p:stCondLst>
+                                    <p:cond delay="0"/>
+                                  </p:stCondLst>
+                                  <p:childTnLst>
+                                    <p:set>
+                                      <p:cBhvr>
+                                        <p:cTn id="16" dur="1" fill="hold">
+                                          <p:stCondLst>
+                                            <p:cond delay="0"/>
+                                          </p:stCondLst>
+                                        </p:cTn>
+                                        <p:tgtEl>
+                                          <p:spTgt spid="6"/>
+                                        </p:tgtEl>
+                                        <p:attrNameLst>
+                                          <p:attrName>style.visibility</p:attrName>
+                                        </p:attrNameLst>
+                                      </p:cBhvr>
+                                      <p:to>
+                                        <p:strVal val="visible"/>
+                                      </p:to>
+                                    </p:set>
+                                    <p:anim calcmode="lin" valueType="num">
+                                      <p:cBhvr>
+                                        <p:cTn id="17" dur="500" fill="hold"/>
+                                        <p:tgtEl>
+                                          <p:spTgt spid="6"/>
+                                        </p:tgtEl>
+                                        <p:attrNameLst>
+                                          <p:attrName>ppt_w</p:attrName>
+                                        </p:attrNameLst>
+                                      </p:cBhvr>
+                                      <p:tavLst>
+                                        <p:tav tm="0">
+                                          <p:val>
+                                            <p:fltVal val="0"/>
+                                          </p:val>
+                                        </p:tav>
+                                        <p:tav tm="100000">
+                                          <p:val>
+                                            <p:strVal val="#ppt_w"/>
+                                          </p:val>
+                                        </p:tav>
+                                      </p:tavLst>
+                                    </p:anim>
+                                    <p:anim calcmode="lin" valueType="num">
+                                      <p:cBhvr>
+                                        <p:cTn id="18" dur="500" fill="hold"/>
+                                        <p:tgtEl>
+                                          <p:spTgt spid="6"/>
+                                        </p:tgtEl>
+                                        <p:attrNameLst>
+                                          <p:attrName>ppt_h</p:attrName>
+                                        </p:attrNameLst>
+                                      </p:cBhvr>
+                                      <p:tavLst>
+                                        <p:tav tm="0">
+                                          <p:val>
+                                            <p:fltVal val="0"/>
+                                          </p:val>
+                                        </p:tav>
+                                        <p:tav tm="100000">
+                                          <p:val>
+                                            <p:strVal val="#ppt_h"/>
+                                          </p:val>
+                                        </p:tav>
+                                      </p:tavLst>
+                                    </p:anim>
+                                  </p:childTnLst>
+                                </p:cTn>
+                              </p:par>
+                            </p:childTnLst>
+                          </p:cTn>
+                        </p:par>
+                        <p:par>
+                          <p:cTn id="19" fill="hold">
+                            <p:stCondLst>
+                              <p:cond delay="500"/>
+                            </p:stCondLst>
+                            <p:childTnLst>
+                              <p:par>
+                                <p:cTn id="20" presetID="1" presetClass="entr" presetSubtype="0" fill="hold" grpId="0" nodeType="afterEffect">
+                                  <p:stCondLst>
+                                    <p:cond delay="0"/>
+                                  </p:stCondLst>
+                                  <p:childTnLst>
+                                    <p:set>
+                                      <p:cBhvr>
+                                        <p:cTn id="21" dur="1" fill="hold">
+                                          <p:stCondLst>
+                                            <p:cond delay="0"/>
+                                          </p:stCondLst>
+                                        </p:cTn>
+                                        <p:tgtEl>
+                                          <p:spTgt spid="8"/>
+                                        </p:tgtEl>
+                                        <p:attrNameLst>
+                                          <p:attrName>style.visibility</p:attrName>
+                                        </p:attrNameLst>
+                                      </p:cBhvr>
+                                      <p:to>
+                                        <p:strVal val="visible"/>
+                                      </p:to>
+                                    </p:set>
+                                  </p:childTnLst>
+                                </p:cTn>
+                              </p:par>
+                            </p:childTnLst>
+                          </p:cTn>
+                        </p:par>
+                      </p:childTnLst>
+                    </p:cTn>
+                  </p:par>
+                </p:childTnLst>
+              </p:cTn>
+              <p:prevCondLst>
+                <p:cond evt="onPrev" delay="0">
+                  <p:tgtEl>
+                    <p:sldTgt/>
+                  </p:tgtEl>
+                </p:cond>
+              </p:prevCondLst>
+              <p:nextCondLst>
+                <p:cond evt="onNext" delay="0">
+                  <p:tgtEl>
+                    <p:sldTgt/>
+                  </p:tgtEl>
+                </p:cond>
+              </p:nextCondLst>
+            </p:seq>
+          </p:childTnLst>
+        </p:cTn>
+      </p:par>
+    </p:tnLst>
+    <p:bldLst>
+      <p:bldGraphic spid="5" grpId="0">
+        <p:bldAsOne/>
+      </p:bldGraphic>
+      <p:bldGraphic spid="6" grpId="0">
+        <p:bldAsOne/>
+      </p:bldGraphic>
+      <p:bldP spid="7" grpId="0"/>
+      <p:bldP spid="8" grpId="0"/>
+    </p:bldLst>
+  </p:timing>
 </p:sld>
 </file>
 
-<file path=ppt/slides/slide21.xml><?xml version="1.0" encoding="utf-8"?>
+<file path=ppt/slides/slide22.xml><?xml version="1.0" encoding="utf-8"?>
 <p:sld xmlns:a="http://schemas.openxmlformats.org/drawingml/2006/main" xmlns:r="http://schemas.openxmlformats.org/officeDocument/2006/relationships" xmlns:p="http://schemas.openxmlformats.org/presentationml/2006/main">
   <p:cSld>
     <p:spTree>
@@ -14763,7 +15316,15 @@
             </a:r>
             <a:r>
               <a:rPr lang="it-IT" dirty="0"/>
-              <a:t>contesto del sistema, a cui fa seguito un'analisi dettagliata di ciascuna dominio. </a:t>
+              <a:t>contesto del sistema, a cui fa seguito un'analisi dettagliata di </a:t>
+            </a:r>
+            <a:r>
+              <a:rPr lang="it-IT" dirty="0" smtClean="0"/>
+              <a:t>ciascun </a:t>
+            </a:r>
+            <a:r>
+              <a:rPr lang="it-IT" dirty="0"/>
+              <a:t>dominio. </a:t>
             </a:r>
           </a:p>
         </p:txBody>
@@ -14845,10 +15406,17 @@
   <p:clrMapOvr>
     <a:masterClrMapping/>
   </p:clrMapOvr>
+  <p:timing>
+    <p:tnLst>
+      <p:par>
+        <p:cTn xmlns:p14="http://schemas.microsoft.com/office/powerpoint/2010/main" id="1" dur="indefinite" restart="never" nodeType="tmRoot"/>
+      </p:par>
+    </p:tnLst>
+  </p:timing>
 </p:sld>
 </file>
 
-<file path=ppt/slides/slide22.xml><?xml version="1.0" encoding="utf-8"?>
+<file path=ppt/slides/slide23.xml><?xml version="1.0" encoding="utf-8"?>
 <p:sld xmlns:a="http://schemas.openxmlformats.org/drawingml/2006/main" xmlns:r="http://schemas.openxmlformats.org/officeDocument/2006/relationships" xmlns:p="http://schemas.openxmlformats.org/presentationml/2006/main">
   <p:cSld>
     <p:spTree>
@@ -15097,10 +15665,96 @@
   <p:clrMapOvr>
     <a:masterClrMapping/>
   </p:clrMapOvr>
+  <p:timing>
+    <p:tnLst>
+      <p:par>
+        <p:cTn xmlns:p14="http://schemas.microsoft.com/office/powerpoint/2010/main" id="1" dur="indefinite" restart="never" nodeType="tmRoot">
+          <p:childTnLst>
+            <p:seq concurrent="1" nextAc="seek">
+              <p:cTn id="2" dur="indefinite" nodeType="mainSeq">
+                <p:childTnLst>
+                  <p:par>
+                    <p:cTn id="3" fill="hold">
+                      <p:stCondLst>
+                        <p:cond delay="indefinite"/>
+                      </p:stCondLst>
+                      <p:childTnLst>
+                        <p:par>
+                          <p:cTn id="4" fill="hold">
+                            <p:stCondLst>
+                              <p:cond delay="0"/>
+                            </p:stCondLst>
+                            <p:childTnLst>
+                              <p:par>
+                                <p:cTn id="5" presetID="3" presetClass="entr" presetSubtype="10" fill="hold" grpId="0" nodeType="clickEffect">
+                                  <p:stCondLst>
+                                    <p:cond delay="0"/>
+                                  </p:stCondLst>
+                                  <p:childTnLst>
+                                    <p:set>
+                                      <p:cBhvr>
+                                        <p:cTn id="6" dur="1" fill="hold">
+                                          <p:stCondLst>
+                                            <p:cond delay="0"/>
+                                          </p:stCondLst>
+                                        </p:cTn>
+                                        <p:tgtEl>
+                                          <p:spTgt spid="6"/>
+                                        </p:tgtEl>
+                                        <p:attrNameLst>
+                                          <p:attrName>style.visibility</p:attrName>
+                                        </p:attrNameLst>
+                                      </p:cBhvr>
+                                      <p:to>
+                                        <p:strVal val="visible"/>
+                                      </p:to>
+                                    </p:set>
+                                    <p:animEffect transition="in" filter="blinds(horizontal)">
+                                      <p:cBhvr>
+                                        <p:cTn id="7" dur="500"/>
+                                        <p:tgtEl>
+                                          <p:spTgt spid="6"/>
+                                        </p:tgtEl>
+                                      </p:cBhvr>
+                                    </p:animEffect>
+                                  </p:childTnLst>
+                                </p:cTn>
+                              </p:par>
+                            </p:childTnLst>
+                          </p:cTn>
+                        </p:par>
+                      </p:childTnLst>
+                    </p:cTn>
+                  </p:par>
+                </p:childTnLst>
+              </p:cTn>
+              <p:prevCondLst>
+                <p:cond evt="onPrev" delay="0">
+                  <p:tgtEl>
+                    <p:sldTgt/>
+                  </p:tgtEl>
+                </p:cond>
+              </p:prevCondLst>
+              <p:nextCondLst>
+                <p:cond evt="onNext" delay="0">
+                  <p:tgtEl>
+                    <p:sldTgt/>
+                  </p:tgtEl>
+                </p:cond>
+              </p:nextCondLst>
+            </p:seq>
+          </p:childTnLst>
+        </p:cTn>
+      </p:par>
+    </p:tnLst>
+    <p:bldLst>
+      <p:bldP spid="6" grpId="0"/>
+    </p:bldLst>
+  </p:timing>
 </p:sld>
 </file>
 
-<file path=ppt/slides/slide23.xml><?xml version="1.0" encoding="utf-8"?>
+<file path=ppt/slides/slide24.xml><?xml version="1.0" encoding="utf-8"?>
 <p:sld xmlns:a="http://schemas.openxmlformats.org/drawingml/2006/main" xmlns:r="http://schemas.openxmlformats.org/officeDocument/2006/relationships" xmlns:p="http://schemas.openxmlformats.org/presentationml/2006/main">
   <p:cSld>
     <p:spTree>
@@ -15317,10 +15971,17 @@
   <p:clrMapOvr>
     <a:masterClrMapping/>
   </p:clrMapOvr>
+  <p:timing>
+    <p:tnLst>
+      <p:par>
+        <p:cTn xmlns:p14="http://schemas.microsoft.com/office/powerpoint/2010/main" id="1" dur="indefinite" restart="never" nodeType="tmRoot"/>
+      </p:par>
+    </p:tnLst>
+  </p:timing>
 </p:sld>
 </file>
 
-<file path=ppt/slides/slide24.xml><?xml version="1.0" encoding="utf-8"?>
+<file path=ppt/slides/slide25.xml><?xml version="1.0" encoding="utf-8"?>
 <p:sld xmlns:a="http://schemas.openxmlformats.org/drawingml/2006/main" xmlns:r="http://schemas.openxmlformats.org/officeDocument/2006/relationships" xmlns:p="http://schemas.openxmlformats.org/presentationml/2006/main">
   <p:cSld>
     <p:spTree>
@@ -15593,74 +16254,13 @@
   <p:clrMapOvr>
     <a:masterClrMapping/>
   </p:clrMapOvr>
-</p:sld>
-</file>
-
-<file path=ppt/slides/slide25.xml><?xml version="1.0" encoding="utf-8"?>
-<p:sld xmlns:a="http://schemas.openxmlformats.org/drawingml/2006/main" xmlns:r="http://schemas.openxmlformats.org/officeDocument/2006/relationships" xmlns:p="http://schemas.openxmlformats.org/presentationml/2006/main">
-  <p:cSld>
-    <p:spTree>
-      <p:nvGrpSpPr>
-        <p:cNvPr id="1" name=""/>
-        <p:cNvGrpSpPr/>
-        <p:nvPr/>
-      </p:nvGrpSpPr>
-      <p:grpSpPr>
-        <a:xfrm>
-          <a:off x="0" y="0"/>
-          <a:ext cx="0" cy="0"/>
-          <a:chOff x="0" y="0"/>
-          <a:chExt cx="0" cy="0"/>
-        </a:xfrm>
-      </p:grpSpPr>
-      <p:sp>
-        <p:nvSpPr>
-          <p:cNvPr id="2" name="Title 1"/>
-          <p:cNvSpPr>
-            <a:spLocks noGrp="1"/>
-          </p:cNvSpPr>
-          <p:nvPr>
-            <p:ph type="title"/>
-          </p:nvPr>
-        </p:nvSpPr>
-        <p:spPr/>
-        <p:txBody>
-          <a:bodyPr/>
-          <a:lstStyle/>
-          <a:p>
-            <a:endParaRPr lang="en-US"/>
-          </a:p>
-        </p:txBody>
-      </p:sp>
-      <p:sp>
-        <p:nvSpPr>
-          <p:cNvPr id="3" name="Content Placeholder 2"/>
-          <p:cNvSpPr>
-            <a:spLocks noGrp="1"/>
-          </p:cNvSpPr>
-          <p:nvPr>
-            <p:ph idx="1"/>
-          </p:nvPr>
-        </p:nvSpPr>
-        <p:spPr/>
-        <p:txBody>
-          <a:bodyPr/>
-          <a:lstStyle/>
-          <a:p>
-            <a:endParaRPr lang="en-US"/>
-          </a:p>
-        </p:txBody>
-      </p:sp>
-    </p:spTree>
-    <p:extLst>
-      <p:ext uri="{BB962C8B-B14F-4D97-AF65-F5344CB8AC3E}">
-        <p14:creationId xmlns:p14="http://schemas.microsoft.com/office/powerpoint/2010/main" val="783003106"/>
-      </p:ext>
-    </p:extLst>
-  </p:cSld>
-  <p:clrMapOvr>
-    <a:masterClrMapping/>
-  </p:clrMapOvr>
+  <p:timing>
+    <p:tnLst>
+      <p:par>
+        <p:cTn xmlns:p14="http://schemas.microsoft.com/office/powerpoint/2010/main" id="1" dur="indefinite" restart="never" nodeType="tmRoot"/>
+      </p:par>
+    </p:tnLst>
+  </p:timing>
 </p:sld>
 </file>
 
@@ -15696,39 +16296,176 @@
           <a:bodyPr/>
           <a:lstStyle/>
           <a:p>
-            <a:endParaRPr lang="en-US"/>
+            <a:r>
+              <a:rPr lang="en-US" dirty="0" err="1" smtClean="0"/>
+              <a:t>Confronti</a:t>
+            </a:r>
+            <a:endParaRPr lang="en-US" dirty="0"/>
           </a:p>
         </p:txBody>
       </p:sp>
       <p:sp>
         <p:nvSpPr>
-          <p:cNvPr id="3" name="Content Placeholder 2"/>
-          <p:cNvSpPr>
-            <a:spLocks noGrp="1"/>
-          </p:cNvSpPr>
-          <p:nvPr>
-            <p:ph idx="1"/>
-          </p:nvPr>
+          <p:cNvPr id="5" name="TextBox 4"/>
+          <p:cNvSpPr txBox="1"/>
+          <p:nvPr/>
         </p:nvSpPr>
-        <p:spPr/>
+        <p:spPr>
+          <a:xfrm>
+            <a:off x="457201" y="1653725"/>
+            <a:ext cx="8229600" cy="1477328"/>
+          </a:xfrm>
+          <a:prstGeom prst="rect">
+            <a:avLst/>
+          </a:prstGeom>
+          <a:noFill/>
+        </p:spPr>
         <p:txBody>
-          <a:bodyPr/>
+          <a:bodyPr wrap="square" rtlCol="0">
+            <a:spAutoFit/>
+          </a:bodyPr>
           <a:lstStyle/>
           <a:p>
-            <a:endParaRPr lang="en-US"/>
+            <a:r>
+              <a:rPr lang="it-IT" dirty="0" smtClean="0"/>
+              <a:t>Il </a:t>
+            </a:r>
+            <a:r>
+              <a:rPr lang="it-IT" dirty="0"/>
+              <a:t>modello a Spirale è spesso definito anche </a:t>
+            </a:r>
+            <a:r>
+              <a:rPr lang="it-IT" b="1" dirty="0"/>
+              <a:t>meta-modello</a:t>
+            </a:r>
+            <a:r>
+              <a:rPr lang="it-IT" dirty="0"/>
+              <a:t> perché sfrutta sia il modello a cascata che quello prototipale. Qui troviamo una differenza fondamentale rispetto all’Agile: </a:t>
+            </a:r>
+            <a:r>
+              <a:rPr lang="it-IT" b="1" dirty="0">
+                <a:solidFill>
+                  <a:srgbClr val="FF6600"/>
+                </a:solidFill>
+              </a:rPr>
+              <a:t>lo sviluppo non è incrementale</a:t>
+            </a:r>
+            <a:r>
+              <a:rPr lang="it-IT" dirty="0"/>
+              <a:t>, ma vengono sfruttati uno o più cicli basati su prototipi per </a:t>
+            </a:r>
+            <a:r>
+              <a:rPr lang="it-IT" dirty="0" smtClean="0"/>
+              <a:t>abbassare i rischi </a:t>
+            </a:r>
+            <a:r>
+              <a:rPr lang="it-IT" dirty="0"/>
+              <a:t>e poi passare, solo successivamente, allo sviluppo vero e proprio che avviene in chiave </a:t>
+            </a:r>
+            <a:r>
+              <a:rPr lang="it-IT" dirty="0" err="1"/>
+              <a:t>waterfall</a:t>
+            </a:r>
+            <a:r>
+              <a:rPr lang="it-IT" dirty="0" smtClean="0"/>
+              <a:t>.</a:t>
+            </a:r>
           </a:p>
         </p:txBody>
       </p:sp>
+      <p:sp>
+        <p:nvSpPr>
+          <p:cNvPr id="6" name="TextBox 5"/>
+          <p:cNvSpPr txBox="1"/>
+          <p:nvPr/>
+        </p:nvSpPr>
+        <p:spPr>
+          <a:xfrm>
+            <a:off x="457201" y="5716653"/>
+            <a:ext cx="8229602" cy="923330"/>
+          </a:xfrm>
+          <a:prstGeom prst="rect">
+            <a:avLst/>
+          </a:prstGeom>
+          <a:noFill/>
+        </p:spPr>
+        <p:txBody>
+          <a:bodyPr wrap="square" rtlCol="0">
+            <a:spAutoFit/>
+          </a:bodyPr>
+          <a:lstStyle/>
+          <a:p>
+            <a:r>
+              <a:rPr lang="it-IT" dirty="0" smtClean="0"/>
+              <a:t>A differenza del modello a Spirale, lo </a:t>
+            </a:r>
+            <a:r>
+              <a:rPr lang="it-IT" dirty="0"/>
+              <a:t>sviluppo in chiave Agile è </a:t>
+            </a:r>
+            <a:r>
+              <a:rPr lang="it-IT" b="1" dirty="0">
+                <a:solidFill>
+                  <a:srgbClr val="FF6600"/>
+                </a:solidFill>
+              </a:rPr>
+              <a:t>Iterativo ed Incrementale</a:t>
+            </a:r>
+            <a:r>
+              <a:rPr lang="it-IT" dirty="0"/>
+              <a:t>, basato su iterazioni/sprint brevi (tipicamente 2-4 settimane) ed è incentrato sui Valori e sui Principi del Manifesto Agile. </a:t>
+            </a:r>
+            <a:endParaRPr lang="en-US" dirty="0"/>
+          </a:p>
+        </p:txBody>
+      </p:sp>
+      <p:pic>
+        <p:nvPicPr>
+          <p:cNvPr id="7" name="Picture 6" descr="agile-manifest.jpg"/>
+          <p:cNvPicPr>
+            <a:picLocks noChangeAspect="1"/>
+          </p:cNvPicPr>
+          <p:nvPr/>
+        </p:nvPicPr>
+        <p:blipFill>
+          <a:blip r:embed="rId2">
+            <a:extLst>
+              <a:ext uri="{28A0092B-C50C-407E-A947-70E740481C1C}">
+                <a14:useLocalDpi xmlns:a14="http://schemas.microsoft.com/office/drawing/2010/main" val="0"/>
+              </a:ext>
+            </a:extLst>
+          </a:blip>
+          <a:stretch>
+            <a:fillRect/>
+          </a:stretch>
+        </p:blipFill>
+        <p:spPr>
+          <a:xfrm>
+            <a:off x="1039242" y="3223662"/>
+            <a:ext cx="7082880" cy="2484172"/>
+          </a:xfrm>
+          <a:prstGeom prst="rect">
+            <a:avLst/>
+          </a:prstGeom>
+        </p:spPr>
+      </p:pic>
     </p:spTree>
     <p:extLst>
       <p:ext uri="{BB962C8B-B14F-4D97-AF65-F5344CB8AC3E}">
-        <p14:creationId xmlns:p14="http://schemas.microsoft.com/office/powerpoint/2010/main" val="12825862"/>
+        <p14:creationId xmlns:p14="http://schemas.microsoft.com/office/powerpoint/2010/main" val="783003106"/>
       </p:ext>
     </p:extLst>
   </p:cSld>
   <p:clrMapOvr>
     <a:masterClrMapping/>
   </p:clrMapOvr>
+  <p:timing>
+    <p:tnLst>
+      <p:par>
+        <p:cTn xmlns:p14="http://schemas.microsoft.com/office/powerpoint/2010/main" id="1" dur="indefinite" restart="never" nodeType="tmRoot"/>
+      </p:par>
+    </p:tnLst>
+  </p:timing>
 </p:sld>
 </file>
 
@@ -15764,39 +16501,392 @@
           <a:bodyPr/>
           <a:lstStyle/>
           <a:p>
-            <a:endParaRPr lang="en-US"/>
+            <a:r>
+              <a:rPr lang="en-US" dirty="0" err="1" smtClean="0"/>
+              <a:t>Confronti</a:t>
+            </a:r>
+            <a:endParaRPr lang="en-US" dirty="0"/>
           </a:p>
         </p:txBody>
       </p:sp>
       <p:sp>
         <p:nvSpPr>
-          <p:cNvPr id="3" name="Content Placeholder 2"/>
-          <p:cNvSpPr>
-            <a:spLocks noGrp="1"/>
-          </p:cNvSpPr>
-          <p:nvPr>
-            <p:ph idx="1"/>
-          </p:nvPr>
+          <p:cNvPr id="4" name="TextBox 3"/>
+          <p:cNvSpPr txBox="1"/>
+          <p:nvPr/>
         </p:nvSpPr>
-        <p:spPr/>
+        <p:spPr>
+          <a:xfrm>
+            <a:off x="457200" y="1715878"/>
+            <a:ext cx="8229601" cy="1938992"/>
+          </a:xfrm>
+          <a:prstGeom prst="rect">
+            <a:avLst/>
+          </a:prstGeom>
+          <a:noFill/>
+        </p:spPr>
         <p:txBody>
-          <a:bodyPr/>
+          <a:bodyPr wrap="square" rtlCol="0">
+            <a:spAutoFit/>
+          </a:bodyPr>
           <a:lstStyle/>
           <a:p>
-            <a:endParaRPr lang="en-US"/>
+            <a:r>
+              <a:rPr lang="it-IT" sz="2000" dirty="0"/>
+              <a:t>Al di là delle </a:t>
+            </a:r>
+            <a:r>
+              <a:rPr lang="it-IT" sz="2000" dirty="0" smtClean="0"/>
+              <a:t>differenze, </a:t>
+            </a:r>
+            <a:r>
+              <a:rPr lang="it-IT" sz="2000" dirty="0"/>
+              <a:t>esistono comunque alcuni punti di </a:t>
+            </a:r>
+            <a:r>
+              <a:rPr lang="it-IT" sz="2000" dirty="0" smtClean="0"/>
+              <a:t>incontro tra </a:t>
+            </a:r>
+            <a:r>
+              <a:rPr lang="it-IT" sz="2000" dirty="0"/>
+              <a:t>il modello a Spirale e l’approccio </a:t>
+            </a:r>
+            <a:r>
+              <a:rPr lang="it-IT" sz="2000" dirty="0" smtClean="0"/>
+              <a:t>Agile:</a:t>
+            </a:r>
+          </a:p>
+          <a:p>
+            <a:pPr marL="342900" indent="-342900">
+              <a:buClr>
+                <a:schemeClr val="accent2">
+                  <a:lumMod val="75000"/>
+                </a:schemeClr>
+              </a:buClr>
+              <a:buFont typeface="Wingdings" charset="2"/>
+              <a:buChar char="u"/>
+            </a:pPr>
+            <a:r>
+              <a:rPr lang="it-IT" sz="2000" dirty="0" smtClean="0"/>
+              <a:t>In </a:t>
+            </a:r>
+            <a:r>
+              <a:rPr lang="it-IT" sz="2000" dirty="0"/>
+              <a:t>entrambi le stime (costi, tempi, ecc..) sono aggiornate </a:t>
+            </a:r>
+            <a:r>
+              <a:rPr lang="it-IT" sz="2000" dirty="0" smtClean="0"/>
+              <a:t>ripetutamente</a:t>
+            </a:r>
+            <a:endParaRPr lang="it-IT" sz="2000" dirty="0"/>
+          </a:p>
+          <a:p>
+            <a:pPr marL="342900" indent="-342900">
+              <a:buClr>
+                <a:schemeClr val="accent2">
+                  <a:lumMod val="75000"/>
+                </a:schemeClr>
+              </a:buClr>
+              <a:buFont typeface="Wingdings" charset="2"/>
+              <a:buChar char="u"/>
+            </a:pPr>
+            <a:r>
+              <a:rPr lang="it-IT" sz="2000" dirty="0" smtClean="0"/>
+              <a:t>La gestione </a:t>
+            </a:r>
+            <a:r>
+              <a:rPr lang="it-IT" sz="2000" dirty="0"/>
+              <a:t>del </a:t>
+            </a:r>
+            <a:r>
+              <a:rPr lang="it-IT" sz="2000" dirty="0" smtClean="0"/>
+              <a:t>rischio </a:t>
+            </a:r>
+            <a:r>
+              <a:rPr lang="it-IT" sz="2000" dirty="0"/>
+              <a:t>è uno dei fattori chiave di entrambi i </a:t>
+            </a:r>
+            <a:r>
+              <a:rPr lang="it-IT" sz="2000" dirty="0" smtClean="0"/>
+              <a:t>processi</a:t>
+            </a:r>
+            <a:endParaRPr lang="it-IT" sz="2000" dirty="0"/>
+          </a:p>
+          <a:p>
+            <a:pPr marL="342900" indent="-342900">
+              <a:buClr>
+                <a:schemeClr val="accent2">
+                  <a:lumMod val="75000"/>
+                </a:schemeClr>
+              </a:buClr>
+              <a:buFont typeface="Wingdings" charset="2"/>
+              <a:buChar char="u"/>
+            </a:pPr>
+            <a:r>
+              <a:rPr lang="it-IT" sz="2000" dirty="0" smtClean="0"/>
+              <a:t>I </a:t>
+            </a:r>
+            <a:r>
+              <a:rPr lang="it-IT" sz="2000" dirty="0"/>
+              <a:t>Cambiamenti sono accettati con </a:t>
+            </a:r>
+            <a:r>
+              <a:rPr lang="it-IT" sz="2000" dirty="0" smtClean="0"/>
+              <a:t>più elasticità</a:t>
+            </a:r>
+            <a:endParaRPr lang="it-IT" sz="2000" dirty="0"/>
+          </a:p>
+          <a:p>
+            <a:pPr marL="342900" indent="-342900">
+              <a:buClr>
+                <a:schemeClr val="accent2">
+                  <a:lumMod val="75000"/>
+                </a:schemeClr>
+              </a:buClr>
+              <a:buFont typeface="Wingdings" charset="2"/>
+              <a:buChar char="u"/>
+            </a:pPr>
+            <a:r>
+              <a:rPr lang="it-IT" sz="2000" dirty="0" smtClean="0"/>
+              <a:t>Il </a:t>
+            </a:r>
+            <a:r>
+              <a:rPr lang="it-IT" sz="2000" dirty="0"/>
+              <a:t>monitoraggio delle attività è flessibile e </a:t>
+            </a:r>
+            <a:r>
+              <a:rPr lang="it-IT" sz="2000" dirty="0" smtClean="0"/>
+              <a:t>dinamico</a:t>
+            </a:r>
+            <a:endParaRPr lang="en-US" sz="2000" dirty="0"/>
+          </a:p>
+        </p:txBody>
+      </p:sp>
+      <p:sp>
+        <p:nvSpPr>
+          <p:cNvPr id="5" name="TextBox 4"/>
+          <p:cNvSpPr txBox="1"/>
+          <p:nvPr/>
+        </p:nvSpPr>
+        <p:spPr>
+          <a:xfrm>
+            <a:off x="457199" y="4140929"/>
+            <a:ext cx="8229601" cy="1323439"/>
+          </a:xfrm>
+          <a:prstGeom prst="rect">
+            <a:avLst/>
+          </a:prstGeom>
+          <a:noFill/>
+        </p:spPr>
+        <p:txBody>
+          <a:bodyPr wrap="square" rtlCol="0">
+            <a:spAutoFit/>
+          </a:bodyPr>
+          <a:lstStyle/>
+          <a:p>
+            <a:r>
+              <a:rPr lang="en-US" sz="2000" dirty="0" smtClean="0"/>
+              <a:t>Per </a:t>
+            </a:r>
+            <a:r>
+              <a:rPr lang="en-US" sz="2000" dirty="0" err="1" smtClean="0"/>
+              <a:t>quanto</a:t>
+            </a:r>
+            <a:r>
+              <a:rPr lang="en-US" sz="2000" dirty="0" smtClean="0"/>
+              <a:t> </a:t>
+            </a:r>
+            <a:r>
+              <a:rPr lang="en-US" sz="2000" dirty="0" err="1" smtClean="0"/>
+              <a:t>riguarda</a:t>
+            </a:r>
+            <a:r>
+              <a:rPr lang="en-US" sz="2000" dirty="0" smtClean="0"/>
+              <a:t> </a:t>
+            </a:r>
+            <a:r>
+              <a:rPr lang="en-US" sz="2000" dirty="0" err="1" smtClean="0"/>
+              <a:t>il</a:t>
+            </a:r>
+            <a:r>
+              <a:rPr lang="en-US" sz="2000" dirty="0" smtClean="0"/>
+              <a:t> </a:t>
+            </a:r>
+            <a:r>
+              <a:rPr lang="en-US" sz="2000" dirty="0" err="1" smtClean="0"/>
+              <a:t>modello</a:t>
+            </a:r>
+            <a:r>
+              <a:rPr lang="en-US" sz="2000" dirty="0" smtClean="0"/>
+              <a:t> Feature Driven Development, </a:t>
+            </a:r>
+            <a:r>
+              <a:rPr lang="en-US" sz="2000" dirty="0" err="1" smtClean="0"/>
+              <a:t>esso</a:t>
+            </a:r>
+            <a:r>
+              <a:rPr lang="en-US" sz="2000" dirty="0" smtClean="0"/>
+              <a:t> </a:t>
+            </a:r>
+            <a:r>
+              <a:rPr lang="en-US" sz="2000" dirty="0" err="1" smtClean="0"/>
+              <a:t>rientra</a:t>
+            </a:r>
+            <a:r>
+              <a:rPr lang="en-US" sz="2000" dirty="0" smtClean="0"/>
+              <a:t> </a:t>
+            </a:r>
+            <a:r>
+              <a:rPr lang="en-US" sz="2000" dirty="0" err="1" smtClean="0"/>
+              <a:t>nella</a:t>
+            </a:r>
+            <a:r>
+              <a:rPr lang="en-US" sz="2000" dirty="0" smtClean="0"/>
+              <a:t> </a:t>
+            </a:r>
+            <a:r>
+              <a:rPr lang="en-US" sz="2000" dirty="0" err="1" smtClean="0"/>
+              <a:t>categoria</a:t>
+            </a:r>
+            <a:r>
+              <a:rPr lang="en-US" sz="2000" dirty="0" smtClean="0"/>
+              <a:t> </a:t>
+            </a:r>
+            <a:r>
+              <a:rPr lang="en-US" sz="2000" dirty="0" err="1" smtClean="0"/>
+              <a:t>dei</a:t>
+            </a:r>
+            <a:r>
+              <a:rPr lang="en-US" sz="2000" dirty="0" smtClean="0"/>
+              <a:t> </a:t>
+            </a:r>
+            <a:r>
+              <a:rPr lang="en-US" sz="2000" dirty="0" err="1" smtClean="0"/>
+              <a:t>metodi</a:t>
+            </a:r>
+            <a:r>
+              <a:rPr lang="en-US" sz="2000" dirty="0" smtClean="0"/>
+              <a:t> </a:t>
+            </a:r>
+            <a:r>
+              <a:rPr lang="en-US" sz="2000" dirty="0" err="1" smtClean="0"/>
+              <a:t>Agili</a:t>
+            </a:r>
+            <a:r>
+              <a:rPr lang="en-US" sz="2000" dirty="0" smtClean="0"/>
+              <a:t>.</a:t>
+            </a:r>
+          </a:p>
+          <a:p>
+            <a:r>
+              <a:rPr lang="en-US" sz="2000" dirty="0" err="1" smtClean="0"/>
+              <a:t>Questo</a:t>
+            </a:r>
+            <a:r>
+              <a:rPr lang="en-US" sz="2000" dirty="0" smtClean="0"/>
+              <a:t>, in </a:t>
+            </a:r>
+            <a:r>
+              <a:rPr lang="en-US" sz="2000" dirty="0" err="1" smtClean="0"/>
+              <a:t>relazione</a:t>
+            </a:r>
+            <a:r>
+              <a:rPr lang="en-US" sz="2000" dirty="0" smtClean="0"/>
+              <a:t> con </a:t>
+            </a:r>
+            <a:r>
+              <a:rPr lang="en-US" sz="2000" dirty="0" err="1" smtClean="0"/>
+              <a:t>il</a:t>
+            </a:r>
+            <a:r>
+              <a:rPr lang="en-US" sz="2000" dirty="0" smtClean="0"/>
+              <a:t> </a:t>
+            </a:r>
+            <a:r>
+              <a:rPr lang="en-US" sz="2000" dirty="0" err="1" smtClean="0"/>
+              <a:t>modello</a:t>
+            </a:r>
+            <a:r>
+              <a:rPr lang="en-US" sz="2000" dirty="0" smtClean="0"/>
+              <a:t> a </a:t>
+            </a:r>
+            <a:r>
+              <a:rPr lang="en-US" sz="2000" dirty="0" err="1" smtClean="0"/>
+              <a:t>Spirale</a:t>
+            </a:r>
+            <a:r>
+              <a:rPr lang="en-US" sz="2000" dirty="0" smtClean="0"/>
+              <a:t>, </a:t>
+            </a:r>
+            <a:r>
+              <a:rPr lang="en-US" sz="2000" dirty="0" err="1" smtClean="0"/>
+              <a:t>comporta</a:t>
+            </a:r>
+            <a:r>
+              <a:rPr lang="en-US" sz="2000" dirty="0" smtClean="0"/>
+              <a:t> </a:t>
+            </a:r>
+            <a:r>
+              <a:rPr lang="en-US" sz="2000" dirty="0" err="1" smtClean="0"/>
+              <a:t>tutte</a:t>
+            </a:r>
+            <a:r>
+              <a:rPr lang="en-US" sz="2000" dirty="0" smtClean="0"/>
+              <a:t> le </a:t>
+            </a:r>
+            <a:r>
+              <a:rPr lang="en-US" sz="2000" dirty="0" err="1" smtClean="0"/>
+              <a:t>differenze</a:t>
+            </a:r>
+            <a:r>
+              <a:rPr lang="en-US" sz="2000" dirty="0" smtClean="0"/>
+              <a:t> e e le </a:t>
+            </a:r>
+            <a:r>
+              <a:rPr lang="en-US" sz="2000" dirty="0" err="1" smtClean="0"/>
+              <a:t>concomitanze</a:t>
+            </a:r>
+            <a:r>
+              <a:rPr lang="en-US" sz="2000" dirty="0" smtClean="0"/>
+              <a:t> </a:t>
+            </a:r>
+            <a:r>
+              <a:rPr lang="en-US" sz="2000" dirty="0" err="1" smtClean="0"/>
+              <a:t>precedentemente</a:t>
+            </a:r>
+            <a:r>
+              <a:rPr lang="en-US" sz="2000" dirty="0" smtClean="0"/>
+              <a:t> </a:t>
+            </a:r>
+            <a:r>
+              <a:rPr lang="en-US" sz="2000" dirty="0" err="1" smtClean="0"/>
+              <a:t>trattate</a:t>
+            </a:r>
+            <a:r>
+              <a:rPr lang="en-US" sz="2000" dirty="0" smtClean="0"/>
+              <a:t>.</a:t>
+            </a:r>
+            <a:endParaRPr lang="en-US" sz="2000" dirty="0"/>
           </a:p>
         </p:txBody>
       </p:sp>
     </p:spTree>
     <p:extLst>
       <p:ext uri="{BB962C8B-B14F-4D97-AF65-F5344CB8AC3E}">
-        <p14:creationId xmlns:p14="http://schemas.microsoft.com/office/powerpoint/2010/main" val="1901624998"/>
+        <p14:creationId xmlns:p14="http://schemas.microsoft.com/office/powerpoint/2010/main" val="12825862"/>
       </p:ext>
     </p:extLst>
   </p:cSld>
   <p:clrMapOvr>
     <a:masterClrMapping/>
   </p:clrMapOvr>
+  <p:timing>
+    <p:tnLst>
+      <p:par>
+        <p:cTn xmlns:p14="http://schemas.microsoft.com/office/powerpoint/2010/main" id="1" dur="indefinite" restart="never" nodeType="tmRoot"/>
+      </p:par>
+    </p:tnLst>
+  </p:timing>
 </p:sld>
 </file>
 
@@ -15829,10 +16919,20 @@
         </p:nvSpPr>
         <p:spPr/>
         <p:txBody>
-          <a:bodyPr/>
+          <a:bodyPr>
+            <a:normAutofit/>
+          </a:bodyPr>
           <a:lstStyle/>
           <a:p>
-            <a:endParaRPr lang="en-US"/>
+            <a:r>
+              <a:rPr lang="en-US" dirty="0" smtClean="0"/>
+              <a:t>Grazie per </a:t>
+            </a:r>
+            <a:r>
+              <a:rPr lang="en-US" dirty="0" err="1" smtClean="0"/>
+              <a:t>l’attenzione</a:t>
+            </a:r>
+            <a:endParaRPr lang="en-US" dirty="0"/>
           </a:p>
         </p:txBody>
       </p:sp>
@@ -15858,81 +16958,20 @@
     </p:spTree>
     <p:extLst>
       <p:ext uri="{BB962C8B-B14F-4D97-AF65-F5344CB8AC3E}">
-        <p14:creationId xmlns:p14="http://schemas.microsoft.com/office/powerpoint/2010/main" val="3033371413"/>
+        <p14:creationId xmlns:p14="http://schemas.microsoft.com/office/powerpoint/2010/main" val="1901624998"/>
       </p:ext>
     </p:extLst>
   </p:cSld>
   <p:clrMapOvr>
     <a:masterClrMapping/>
   </p:clrMapOvr>
-</p:sld>
-</file>
-
-<file path=ppt/slides/slide29.xml><?xml version="1.0" encoding="utf-8"?>
-<p:sld xmlns:a="http://schemas.openxmlformats.org/drawingml/2006/main" xmlns:r="http://schemas.openxmlformats.org/officeDocument/2006/relationships" xmlns:p="http://schemas.openxmlformats.org/presentationml/2006/main">
-  <p:cSld>
-    <p:spTree>
-      <p:nvGrpSpPr>
-        <p:cNvPr id="1" name=""/>
-        <p:cNvGrpSpPr/>
-        <p:nvPr/>
-      </p:nvGrpSpPr>
-      <p:grpSpPr>
-        <a:xfrm>
-          <a:off x="0" y="0"/>
-          <a:ext cx="0" cy="0"/>
-          <a:chOff x="0" y="0"/>
-          <a:chExt cx="0" cy="0"/>
-        </a:xfrm>
-      </p:grpSpPr>
-      <p:sp>
-        <p:nvSpPr>
-          <p:cNvPr id="2" name="Title 1"/>
-          <p:cNvSpPr>
-            <a:spLocks noGrp="1"/>
-          </p:cNvSpPr>
-          <p:nvPr>
-            <p:ph type="title"/>
-          </p:nvPr>
-        </p:nvSpPr>
-        <p:spPr/>
-        <p:txBody>
-          <a:bodyPr/>
-          <a:lstStyle/>
-          <a:p>
-            <a:endParaRPr lang="en-US"/>
-          </a:p>
-        </p:txBody>
-      </p:sp>
-      <p:sp>
-        <p:nvSpPr>
-          <p:cNvPr id="3" name="Content Placeholder 2"/>
-          <p:cNvSpPr>
-            <a:spLocks noGrp="1"/>
-          </p:cNvSpPr>
-          <p:nvPr>
-            <p:ph idx="1"/>
-          </p:nvPr>
-        </p:nvSpPr>
-        <p:spPr/>
-        <p:txBody>
-          <a:bodyPr/>
-          <a:lstStyle/>
-          <a:p>
-            <a:endParaRPr lang="en-US"/>
-          </a:p>
-        </p:txBody>
-      </p:sp>
-    </p:spTree>
-    <p:extLst>
-      <p:ext uri="{BB962C8B-B14F-4D97-AF65-F5344CB8AC3E}">
-        <p14:creationId xmlns:p14="http://schemas.microsoft.com/office/powerpoint/2010/main" val="3486474296"/>
-      </p:ext>
-    </p:extLst>
-  </p:cSld>
-  <p:clrMapOvr>
-    <a:masterClrMapping/>
-  </p:clrMapOvr>
+  <p:timing>
+    <p:tnLst>
+      <p:par>
+        <p:cTn xmlns:p14="http://schemas.microsoft.com/office/powerpoint/2010/main" id="1" dur="indefinite" restart="never" nodeType="tmRoot"/>
+      </p:par>
+    </p:tnLst>
+  </p:timing>
 </p:sld>
 </file>
 
@@ -16289,156 +17328,127 @@
   <p:timing>
     <p:tnLst>
       <p:par>
-        <p:cTn xmlns:p14="http://schemas.microsoft.com/office/powerpoint/2010/main" id="1" dur="indefinite" restart="never" nodeType="tmRoot"/>
+        <p:cTn xmlns:p14="http://schemas.microsoft.com/office/powerpoint/2010/main" id="1" dur="indefinite" restart="never" nodeType="tmRoot">
+          <p:childTnLst>
+            <p:seq concurrent="1" nextAc="seek">
+              <p:cTn id="2" dur="indefinite" nodeType="mainSeq">
+                <p:childTnLst>
+                  <p:par>
+                    <p:cTn id="3" fill="hold">
+                      <p:stCondLst>
+                        <p:cond delay="indefinite"/>
+                      </p:stCondLst>
+                      <p:childTnLst>
+                        <p:par>
+                          <p:cTn id="4" fill="hold">
+                            <p:stCondLst>
+                              <p:cond delay="0"/>
+                            </p:stCondLst>
+                            <p:childTnLst>
+                              <p:par>
+                                <p:cTn id="5" presetID="1" presetClass="entr" presetSubtype="0" fill="hold" grpId="0" nodeType="clickEffect">
+                                  <p:stCondLst>
+                                    <p:cond delay="0"/>
+                                  </p:stCondLst>
+                                  <p:childTnLst>
+                                    <p:set>
+                                      <p:cBhvr>
+                                        <p:cTn id="6" dur="1" fill="hold">
+                                          <p:stCondLst>
+                                            <p:cond delay="0"/>
+                                          </p:stCondLst>
+                                        </p:cTn>
+                                        <p:tgtEl>
+                                          <p:spTgt spid="7"/>
+                                        </p:tgtEl>
+                                        <p:attrNameLst>
+                                          <p:attrName>style.visibility</p:attrName>
+                                        </p:attrNameLst>
+                                      </p:cBhvr>
+                                      <p:to>
+                                        <p:strVal val="visible"/>
+                                      </p:to>
+                                    </p:set>
+                                  </p:childTnLst>
+                                </p:cTn>
+                              </p:par>
+                            </p:childTnLst>
+                          </p:cTn>
+                        </p:par>
+                      </p:childTnLst>
+                    </p:cTn>
+                  </p:par>
+                  <p:par>
+                    <p:cTn id="7" fill="hold">
+                      <p:stCondLst>
+                        <p:cond delay="indefinite"/>
+                      </p:stCondLst>
+                      <p:childTnLst>
+                        <p:par>
+                          <p:cTn id="8" fill="hold">
+                            <p:stCondLst>
+                              <p:cond delay="0"/>
+                            </p:stCondLst>
+                            <p:childTnLst>
+                              <p:par>
+                                <p:cTn id="9" presetID="1" presetClass="entr" presetSubtype="0" fill="hold" grpId="0" nodeType="clickEffect">
+                                  <p:stCondLst>
+                                    <p:cond delay="0"/>
+                                  </p:stCondLst>
+                                  <p:childTnLst>
+                                    <p:set>
+                                      <p:cBhvr>
+                                        <p:cTn id="10" dur="1" fill="hold">
+                                          <p:stCondLst>
+                                            <p:cond delay="0"/>
+                                          </p:stCondLst>
+                                        </p:cTn>
+                                        <p:tgtEl>
+                                          <p:spTgt spid="8"/>
+                                        </p:tgtEl>
+                                        <p:attrNameLst>
+                                          <p:attrName>style.visibility</p:attrName>
+                                        </p:attrNameLst>
+                                      </p:cBhvr>
+                                      <p:to>
+                                        <p:strVal val="visible"/>
+                                      </p:to>
+                                    </p:set>
+                                  </p:childTnLst>
+                                </p:cTn>
+                              </p:par>
+                            </p:childTnLst>
+                          </p:cTn>
+                        </p:par>
+                      </p:childTnLst>
+                    </p:cTn>
+                  </p:par>
+                </p:childTnLst>
+              </p:cTn>
+              <p:prevCondLst>
+                <p:cond evt="onPrev" delay="0">
+                  <p:tgtEl>
+                    <p:sldTgt/>
+                  </p:tgtEl>
+                </p:cond>
+              </p:prevCondLst>
+              <p:nextCondLst>
+                <p:cond evt="onNext" delay="0">
+                  <p:tgtEl>
+                    <p:sldTgt/>
+                  </p:tgtEl>
+                </p:cond>
+              </p:nextCondLst>
+            </p:seq>
+          </p:childTnLst>
+        </p:cTn>
       </p:par>
     </p:tnLst>
+    <p:bldLst>
+      <p:bldP spid="7" grpId="0"/>
+      <p:bldP spid="8" grpId="0"/>
+    </p:bldLst>
   </p:timing>
-</p:sld>
-</file>
-
-<file path=ppt/slides/slide30.xml><?xml version="1.0" encoding="utf-8"?>
-<p:sld xmlns:a="http://schemas.openxmlformats.org/drawingml/2006/main" xmlns:r="http://schemas.openxmlformats.org/officeDocument/2006/relationships" xmlns:p="http://schemas.openxmlformats.org/presentationml/2006/main">
-  <p:cSld>
-    <p:spTree>
-      <p:nvGrpSpPr>
-        <p:cNvPr id="1" name=""/>
-        <p:cNvGrpSpPr/>
-        <p:nvPr/>
-      </p:nvGrpSpPr>
-      <p:grpSpPr>
-        <a:xfrm>
-          <a:off x="0" y="0"/>
-          <a:ext cx="0" cy="0"/>
-          <a:chOff x="0" y="0"/>
-          <a:chExt cx="0" cy="0"/>
-        </a:xfrm>
-      </p:grpSpPr>
-      <p:sp>
-        <p:nvSpPr>
-          <p:cNvPr id="2" name="Title 1"/>
-          <p:cNvSpPr>
-            <a:spLocks noGrp="1"/>
-          </p:cNvSpPr>
-          <p:nvPr>
-            <p:ph type="title"/>
-          </p:nvPr>
-        </p:nvSpPr>
-        <p:spPr/>
-        <p:txBody>
-          <a:bodyPr/>
-          <a:lstStyle/>
-          <a:p>
-            <a:endParaRPr lang="en-US"/>
-          </a:p>
-        </p:txBody>
-      </p:sp>
-      <p:sp>
-        <p:nvSpPr>
-          <p:cNvPr id="3" name="Content Placeholder 2"/>
-          <p:cNvSpPr>
-            <a:spLocks noGrp="1"/>
-          </p:cNvSpPr>
-          <p:nvPr>
-            <p:ph idx="1"/>
-          </p:nvPr>
-        </p:nvSpPr>
-        <p:spPr/>
-        <p:txBody>
-          <a:bodyPr/>
-          <a:lstStyle/>
-          <a:p>
-            <a:endParaRPr lang="en-US"/>
-          </a:p>
-        </p:txBody>
-      </p:sp>
-    </p:spTree>
-    <p:extLst>
-      <p:ext uri="{BB962C8B-B14F-4D97-AF65-F5344CB8AC3E}">
-        <p14:creationId xmlns:p14="http://schemas.microsoft.com/office/powerpoint/2010/main" val="3815187518"/>
-      </p:ext>
-    </p:extLst>
-  </p:cSld>
-  <p:clrMapOvr>
-    <a:masterClrMapping/>
-  </p:clrMapOvr>
-</p:sld>
-</file>
-
-<file path=ppt/slides/slide31.xml><?xml version="1.0" encoding="utf-8"?>
-<p:sld xmlns:a="http://schemas.openxmlformats.org/drawingml/2006/main" xmlns:r="http://schemas.openxmlformats.org/officeDocument/2006/relationships" xmlns:p="http://schemas.openxmlformats.org/presentationml/2006/main">
-  <p:cSld>
-    <p:spTree>
-      <p:nvGrpSpPr>
-        <p:cNvPr id="1" name=""/>
-        <p:cNvGrpSpPr/>
-        <p:nvPr/>
-      </p:nvGrpSpPr>
-      <p:grpSpPr>
-        <a:xfrm>
-          <a:off x="0" y="0"/>
-          <a:ext cx="0" cy="0"/>
-          <a:chOff x="0" y="0"/>
-          <a:chExt cx="0" cy="0"/>
-        </a:xfrm>
-      </p:grpSpPr>
-      <p:sp>
-        <p:nvSpPr>
-          <p:cNvPr id="2" name="Title 1"/>
-          <p:cNvSpPr>
-            <a:spLocks noGrp="1"/>
-          </p:cNvSpPr>
-          <p:nvPr>
-            <p:ph type="title"/>
-          </p:nvPr>
-        </p:nvSpPr>
-        <p:spPr/>
-        <p:txBody>
-          <a:bodyPr>
-            <a:normAutofit/>
-          </a:bodyPr>
-          <a:lstStyle/>
-          <a:p>
-            <a:r>
-              <a:rPr lang="en-US" dirty="0" smtClean="0"/>
-              <a:t>Grazie per </a:t>
-            </a:r>
-            <a:r>
-              <a:rPr lang="en-US" dirty="0" err="1" smtClean="0"/>
-              <a:t>l’attenzione</a:t>
-            </a:r>
-            <a:endParaRPr lang="en-US" dirty="0"/>
-          </a:p>
-        </p:txBody>
-      </p:sp>
-      <p:sp>
-        <p:nvSpPr>
-          <p:cNvPr id="3" name="Content Placeholder 2"/>
-          <p:cNvSpPr>
-            <a:spLocks noGrp="1"/>
-          </p:cNvSpPr>
-          <p:nvPr>
-            <p:ph idx="1"/>
-          </p:nvPr>
-        </p:nvSpPr>
-        <p:spPr/>
-        <p:txBody>
-          <a:bodyPr/>
-          <a:lstStyle/>
-          <a:p>
-            <a:endParaRPr lang="en-US" dirty="0"/>
-          </a:p>
-        </p:txBody>
-      </p:sp>
-    </p:spTree>
-    <p:extLst>
-      <p:ext uri="{BB962C8B-B14F-4D97-AF65-F5344CB8AC3E}">
-        <p14:creationId xmlns:p14="http://schemas.microsoft.com/office/powerpoint/2010/main" val="2632241583"/>
-      </p:ext>
-    </p:extLst>
-  </p:cSld>
-  <p:clrMapOvr>
-    <a:masterClrMapping/>
-  </p:clrMapOvr>
 </p:sld>
 </file>
 
@@ -16849,11 +17859,15 @@
             </a:r>
             <a:r>
               <a:rPr lang="it-IT" sz="2800" dirty="0" smtClean="0"/>
-              <a:t>esperienza, cultura</a:t>
+              <a:t>esperienza, </a:t>
+            </a:r>
+            <a:r>
+              <a:rPr lang="it-IT" sz="2800" dirty="0" smtClean="0"/>
+              <a:t>cultura </a:t>
             </a:r>
             <a:r>
               <a:rPr lang="it-IT" sz="2800" dirty="0"/>
-              <a:t>, e sul </a:t>
+              <a:t>e sul </a:t>
             </a:r>
             <a:r>
               <a:rPr lang="it-IT" sz="2800" dirty="0" smtClean="0"/>
@@ -16880,9 +17894,126 @@
   <p:timing>
     <p:tnLst>
       <p:par>
-        <p:cTn xmlns:p14="http://schemas.microsoft.com/office/powerpoint/2010/main" id="1" dur="indefinite" restart="never" nodeType="tmRoot"/>
+        <p:cTn xmlns:p14="http://schemas.microsoft.com/office/powerpoint/2010/main" id="1" dur="indefinite" restart="never" nodeType="tmRoot">
+          <p:childTnLst>
+            <p:seq concurrent="1" nextAc="seek">
+              <p:cTn id="2" dur="indefinite" nodeType="mainSeq">
+                <p:childTnLst>
+                  <p:par>
+                    <p:cTn id="3" fill="hold">
+                      <p:stCondLst>
+                        <p:cond delay="indefinite"/>
+                      </p:stCondLst>
+                      <p:childTnLst>
+                        <p:par>
+                          <p:cTn id="4" fill="hold">
+                            <p:stCondLst>
+                              <p:cond delay="0"/>
+                            </p:stCondLst>
+                            <p:childTnLst>
+                              <p:par>
+                                <p:cTn id="5" presetID="1" presetClass="entr" presetSubtype="0" fill="hold" grpId="0" nodeType="clickEffect">
+                                  <p:stCondLst>
+                                    <p:cond delay="0"/>
+                                  </p:stCondLst>
+                                  <p:childTnLst>
+                                    <p:set>
+                                      <p:cBhvr>
+                                        <p:cTn id="6" dur="1" fill="hold">
+                                          <p:stCondLst>
+                                            <p:cond delay="0"/>
+                                          </p:stCondLst>
+                                        </p:cTn>
+                                        <p:tgtEl>
+                                          <p:spTgt spid="5"/>
+                                        </p:tgtEl>
+                                        <p:attrNameLst>
+                                          <p:attrName>style.visibility</p:attrName>
+                                        </p:attrNameLst>
+                                      </p:cBhvr>
+                                      <p:to>
+                                        <p:strVal val="visible"/>
+                                      </p:to>
+                                    </p:set>
+                                  </p:childTnLst>
+                                </p:cTn>
+                              </p:par>
+                            </p:childTnLst>
+                          </p:cTn>
+                        </p:par>
+                      </p:childTnLst>
+                    </p:cTn>
+                  </p:par>
+                  <p:par>
+                    <p:cTn id="7" fill="hold">
+                      <p:stCondLst>
+                        <p:cond delay="indefinite"/>
+                      </p:stCondLst>
+                      <p:childTnLst>
+                        <p:par>
+                          <p:cTn id="8" fill="hold">
+                            <p:stCondLst>
+                              <p:cond delay="0"/>
+                            </p:stCondLst>
+                            <p:childTnLst>
+                              <p:par>
+                                <p:cTn id="9" presetID="1" presetClass="entr" presetSubtype="0" fill="hold" grpId="0" nodeType="clickEffect">
+                                  <p:stCondLst>
+                                    <p:cond delay="0"/>
+                                  </p:stCondLst>
+                                  <p:childTnLst>
+                                    <p:set>
+                                      <p:cBhvr>
+                                        <p:cTn id="10" dur="1" fill="hold">
+                                          <p:stCondLst>
+                                            <p:cond delay="0"/>
+                                          </p:stCondLst>
+                                        </p:cTn>
+                                        <p:tgtEl>
+                                          <p:spTgt spid="6"/>
+                                        </p:tgtEl>
+                                        <p:attrNameLst>
+                                          <p:attrName>style.visibility</p:attrName>
+                                        </p:attrNameLst>
+                                      </p:cBhvr>
+                                      <p:to>
+                                        <p:strVal val="visible"/>
+                                      </p:to>
+                                    </p:set>
+                                  </p:childTnLst>
+                                </p:cTn>
+                              </p:par>
+                            </p:childTnLst>
+                          </p:cTn>
+                        </p:par>
+                      </p:childTnLst>
+                    </p:cTn>
+                  </p:par>
+                </p:childTnLst>
+              </p:cTn>
+              <p:prevCondLst>
+                <p:cond evt="onPrev" delay="0">
+                  <p:tgtEl>
+                    <p:sldTgt/>
+                  </p:tgtEl>
+                </p:cond>
+              </p:prevCondLst>
+              <p:nextCondLst>
+                <p:cond evt="onNext" delay="0">
+                  <p:tgtEl>
+                    <p:sldTgt/>
+                  </p:tgtEl>
+                </p:cond>
+              </p:nextCondLst>
+            </p:seq>
+          </p:childTnLst>
+        </p:cTn>
       </p:par>
     </p:tnLst>
+    <p:bldLst>
+      <p:bldP spid="5" grpId="0"/>
+      <p:bldP spid="6" grpId="0"/>
+    </p:bldLst>
   </p:timing>
 </p:sld>
 </file>
@@ -17038,7 +18169,15 @@
             </a:r>
             <a:r>
               <a:rPr lang="it-IT" sz="2800" dirty="0"/>
-              <a:t>del progetto è destinato a fallire, o comunque a non soddisfare il cliente/utente. </a:t>
+              <a:t>del progetto è destinato a </a:t>
+            </a:r>
+            <a:r>
+              <a:rPr lang="it-IT" sz="2800" dirty="0" smtClean="0"/>
+              <a:t>fallire </a:t>
+            </a:r>
+            <a:r>
+              <a:rPr lang="it-IT" sz="2800" dirty="0"/>
+              <a:t>o comunque a non soddisfare il cliente/utente. </a:t>
             </a:r>
             <a:endParaRPr lang="en-US" sz="2800" dirty="0"/>
           </a:p>
@@ -17476,9 +18615,517 @@
   <p:timing>
     <p:tnLst>
       <p:par>
-        <p:cTn xmlns:p14="http://schemas.microsoft.com/office/powerpoint/2010/main" id="1" dur="indefinite" restart="never" nodeType="tmRoot"/>
+        <p:cTn xmlns:p14="http://schemas.microsoft.com/office/powerpoint/2010/main" id="1" dur="indefinite" restart="never" nodeType="tmRoot">
+          <p:childTnLst>
+            <p:seq concurrent="1" nextAc="seek">
+              <p:cTn id="2" dur="indefinite" nodeType="mainSeq">
+                <p:childTnLst>
+                  <p:par>
+                    <p:cTn id="3" fill="hold">
+                      <p:stCondLst>
+                        <p:cond delay="indefinite"/>
+                        <p:cond evt="onBegin" delay="0">
+                          <p:tn val="2"/>
+                        </p:cond>
+                      </p:stCondLst>
+                      <p:childTnLst>
+                        <p:par>
+                          <p:cTn id="4" fill="hold">
+                            <p:stCondLst>
+                              <p:cond delay="0"/>
+                            </p:stCondLst>
+                            <p:childTnLst>
+                              <p:par>
+                                <p:cTn id="5" presetID="2" presetClass="entr" presetSubtype="8" fill="hold" grpId="0" nodeType="afterEffect">
+                                  <p:stCondLst>
+                                    <p:cond delay="0"/>
+                                  </p:stCondLst>
+                                  <p:childTnLst>
+                                    <p:set>
+                                      <p:cBhvr>
+                                        <p:cTn id="6" dur="1" fill="hold">
+                                          <p:stCondLst>
+                                            <p:cond delay="0"/>
+                                          </p:stCondLst>
+                                        </p:cTn>
+                                        <p:tgtEl>
+                                          <p:spTgt spid="5">
+                                            <p:txEl>
+                                              <p:pRg st="0" end="0"/>
+                                            </p:txEl>
+                                          </p:spTgt>
+                                        </p:tgtEl>
+                                        <p:attrNameLst>
+                                          <p:attrName>style.visibility</p:attrName>
+                                        </p:attrNameLst>
+                                      </p:cBhvr>
+                                      <p:to>
+                                        <p:strVal val="visible"/>
+                                      </p:to>
+                                    </p:set>
+                                    <p:anim calcmode="lin" valueType="num">
+                                      <p:cBhvr additive="base">
+                                        <p:cTn id="7" dur="500" fill="hold"/>
+                                        <p:tgtEl>
+                                          <p:spTgt spid="5">
+                                            <p:txEl>
+                                              <p:pRg st="0" end="0"/>
+                                            </p:txEl>
+                                          </p:spTgt>
+                                        </p:tgtEl>
+                                        <p:attrNameLst>
+                                          <p:attrName>ppt_x</p:attrName>
+                                        </p:attrNameLst>
+                                      </p:cBhvr>
+                                      <p:tavLst>
+                                        <p:tav tm="0">
+                                          <p:val>
+                                            <p:strVal val="0-#ppt_w/2"/>
+                                          </p:val>
+                                        </p:tav>
+                                        <p:tav tm="100000">
+                                          <p:val>
+                                            <p:strVal val="#ppt_x"/>
+                                          </p:val>
+                                        </p:tav>
+                                      </p:tavLst>
+                                    </p:anim>
+                                    <p:anim calcmode="lin" valueType="num">
+                                      <p:cBhvr additive="base">
+                                        <p:cTn id="8" dur="500" fill="hold"/>
+                                        <p:tgtEl>
+                                          <p:spTgt spid="5">
+                                            <p:txEl>
+                                              <p:pRg st="0" end="0"/>
+                                            </p:txEl>
+                                          </p:spTgt>
+                                        </p:tgtEl>
+                                        <p:attrNameLst>
+                                          <p:attrName>ppt_y</p:attrName>
+                                        </p:attrNameLst>
+                                      </p:cBhvr>
+                                      <p:tavLst>
+                                        <p:tav tm="0">
+                                          <p:val>
+                                            <p:strVal val="#ppt_y"/>
+                                          </p:val>
+                                        </p:tav>
+                                        <p:tav tm="100000">
+                                          <p:val>
+                                            <p:strVal val="#ppt_y"/>
+                                          </p:val>
+                                        </p:tav>
+                                      </p:tavLst>
+                                    </p:anim>
+                                  </p:childTnLst>
+                                </p:cTn>
+                              </p:par>
+                            </p:childTnLst>
+                          </p:cTn>
+                        </p:par>
+                        <p:par>
+                          <p:cTn id="9" fill="hold">
+                            <p:stCondLst>
+                              <p:cond delay="500"/>
+                            </p:stCondLst>
+                            <p:childTnLst>
+                              <p:par>
+                                <p:cTn id="10" presetID="2" presetClass="entr" presetSubtype="8" fill="hold" grpId="0" nodeType="afterEffect">
+                                  <p:stCondLst>
+                                    <p:cond delay="0"/>
+                                  </p:stCondLst>
+                                  <p:childTnLst>
+                                    <p:set>
+                                      <p:cBhvr>
+                                        <p:cTn id="11" dur="1" fill="hold">
+                                          <p:stCondLst>
+                                            <p:cond delay="0"/>
+                                          </p:stCondLst>
+                                        </p:cTn>
+                                        <p:tgtEl>
+                                          <p:spTgt spid="5">
+                                            <p:txEl>
+                                              <p:pRg st="1" end="1"/>
+                                            </p:txEl>
+                                          </p:spTgt>
+                                        </p:tgtEl>
+                                        <p:attrNameLst>
+                                          <p:attrName>style.visibility</p:attrName>
+                                        </p:attrNameLst>
+                                      </p:cBhvr>
+                                      <p:to>
+                                        <p:strVal val="visible"/>
+                                      </p:to>
+                                    </p:set>
+                                    <p:anim calcmode="lin" valueType="num">
+                                      <p:cBhvr additive="base">
+                                        <p:cTn id="12" dur="500" fill="hold"/>
+                                        <p:tgtEl>
+                                          <p:spTgt spid="5">
+                                            <p:txEl>
+                                              <p:pRg st="1" end="1"/>
+                                            </p:txEl>
+                                          </p:spTgt>
+                                        </p:tgtEl>
+                                        <p:attrNameLst>
+                                          <p:attrName>ppt_x</p:attrName>
+                                        </p:attrNameLst>
+                                      </p:cBhvr>
+                                      <p:tavLst>
+                                        <p:tav tm="0">
+                                          <p:val>
+                                            <p:strVal val="0-#ppt_w/2"/>
+                                          </p:val>
+                                        </p:tav>
+                                        <p:tav tm="100000">
+                                          <p:val>
+                                            <p:strVal val="#ppt_x"/>
+                                          </p:val>
+                                        </p:tav>
+                                      </p:tavLst>
+                                    </p:anim>
+                                    <p:anim calcmode="lin" valueType="num">
+                                      <p:cBhvr additive="base">
+                                        <p:cTn id="13" dur="500" fill="hold"/>
+                                        <p:tgtEl>
+                                          <p:spTgt spid="5">
+                                            <p:txEl>
+                                              <p:pRg st="1" end="1"/>
+                                            </p:txEl>
+                                          </p:spTgt>
+                                        </p:tgtEl>
+                                        <p:attrNameLst>
+                                          <p:attrName>ppt_y</p:attrName>
+                                        </p:attrNameLst>
+                                      </p:cBhvr>
+                                      <p:tavLst>
+                                        <p:tav tm="0">
+                                          <p:val>
+                                            <p:strVal val="#ppt_y"/>
+                                          </p:val>
+                                        </p:tav>
+                                        <p:tav tm="100000">
+                                          <p:val>
+                                            <p:strVal val="#ppt_y"/>
+                                          </p:val>
+                                        </p:tav>
+                                      </p:tavLst>
+                                    </p:anim>
+                                  </p:childTnLst>
+                                </p:cTn>
+                              </p:par>
+                            </p:childTnLst>
+                          </p:cTn>
+                        </p:par>
+                        <p:par>
+                          <p:cTn id="14" fill="hold">
+                            <p:stCondLst>
+                              <p:cond delay="1000"/>
+                            </p:stCondLst>
+                            <p:childTnLst>
+                              <p:par>
+                                <p:cTn id="15" presetID="2" presetClass="entr" presetSubtype="8" fill="hold" grpId="0" nodeType="afterEffect">
+                                  <p:stCondLst>
+                                    <p:cond delay="0"/>
+                                  </p:stCondLst>
+                                  <p:childTnLst>
+                                    <p:set>
+                                      <p:cBhvr>
+                                        <p:cTn id="16" dur="1" fill="hold">
+                                          <p:stCondLst>
+                                            <p:cond delay="0"/>
+                                          </p:stCondLst>
+                                        </p:cTn>
+                                        <p:tgtEl>
+                                          <p:spTgt spid="5">
+                                            <p:txEl>
+                                              <p:pRg st="2" end="2"/>
+                                            </p:txEl>
+                                          </p:spTgt>
+                                        </p:tgtEl>
+                                        <p:attrNameLst>
+                                          <p:attrName>style.visibility</p:attrName>
+                                        </p:attrNameLst>
+                                      </p:cBhvr>
+                                      <p:to>
+                                        <p:strVal val="visible"/>
+                                      </p:to>
+                                    </p:set>
+                                    <p:anim calcmode="lin" valueType="num">
+                                      <p:cBhvr additive="base">
+                                        <p:cTn id="17" dur="500" fill="hold"/>
+                                        <p:tgtEl>
+                                          <p:spTgt spid="5">
+                                            <p:txEl>
+                                              <p:pRg st="2" end="2"/>
+                                            </p:txEl>
+                                          </p:spTgt>
+                                        </p:tgtEl>
+                                        <p:attrNameLst>
+                                          <p:attrName>ppt_x</p:attrName>
+                                        </p:attrNameLst>
+                                      </p:cBhvr>
+                                      <p:tavLst>
+                                        <p:tav tm="0">
+                                          <p:val>
+                                            <p:strVal val="0-#ppt_w/2"/>
+                                          </p:val>
+                                        </p:tav>
+                                        <p:tav tm="100000">
+                                          <p:val>
+                                            <p:strVal val="#ppt_x"/>
+                                          </p:val>
+                                        </p:tav>
+                                      </p:tavLst>
+                                    </p:anim>
+                                    <p:anim calcmode="lin" valueType="num">
+                                      <p:cBhvr additive="base">
+                                        <p:cTn id="18" dur="500" fill="hold"/>
+                                        <p:tgtEl>
+                                          <p:spTgt spid="5">
+                                            <p:txEl>
+                                              <p:pRg st="2" end="2"/>
+                                            </p:txEl>
+                                          </p:spTgt>
+                                        </p:tgtEl>
+                                        <p:attrNameLst>
+                                          <p:attrName>ppt_y</p:attrName>
+                                        </p:attrNameLst>
+                                      </p:cBhvr>
+                                      <p:tavLst>
+                                        <p:tav tm="0">
+                                          <p:val>
+                                            <p:strVal val="#ppt_y"/>
+                                          </p:val>
+                                        </p:tav>
+                                        <p:tav tm="100000">
+                                          <p:val>
+                                            <p:strVal val="#ppt_y"/>
+                                          </p:val>
+                                        </p:tav>
+                                      </p:tavLst>
+                                    </p:anim>
+                                  </p:childTnLst>
+                                </p:cTn>
+                              </p:par>
+                            </p:childTnLst>
+                          </p:cTn>
+                        </p:par>
+                        <p:par>
+                          <p:cTn id="19" fill="hold">
+                            <p:stCondLst>
+                              <p:cond delay="1500"/>
+                            </p:stCondLst>
+                            <p:childTnLst>
+                              <p:par>
+                                <p:cTn id="20" presetID="2" presetClass="entr" presetSubtype="8" fill="hold" grpId="0" nodeType="afterEffect">
+                                  <p:stCondLst>
+                                    <p:cond delay="0"/>
+                                  </p:stCondLst>
+                                  <p:childTnLst>
+                                    <p:set>
+                                      <p:cBhvr>
+                                        <p:cTn id="21" dur="1" fill="hold">
+                                          <p:stCondLst>
+                                            <p:cond delay="0"/>
+                                          </p:stCondLst>
+                                        </p:cTn>
+                                        <p:tgtEl>
+                                          <p:spTgt spid="5">
+                                            <p:txEl>
+                                              <p:pRg st="3" end="3"/>
+                                            </p:txEl>
+                                          </p:spTgt>
+                                        </p:tgtEl>
+                                        <p:attrNameLst>
+                                          <p:attrName>style.visibility</p:attrName>
+                                        </p:attrNameLst>
+                                      </p:cBhvr>
+                                      <p:to>
+                                        <p:strVal val="visible"/>
+                                      </p:to>
+                                    </p:set>
+                                    <p:anim calcmode="lin" valueType="num">
+                                      <p:cBhvr additive="base">
+                                        <p:cTn id="22" dur="500" fill="hold"/>
+                                        <p:tgtEl>
+                                          <p:spTgt spid="5">
+                                            <p:txEl>
+                                              <p:pRg st="3" end="3"/>
+                                            </p:txEl>
+                                          </p:spTgt>
+                                        </p:tgtEl>
+                                        <p:attrNameLst>
+                                          <p:attrName>ppt_x</p:attrName>
+                                        </p:attrNameLst>
+                                      </p:cBhvr>
+                                      <p:tavLst>
+                                        <p:tav tm="0">
+                                          <p:val>
+                                            <p:strVal val="0-#ppt_w/2"/>
+                                          </p:val>
+                                        </p:tav>
+                                        <p:tav tm="100000">
+                                          <p:val>
+                                            <p:strVal val="#ppt_x"/>
+                                          </p:val>
+                                        </p:tav>
+                                      </p:tavLst>
+                                    </p:anim>
+                                    <p:anim calcmode="lin" valueType="num">
+                                      <p:cBhvr additive="base">
+                                        <p:cTn id="23" dur="500" fill="hold"/>
+                                        <p:tgtEl>
+                                          <p:spTgt spid="5">
+                                            <p:txEl>
+                                              <p:pRg st="3" end="3"/>
+                                            </p:txEl>
+                                          </p:spTgt>
+                                        </p:tgtEl>
+                                        <p:attrNameLst>
+                                          <p:attrName>ppt_y</p:attrName>
+                                        </p:attrNameLst>
+                                      </p:cBhvr>
+                                      <p:tavLst>
+                                        <p:tav tm="0">
+                                          <p:val>
+                                            <p:strVal val="#ppt_y"/>
+                                          </p:val>
+                                        </p:tav>
+                                        <p:tav tm="100000">
+                                          <p:val>
+                                            <p:strVal val="#ppt_y"/>
+                                          </p:val>
+                                        </p:tav>
+                                      </p:tavLst>
+                                    </p:anim>
+                                  </p:childTnLst>
+                                </p:cTn>
+                              </p:par>
+                            </p:childTnLst>
+                          </p:cTn>
+                        </p:par>
+                        <p:par>
+                          <p:cTn id="24" fill="hold">
+                            <p:stCondLst>
+                              <p:cond delay="2000"/>
+                            </p:stCondLst>
+                            <p:childTnLst>
+                              <p:par>
+                                <p:cTn id="25" presetID="2" presetClass="entr" presetSubtype="8" fill="hold" grpId="0" nodeType="afterEffect">
+                                  <p:stCondLst>
+                                    <p:cond delay="0"/>
+                                  </p:stCondLst>
+                                  <p:childTnLst>
+                                    <p:set>
+                                      <p:cBhvr>
+                                        <p:cTn id="26" dur="1" fill="hold">
+                                          <p:stCondLst>
+                                            <p:cond delay="0"/>
+                                          </p:stCondLst>
+                                        </p:cTn>
+                                        <p:tgtEl>
+                                          <p:spTgt spid="5">
+                                            <p:txEl>
+                                              <p:pRg st="4" end="4"/>
+                                            </p:txEl>
+                                          </p:spTgt>
+                                        </p:tgtEl>
+                                        <p:attrNameLst>
+                                          <p:attrName>style.visibility</p:attrName>
+                                        </p:attrNameLst>
+                                      </p:cBhvr>
+                                      <p:to>
+                                        <p:strVal val="visible"/>
+                                      </p:to>
+                                    </p:set>
+                                    <p:anim calcmode="lin" valueType="num">
+                                      <p:cBhvr additive="base">
+                                        <p:cTn id="27" dur="500" fill="hold"/>
+                                        <p:tgtEl>
+                                          <p:spTgt spid="5">
+                                            <p:txEl>
+                                              <p:pRg st="4" end="4"/>
+                                            </p:txEl>
+                                          </p:spTgt>
+                                        </p:tgtEl>
+                                        <p:attrNameLst>
+                                          <p:attrName>ppt_x</p:attrName>
+                                        </p:attrNameLst>
+                                      </p:cBhvr>
+                                      <p:tavLst>
+                                        <p:tav tm="0">
+                                          <p:val>
+                                            <p:strVal val="0-#ppt_w/2"/>
+                                          </p:val>
+                                        </p:tav>
+                                        <p:tav tm="100000">
+                                          <p:val>
+                                            <p:strVal val="#ppt_x"/>
+                                          </p:val>
+                                        </p:tav>
+                                      </p:tavLst>
+                                    </p:anim>
+                                    <p:anim calcmode="lin" valueType="num">
+                                      <p:cBhvr additive="base">
+                                        <p:cTn id="28" dur="500" fill="hold"/>
+                                        <p:tgtEl>
+                                          <p:spTgt spid="5">
+                                            <p:txEl>
+                                              <p:pRg st="4" end="4"/>
+                                            </p:txEl>
+                                          </p:spTgt>
+                                        </p:tgtEl>
+                                        <p:attrNameLst>
+                                          <p:attrName>ppt_y</p:attrName>
+                                        </p:attrNameLst>
+                                      </p:cBhvr>
+                                      <p:tavLst>
+                                        <p:tav tm="0">
+                                          <p:val>
+                                            <p:strVal val="#ppt_y"/>
+                                          </p:val>
+                                        </p:tav>
+                                        <p:tav tm="100000">
+                                          <p:val>
+                                            <p:strVal val="#ppt_y"/>
+                                          </p:val>
+                                        </p:tav>
+                                      </p:tavLst>
+                                    </p:anim>
+                                  </p:childTnLst>
+                                </p:cTn>
+                              </p:par>
+                            </p:childTnLst>
+                          </p:cTn>
+                        </p:par>
+                      </p:childTnLst>
+                    </p:cTn>
+                  </p:par>
+                </p:childTnLst>
+              </p:cTn>
+              <p:prevCondLst>
+                <p:cond evt="onPrev" delay="0">
+                  <p:tgtEl>
+                    <p:sldTgt/>
+                  </p:tgtEl>
+                </p:cond>
+              </p:prevCondLst>
+              <p:nextCondLst>
+                <p:cond evt="onNext" delay="0">
+                  <p:tgtEl>
+                    <p:sldTgt/>
+                  </p:tgtEl>
+                </p:cond>
+              </p:nextCondLst>
+            </p:seq>
+          </p:childTnLst>
+        </p:cTn>
       </p:par>
     </p:tnLst>
+    <p:bldLst>
+      <p:bldP spid="5" grpId="0" build="p"/>
+    </p:bldLst>
   </p:timing>
 </p:sld>
 </file>
@@ -17562,7 +19209,7 @@
             </a:r>
             <a:r>
               <a:rPr lang="en-US" sz="3200" dirty="0" err="1" smtClean="0"/>
-              <a:t>Cascata</a:t>
+              <a:t>Spirale</a:t>
             </a:r>
             <a:endParaRPr lang="en-US" sz="3200" dirty="0"/>
           </a:p>
@@ -17723,9 +19370,80 @@
   <p:timing>
     <p:tnLst>
       <p:par>
-        <p:cTn xmlns:p14="http://schemas.microsoft.com/office/powerpoint/2010/main" id="1" dur="indefinite" restart="never" nodeType="tmRoot"/>
+        <p:cTn xmlns:p14="http://schemas.microsoft.com/office/powerpoint/2010/main" id="1" dur="indefinite" restart="never" nodeType="tmRoot">
+          <p:childTnLst>
+            <p:seq concurrent="1" nextAc="seek">
+              <p:cTn id="2" dur="indefinite" nodeType="mainSeq">
+                <p:childTnLst>
+                  <p:par>
+                    <p:cTn id="3" fill="hold">
+                      <p:stCondLst>
+                        <p:cond delay="indefinite"/>
+                      </p:stCondLst>
+                      <p:childTnLst>
+                        <p:par>
+                          <p:cTn id="4" fill="hold">
+                            <p:stCondLst>
+                              <p:cond delay="0"/>
+                            </p:stCondLst>
+                            <p:childTnLst>
+                              <p:par>
+                                <p:cTn id="5" presetID="1" presetClass="entr" presetSubtype="0" fill="hold" grpId="0" nodeType="clickEffect">
+                                  <p:stCondLst>
+                                    <p:cond delay="0"/>
+                                  </p:stCondLst>
+                                  <p:childTnLst>
+                                    <p:set>
+                                      <p:cBhvr>
+                                        <p:cTn id="6" dur="1" fill="hold">
+                                          <p:stCondLst>
+                                            <p:cond delay="0"/>
+                                          </p:stCondLst>
+                                        </p:cTn>
+                                        <p:tgtEl>
+                                          <p:spTgt spid="10"/>
+                                        </p:tgtEl>
+                                        <p:attrNameLst>
+                                          <p:attrName>style.visibility</p:attrName>
+                                        </p:attrNameLst>
+                                      </p:cBhvr>
+                                      <p:to>
+                                        <p:strVal val="visible"/>
+                                      </p:to>
+                                    </p:set>
+                                  </p:childTnLst>
+                                </p:cTn>
+                              </p:par>
+                            </p:childTnLst>
+                          </p:cTn>
+                        </p:par>
+                      </p:childTnLst>
+                    </p:cTn>
+                  </p:par>
+                </p:childTnLst>
+              </p:cTn>
+              <p:prevCondLst>
+                <p:cond evt="onPrev" delay="0">
+                  <p:tgtEl>
+                    <p:sldTgt/>
+                  </p:tgtEl>
+                </p:cond>
+              </p:prevCondLst>
+              <p:nextCondLst>
+                <p:cond evt="onNext" delay="0">
+                  <p:tgtEl>
+                    <p:sldTgt/>
+                  </p:tgtEl>
+                </p:cond>
+              </p:nextCondLst>
+            </p:seq>
+          </p:childTnLst>
+        </p:cTn>
       </p:par>
     </p:tnLst>
+    <p:bldLst>
+      <p:bldP spid="10" grpId="0" animBg="1"/>
+    </p:bldLst>
   </p:timing>
 </p:sld>
 </file>
